--- a/Presentation.pptx
+++ b/Presentation.pptx
@@ -4,6 +4,9 @@
   <p:sldMasterIdLst>
     <p:sldMasterId id="2147483738" r:id="rId1"/>
   </p:sldMasterIdLst>
+  <p:notesMasterIdLst>
+    <p:notesMasterId r:id="rId19"/>
+  </p:notesMasterIdLst>
   <p:sldIdLst>
     <p:sldId id="256" r:id="rId2"/>
     <p:sldId id="257" r:id="rId3"/>
@@ -16,10 +19,12 @@
     <p:sldId id="265" r:id="rId10"/>
     <p:sldId id="260" r:id="rId11"/>
     <p:sldId id="263" r:id="rId12"/>
-    <p:sldId id="264" r:id="rId13"/>
-    <p:sldId id="267" r:id="rId14"/>
-    <p:sldId id="270" r:id="rId15"/>
-    <p:sldId id="266" r:id="rId16"/>
+    <p:sldId id="272" r:id="rId13"/>
+    <p:sldId id="264" r:id="rId14"/>
+    <p:sldId id="267" r:id="rId15"/>
+    <p:sldId id="270" r:id="rId16"/>
+    <p:sldId id="266" r:id="rId17"/>
+    <p:sldId id="271" r:id="rId18"/>
   </p:sldIdLst>
   <p:sldSz cx="12192000" cy="6858000"/>
   <p:notesSz cx="6858000" cy="9144000"/>
@@ -1109,7 +1114,7 @@
   <dgm:whole/>
   <dgm:extLst>
     <a:ext uri="http://schemas.microsoft.com/office/drawing/2008/diagram">
-      <dsp:dataModelExt xmlns:dsp="http://schemas.microsoft.com/office/drawing/2008/diagram" relId="rId7" minVer="http://schemas.openxmlformats.org/drawingml/2006/diagram"/>
+      <dsp:dataModelExt xmlns:dsp="http://schemas.microsoft.com/office/drawing/2008/diagram" relId="rId6" minVer="http://schemas.openxmlformats.org/drawingml/2006/diagram"/>
     </a:ext>
   </dgm:extLst>
 </dgm:dataModel>
@@ -2580,6 +2585,355 @@
 </dgm:styleDef>
 </file>
 
+<file path=ppt/notesMasters/notesMaster1.xml><?xml version="1.0" encoding="utf-8"?>
+<p:notesMaster xmlns:a="http://schemas.openxmlformats.org/drawingml/2006/main" xmlns:r="http://schemas.openxmlformats.org/officeDocument/2006/relationships" xmlns:p="http://schemas.openxmlformats.org/presentationml/2006/main">
+  <p:cSld>
+    <p:bg>
+      <p:bgRef idx="1001">
+        <a:schemeClr val="bg1"/>
+      </p:bgRef>
+    </p:bg>
+    <p:spTree>
+      <p:nvGrpSpPr>
+        <p:cNvPr id="1" name=""/>
+        <p:cNvGrpSpPr/>
+        <p:nvPr/>
+      </p:nvGrpSpPr>
+      <p:grpSpPr>
+        <a:xfrm>
+          <a:off x="0" y="0"/>
+          <a:ext cx="0" cy="0"/>
+          <a:chOff x="0" y="0"/>
+          <a:chExt cx="0" cy="0"/>
+        </a:xfrm>
+      </p:grpSpPr>
+      <p:sp>
+        <p:nvSpPr>
+          <p:cNvPr id="2" name="Header Placeholder 1"/>
+          <p:cNvSpPr>
+            <a:spLocks noGrp="1"/>
+          </p:cNvSpPr>
+          <p:nvPr>
+            <p:ph type="hdr" sz="quarter"/>
+          </p:nvPr>
+        </p:nvSpPr>
+        <p:spPr>
+          <a:xfrm>
+            <a:off x="0" y="0"/>
+            <a:ext cx="2971800" cy="458788"/>
+          </a:xfrm>
+          <a:prstGeom prst="rect">
+            <a:avLst/>
+          </a:prstGeom>
+        </p:spPr>
+        <p:txBody>
+          <a:bodyPr vert="horz" lIns="91440" tIns="45720" rIns="91440" bIns="45720" rtlCol="0"/>
+          <a:lstStyle>
+            <a:lvl1pPr algn="l">
+              <a:defRPr sz="1200"/>
+            </a:lvl1pPr>
+          </a:lstStyle>
+          <a:p>
+            <a:endParaRPr lang="en-US"/>
+          </a:p>
+        </p:txBody>
+      </p:sp>
+      <p:sp>
+        <p:nvSpPr>
+          <p:cNvPr id="3" name="Date Placeholder 2"/>
+          <p:cNvSpPr>
+            <a:spLocks noGrp="1"/>
+          </p:cNvSpPr>
+          <p:nvPr>
+            <p:ph type="dt" idx="1"/>
+          </p:nvPr>
+        </p:nvSpPr>
+        <p:spPr>
+          <a:xfrm>
+            <a:off x="3884613" y="0"/>
+            <a:ext cx="2971800" cy="458788"/>
+          </a:xfrm>
+          <a:prstGeom prst="rect">
+            <a:avLst/>
+          </a:prstGeom>
+        </p:spPr>
+        <p:txBody>
+          <a:bodyPr vert="horz" lIns="91440" tIns="45720" rIns="91440" bIns="45720" rtlCol="0"/>
+          <a:lstStyle>
+            <a:lvl1pPr algn="r">
+              <a:defRPr sz="1200"/>
+            </a:lvl1pPr>
+          </a:lstStyle>
+          <a:p>
+            <a:fld id="{5DF42AE3-2F8B-4AED-9C67-F8FD48AD7F13}" type="datetimeFigureOut">
+              <a:rPr lang="en-US" smtClean="0"/>
+              <a:t>12/3/2019</a:t>
+            </a:fld>
+            <a:endParaRPr lang="en-US"/>
+          </a:p>
+        </p:txBody>
+      </p:sp>
+      <p:sp>
+        <p:nvSpPr>
+          <p:cNvPr id="4" name="Slide Image Placeholder 3"/>
+          <p:cNvSpPr>
+            <a:spLocks noGrp="1" noRot="1" noChangeAspect="1"/>
+          </p:cNvSpPr>
+          <p:nvPr>
+            <p:ph type="sldImg" idx="2"/>
+          </p:nvPr>
+        </p:nvSpPr>
+        <p:spPr>
+          <a:xfrm>
+            <a:off x="685800" y="1143000"/>
+            <a:ext cx="5486400" cy="3086100"/>
+          </a:xfrm>
+          <a:prstGeom prst="rect">
+            <a:avLst/>
+          </a:prstGeom>
+          <a:noFill/>
+          <a:ln w="12700">
+            <a:solidFill>
+              <a:prstClr val="black"/>
+            </a:solidFill>
+          </a:ln>
+        </p:spPr>
+        <p:txBody>
+          <a:bodyPr vert="horz" lIns="91440" tIns="45720" rIns="91440" bIns="45720" rtlCol="0" anchor="ctr"/>
+          <a:lstStyle/>
+          <a:p>
+            <a:endParaRPr lang="en-US"/>
+          </a:p>
+        </p:txBody>
+      </p:sp>
+      <p:sp>
+        <p:nvSpPr>
+          <p:cNvPr id="5" name="Notes Placeholder 4"/>
+          <p:cNvSpPr>
+            <a:spLocks noGrp="1"/>
+          </p:cNvSpPr>
+          <p:nvPr>
+            <p:ph type="body" sz="quarter" idx="3"/>
+          </p:nvPr>
+        </p:nvSpPr>
+        <p:spPr>
+          <a:xfrm>
+            <a:off x="685800" y="4400550"/>
+            <a:ext cx="5486400" cy="3600450"/>
+          </a:xfrm>
+          <a:prstGeom prst="rect">
+            <a:avLst/>
+          </a:prstGeom>
+        </p:spPr>
+        <p:txBody>
+          <a:bodyPr vert="horz" lIns="91440" tIns="45720" rIns="91440" bIns="45720" rtlCol="0"/>
+          <a:lstStyle/>
+          <a:p>
+            <a:pPr lvl="0"/>
+            <a:r>
+              <a:rPr lang="en-US"/>
+              <a:t>Click to edit Master text styles</a:t>
+            </a:r>
+          </a:p>
+          <a:p>
+            <a:pPr lvl="1"/>
+            <a:r>
+              <a:rPr lang="en-US"/>
+              <a:t>Second level</a:t>
+            </a:r>
+          </a:p>
+          <a:p>
+            <a:pPr lvl="2"/>
+            <a:r>
+              <a:rPr lang="en-US"/>
+              <a:t>Third level</a:t>
+            </a:r>
+          </a:p>
+          <a:p>
+            <a:pPr lvl="3"/>
+            <a:r>
+              <a:rPr lang="en-US"/>
+              <a:t>Fourth level</a:t>
+            </a:r>
+          </a:p>
+          <a:p>
+            <a:pPr lvl="4"/>
+            <a:r>
+              <a:rPr lang="en-US"/>
+              <a:t>Fifth level</a:t>
+            </a:r>
+          </a:p>
+        </p:txBody>
+      </p:sp>
+      <p:sp>
+        <p:nvSpPr>
+          <p:cNvPr id="6" name="Footer Placeholder 5"/>
+          <p:cNvSpPr>
+            <a:spLocks noGrp="1"/>
+          </p:cNvSpPr>
+          <p:nvPr>
+            <p:ph type="ftr" sz="quarter" idx="4"/>
+          </p:nvPr>
+        </p:nvSpPr>
+        <p:spPr>
+          <a:xfrm>
+            <a:off x="0" y="8685213"/>
+            <a:ext cx="2971800" cy="458787"/>
+          </a:xfrm>
+          <a:prstGeom prst="rect">
+            <a:avLst/>
+          </a:prstGeom>
+        </p:spPr>
+        <p:txBody>
+          <a:bodyPr vert="horz" lIns="91440" tIns="45720" rIns="91440" bIns="45720" rtlCol="0" anchor="b"/>
+          <a:lstStyle>
+            <a:lvl1pPr algn="l">
+              <a:defRPr sz="1200"/>
+            </a:lvl1pPr>
+          </a:lstStyle>
+          <a:p>
+            <a:endParaRPr lang="en-US"/>
+          </a:p>
+        </p:txBody>
+      </p:sp>
+      <p:sp>
+        <p:nvSpPr>
+          <p:cNvPr id="7" name="Slide Number Placeholder 6"/>
+          <p:cNvSpPr>
+            <a:spLocks noGrp="1"/>
+          </p:cNvSpPr>
+          <p:nvPr>
+            <p:ph type="sldNum" sz="quarter" idx="5"/>
+          </p:nvPr>
+        </p:nvSpPr>
+        <p:spPr>
+          <a:xfrm>
+            <a:off x="3884613" y="8685213"/>
+            <a:ext cx="2971800" cy="458787"/>
+          </a:xfrm>
+          <a:prstGeom prst="rect">
+            <a:avLst/>
+          </a:prstGeom>
+        </p:spPr>
+        <p:txBody>
+          <a:bodyPr vert="horz" lIns="91440" tIns="45720" rIns="91440" bIns="45720" rtlCol="0" anchor="b"/>
+          <a:lstStyle>
+            <a:lvl1pPr algn="r">
+              <a:defRPr sz="1200"/>
+            </a:lvl1pPr>
+          </a:lstStyle>
+          <a:p>
+            <a:fld id="{30ABB9A7-65C8-4664-B116-647FFB3FFB9A}" type="slidenum">
+              <a:rPr lang="en-US" smtClean="0"/>
+              <a:t>‹#›</a:t>
+            </a:fld>
+            <a:endParaRPr lang="en-US"/>
+          </a:p>
+        </p:txBody>
+      </p:sp>
+    </p:spTree>
+    <p:extLst>
+      <p:ext uri="{BB962C8B-B14F-4D97-AF65-F5344CB8AC3E}">
+        <p14:creationId xmlns:p14="http://schemas.microsoft.com/office/powerpoint/2010/main" val="444527111"/>
+      </p:ext>
+    </p:extLst>
+  </p:cSld>
+  <p:clrMap bg1="lt1" tx1="dk1" bg2="lt2" tx2="dk2" accent1="accent1" accent2="accent2" accent3="accent3" accent4="accent4" accent5="accent5" accent6="accent6" hlink="hlink" folHlink="folHlink"/>
+  <p:notesStyle>
+    <a:lvl1pPr marL="0" algn="l" defTabSz="914400" rtl="0" eaLnBrk="1" latinLnBrk="0" hangingPunct="1">
+      <a:defRPr sz="1200" kern="1200">
+        <a:solidFill>
+          <a:schemeClr val="tx1"/>
+        </a:solidFill>
+        <a:latin typeface="+mn-lt"/>
+        <a:ea typeface="+mn-ea"/>
+        <a:cs typeface="+mn-cs"/>
+      </a:defRPr>
+    </a:lvl1pPr>
+    <a:lvl2pPr marL="457200" algn="l" defTabSz="914400" rtl="0" eaLnBrk="1" latinLnBrk="0" hangingPunct="1">
+      <a:defRPr sz="1200" kern="1200">
+        <a:solidFill>
+          <a:schemeClr val="tx1"/>
+        </a:solidFill>
+        <a:latin typeface="+mn-lt"/>
+        <a:ea typeface="+mn-ea"/>
+        <a:cs typeface="+mn-cs"/>
+      </a:defRPr>
+    </a:lvl2pPr>
+    <a:lvl3pPr marL="914400" algn="l" defTabSz="914400" rtl="0" eaLnBrk="1" latinLnBrk="0" hangingPunct="1">
+      <a:defRPr sz="1200" kern="1200">
+        <a:solidFill>
+          <a:schemeClr val="tx1"/>
+        </a:solidFill>
+        <a:latin typeface="+mn-lt"/>
+        <a:ea typeface="+mn-ea"/>
+        <a:cs typeface="+mn-cs"/>
+      </a:defRPr>
+    </a:lvl3pPr>
+    <a:lvl4pPr marL="1371600" algn="l" defTabSz="914400" rtl="0" eaLnBrk="1" latinLnBrk="0" hangingPunct="1">
+      <a:defRPr sz="1200" kern="1200">
+        <a:solidFill>
+          <a:schemeClr val="tx1"/>
+        </a:solidFill>
+        <a:latin typeface="+mn-lt"/>
+        <a:ea typeface="+mn-ea"/>
+        <a:cs typeface="+mn-cs"/>
+      </a:defRPr>
+    </a:lvl4pPr>
+    <a:lvl5pPr marL="1828800" algn="l" defTabSz="914400" rtl="0" eaLnBrk="1" latinLnBrk="0" hangingPunct="1">
+      <a:defRPr sz="1200" kern="1200">
+        <a:solidFill>
+          <a:schemeClr val="tx1"/>
+        </a:solidFill>
+        <a:latin typeface="+mn-lt"/>
+        <a:ea typeface="+mn-ea"/>
+        <a:cs typeface="+mn-cs"/>
+      </a:defRPr>
+    </a:lvl5pPr>
+    <a:lvl6pPr marL="2286000" algn="l" defTabSz="914400" rtl="0" eaLnBrk="1" latinLnBrk="0" hangingPunct="1">
+      <a:defRPr sz="1200" kern="1200">
+        <a:solidFill>
+          <a:schemeClr val="tx1"/>
+        </a:solidFill>
+        <a:latin typeface="+mn-lt"/>
+        <a:ea typeface="+mn-ea"/>
+        <a:cs typeface="+mn-cs"/>
+      </a:defRPr>
+    </a:lvl6pPr>
+    <a:lvl7pPr marL="2743200" algn="l" defTabSz="914400" rtl="0" eaLnBrk="1" latinLnBrk="0" hangingPunct="1">
+      <a:defRPr sz="1200" kern="1200">
+        <a:solidFill>
+          <a:schemeClr val="tx1"/>
+        </a:solidFill>
+        <a:latin typeface="+mn-lt"/>
+        <a:ea typeface="+mn-ea"/>
+        <a:cs typeface="+mn-cs"/>
+      </a:defRPr>
+    </a:lvl7pPr>
+    <a:lvl8pPr marL="3200400" algn="l" defTabSz="914400" rtl="0" eaLnBrk="1" latinLnBrk="0" hangingPunct="1">
+      <a:defRPr sz="1200" kern="1200">
+        <a:solidFill>
+          <a:schemeClr val="tx1"/>
+        </a:solidFill>
+        <a:latin typeface="+mn-lt"/>
+        <a:ea typeface="+mn-ea"/>
+        <a:cs typeface="+mn-cs"/>
+      </a:defRPr>
+    </a:lvl8pPr>
+    <a:lvl9pPr marL="3657600" algn="l" defTabSz="914400" rtl="0" eaLnBrk="1" latinLnBrk="0" hangingPunct="1">
+      <a:defRPr sz="1200" kern="1200">
+        <a:solidFill>
+          <a:schemeClr val="tx1"/>
+        </a:solidFill>
+        <a:latin typeface="+mn-lt"/>
+        <a:ea typeface="+mn-ea"/>
+        <a:cs typeface="+mn-cs"/>
+      </a:defRPr>
+    </a:lvl9pPr>
+  </p:notesStyle>
+</p:notesMaster>
+</file>
+
 <file path=ppt/slideLayouts/slideLayout1.xml><?xml version="1.0" encoding="utf-8"?>
 <p:sldLayout xmlns:a="http://schemas.openxmlformats.org/drawingml/2006/main" xmlns:r="http://schemas.openxmlformats.org/officeDocument/2006/relationships" xmlns:p="http://schemas.openxmlformats.org/presentationml/2006/main" showMasterSp="0" type="title" preserve="1">
   <p:cSld name="Title Slide">
@@ -2909,10 +3263,9 @@
           <a:bodyPr/>
           <a:lstStyle/>
           <a:p>
-            <a:fld id="{B61BEF0D-F0BB-DE4B-95CE-6DB70DBA9567}" type="datetimeFigureOut">
+            <a:fld id="{4AD757F8-0ADB-4199-B37D-350A1699B8B8}" type="datetime1">
               <a:rPr lang="en-US" smtClean="0"/>
-              <a:pPr/>
-              <a:t>12/2/2019</a:t>
+              <a:t>12/3/2019</a:t>
             </a:fld>
             <a:endParaRPr lang="en-US" dirty="0"/>
           </a:p>
@@ -3235,10 +3588,9 @@
           <a:bodyPr/>
           <a:lstStyle/>
           <a:p>
-            <a:fld id="{B61BEF0D-F0BB-DE4B-95CE-6DB70DBA9567}" type="datetimeFigureOut">
+            <a:fld id="{7CA17D3D-E831-48E4-8B67-F185B1252838}" type="datetime1">
               <a:rPr lang="en-US" smtClean="0"/>
-              <a:pPr/>
-              <a:t>12/2/2019</a:t>
+              <a:t>12/3/2019</a:t>
             </a:fld>
             <a:endParaRPr lang="en-US" dirty="0"/>
           </a:p>
@@ -3485,10 +3837,9 @@
           <a:bodyPr/>
           <a:lstStyle/>
           <a:p>
-            <a:fld id="{B61BEF0D-F0BB-DE4B-95CE-6DB70DBA9567}" type="datetimeFigureOut">
+            <a:fld id="{ECCD5205-8A2D-48D7-8FBF-32938124B9D4}" type="datetime1">
               <a:rPr lang="en-US" smtClean="0"/>
-              <a:pPr/>
-              <a:t>12/2/2019</a:t>
+              <a:t>12/3/2019</a:t>
             </a:fld>
             <a:endParaRPr lang="en-US" dirty="0"/>
           </a:p>
@@ -3826,10 +4177,9 @@
           <a:bodyPr/>
           <a:lstStyle/>
           <a:p>
-            <a:fld id="{B61BEF0D-F0BB-DE4B-95CE-6DB70DBA9567}" type="datetimeFigureOut">
+            <a:fld id="{2134FC96-A7E6-4E3D-9FF7-4A1D232AF09C}" type="datetime1">
               <a:rPr lang="en-US" smtClean="0"/>
-              <a:pPr/>
-              <a:t>12/2/2019</a:t>
+              <a:t>12/3/2019</a:t>
             </a:fld>
             <a:endParaRPr lang="en-US" dirty="0"/>
           </a:p>
@@ -4175,10 +4525,9 @@
           <a:bodyPr/>
           <a:lstStyle/>
           <a:p>
-            <a:fld id="{B61BEF0D-F0BB-DE4B-95CE-6DB70DBA9567}" type="datetimeFigureOut">
+            <a:fld id="{724124FD-2638-4566-BEF2-7A996C7E78CB}" type="datetime1">
               <a:rPr lang="en-US" smtClean="0"/>
-              <a:pPr/>
-              <a:t>12/2/2019</a:t>
+              <a:t>12/3/2019</a:t>
             </a:fld>
             <a:endParaRPr lang="en-US" dirty="0"/>
           </a:p>
@@ -4551,10 +4900,9 @@
           <a:bodyPr/>
           <a:lstStyle/>
           <a:p>
-            <a:fld id="{B61BEF0D-F0BB-DE4B-95CE-6DB70DBA9567}" type="datetimeFigureOut">
+            <a:fld id="{B9D94FE8-F144-45E6-8116-B3A10C1F55EF}" type="datetime1">
               <a:rPr lang="en-US" smtClean="0"/>
-              <a:pPr/>
-              <a:t>12/2/2019</a:t>
+              <a:t>12/3/2019</a:t>
             </a:fld>
             <a:endParaRPr lang="en-US" dirty="0"/>
           </a:p>
@@ -5023,10 +5371,9 @@
           <a:bodyPr/>
           <a:lstStyle/>
           <a:p>
-            <a:fld id="{B61BEF0D-F0BB-DE4B-95CE-6DB70DBA9567}" type="datetimeFigureOut">
+            <a:fld id="{2D188F52-43EA-4C6B-A8FF-673D326AA839}" type="datetime1">
               <a:rPr lang="en-US" smtClean="0"/>
-              <a:pPr/>
-              <a:t>12/2/2019</a:t>
+              <a:t>12/3/2019</a:t>
             </a:fld>
             <a:endParaRPr lang="en-US" dirty="0"/>
           </a:p>
@@ -5230,9 +5577,9 @@
           <a:bodyPr/>
           <a:lstStyle/>
           <a:p>
-            <a:fld id="{55C6B4A9-1611-4792-9094-5F34BCA07E0B}" type="datetimeFigureOut">
+            <a:fld id="{9C9ABA36-6EB6-4276-BE79-D3B2DA3A0040}" type="datetime1">
               <a:rPr lang="en-US" smtClean="0"/>
-              <a:t>12/2/2019</a:t>
+              <a:t>12/3/2019</a:t>
             </a:fld>
             <a:endParaRPr lang="en-US" dirty="0"/>
           </a:p>
@@ -5441,10 +5788,9 @@
           <a:bodyPr/>
           <a:lstStyle/>
           <a:p>
-            <a:fld id="{B61BEF0D-F0BB-DE4B-95CE-6DB70DBA9567}" type="datetimeFigureOut">
+            <a:fld id="{44B4E07A-A51E-424C-81CF-0C5DB809E2EF}" type="datetime1">
               <a:rPr lang="en-US" smtClean="0"/>
-              <a:pPr/>
-              <a:t>12/2/2019</a:t>
+              <a:t>12/3/2019</a:t>
             </a:fld>
             <a:endParaRPr lang="en-US" dirty="0"/>
           </a:p>
@@ -5675,10 +6021,9 @@
           <a:bodyPr/>
           <a:lstStyle/>
           <a:p>
-            <a:fld id="{B61BEF0D-F0BB-DE4B-95CE-6DB70DBA9567}" type="datetimeFigureOut">
+            <a:fld id="{E9C6309C-FCAE-4391-A2BF-A12BB24E1570}" type="datetime1">
               <a:rPr lang="en-US" smtClean="0"/>
-              <a:pPr/>
-              <a:t>12/2/2019</a:t>
+              <a:t>12/3/2019</a:t>
             </a:fld>
             <a:endParaRPr lang="en-US" dirty="0"/>
           </a:p>
@@ -5925,10 +6270,9 @@
           <a:bodyPr/>
           <a:lstStyle/>
           <a:p>
-            <a:fld id="{B61BEF0D-F0BB-DE4B-95CE-6DB70DBA9567}" type="datetimeFigureOut">
+            <a:fld id="{310823E1-4EFB-46A8-A970-654D78B365CD}" type="datetime1">
               <a:rPr lang="en-US" smtClean="0"/>
-              <a:pPr/>
-              <a:t>12/2/2019</a:t>
+              <a:t>12/3/2019</a:t>
             </a:fld>
             <a:endParaRPr lang="en-US" dirty="0"/>
           </a:p>
@@ -6225,9 +6569,9 @@
           <a:bodyPr/>
           <a:lstStyle/>
           <a:p>
-            <a:fld id="{EB712588-04B1-427B-82EE-E8DB90309F08}" type="datetimeFigureOut">
+            <a:fld id="{FB75D501-2569-484E-B761-E82E99B01CE5}" type="datetime1">
               <a:rPr lang="en-US" smtClean="0"/>
-              <a:t>12/2/2019</a:t>
+              <a:t>12/3/2019</a:t>
             </a:fld>
             <a:endParaRPr lang="en-US" dirty="0"/>
           </a:p>
@@ -6619,10 +6963,9 @@
           <a:bodyPr/>
           <a:lstStyle/>
           <a:p>
-            <a:fld id="{B61BEF0D-F0BB-DE4B-95CE-6DB70DBA9567}" type="datetimeFigureOut">
+            <a:fld id="{35E54F51-DC20-45F0-A4E0-8323498B341E}" type="datetime1">
               <a:rPr lang="en-US" smtClean="0"/>
-              <a:pPr/>
-              <a:t>12/2/2019</a:t>
+              <a:t>12/3/2019</a:t>
             </a:fld>
             <a:endParaRPr lang="en-US" dirty="0"/>
           </a:p>
@@ -6770,10 +7113,9 @@
           <a:bodyPr/>
           <a:lstStyle/>
           <a:p>
-            <a:fld id="{B61BEF0D-F0BB-DE4B-95CE-6DB70DBA9567}" type="datetimeFigureOut">
+            <a:fld id="{7BE62C9C-6DB6-45E6-B19B-9729A5971CDA}" type="datetime1">
               <a:rPr lang="en-US" smtClean="0"/>
-              <a:pPr/>
-              <a:t>12/2/2019</a:t>
+              <a:t>12/3/2019</a:t>
             </a:fld>
             <a:endParaRPr lang="en-US" dirty="0"/>
           </a:p>
@@ -6898,10 +7240,9 @@
           <a:bodyPr/>
           <a:lstStyle/>
           <a:p>
-            <a:fld id="{B61BEF0D-F0BB-DE4B-95CE-6DB70DBA9567}" type="datetimeFigureOut">
+            <a:fld id="{FB602EB3-DA6B-4172-9C19-289C9313A766}" type="datetime1">
               <a:rPr lang="en-US" smtClean="0"/>
-              <a:pPr/>
-              <a:t>12/2/2019</a:t>
+              <a:t>12/3/2019</a:t>
             </a:fld>
             <a:endParaRPr lang="en-US" dirty="0"/>
           </a:p>
@@ -7155,9 +7496,9 @@
           <a:bodyPr/>
           <a:lstStyle/>
           <a:p>
-            <a:fld id="{42A54C80-263E-416B-A8E0-580EDEADCBDC}" type="datetimeFigureOut">
+            <a:fld id="{4DA06839-5C23-4CAC-92AB-05309F57691F}" type="datetime1">
               <a:rPr lang="en-US" smtClean="0"/>
-              <a:t>12/2/2019</a:t>
+              <a:t>12/3/2019</a:t>
             </a:fld>
             <a:endParaRPr lang="en-US" dirty="0"/>
           </a:p>
@@ -7470,10 +7811,9 @@
           <a:bodyPr/>
           <a:lstStyle/>
           <a:p>
-            <a:fld id="{B61BEF0D-F0BB-DE4B-95CE-6DB70DBA9567}" type="datetimeFigureOut">
+            <a:fld id="{7A0D702E-2736-435A-84A2-76F0FC8FF4BA}" type="datetime1">
               <a:rPr lang="en-US" smtClean="0"/>
-              <a:pPr/>
-              <a:t>12/2/2019</a:t>
+              <a:t>12/3/2019</a:t>
             </a:fld>
             <a:endParaRPr lang="en-US" dirty="0"/>
           </a:p>
@@ -7823,10 +8163,9 @@
             </a:lvl1pPr>
           </a:lstStyle>
           <a:p>
-            <a:fld id="{B61BEF0D-F0BB-DE4B-95CE-6DB70DBA9567}" type="datetimeFigureOut">
+            <a:fld id="{5BE6606D-6288-41CD-A53A-F7284D643C34}" type="datetime1">
               <a:rPr lang="en-US" smtClean="0"/>
-              <a:pPr/>
-              <a:t>12/2/2019</a:t>
+              <a:t>12/3/2019</a:t>
             </a:fld>
             <a:endParaRPr lang="en-US" dirty="0"/>
           </a:p>
@@ -7938,6 +8277,7 @@
     <p:sldLayoutId id="2147483754" r:id="rId16"/>
     <p:sldLayoutId id="2147483755" r:id="rId17"/>
   </p:sldLayoutIdLst>
+  <p:hf hdr="0" ftr="0" dt="0"/>
   <p:txStyles>
     <p:titleStyle>
       <a:lvl1pPr algn="ctr" defTabSz="457200" rtl="0" eaLnBrk="1" latinLnBrk="0" hangingPunct="1">
@@ -8384,7 +8724,7 @@
         </p:nvSpPr>
         <p:spPr>
           <a:xfrm>
-            <a:off x="3874874" y="2168674"/>
+            <a:off x="3874872" y="1615864"/>
             <a:ext cx="4442243" cy="923330"/>
           </a:xfrm>
           <a:prstGeom prst="rect">
@@ -8424,7 +8764,7 @@
         </p:nvSpPr>
         <p:spPr>
           <a:xfrm>
-            <a:off x="2024816" y="3991833"/>
+            <a:off x="2024814" y="2535103"/>
             <a:ext cx="8142357" cy="830997"/>
           </a:xfrm>
           <a:prstGeom prst="rect">
@@ -8525,7 +8865,7 @@
         </p:nvSpPr>
         <p:spPr>
           <a:xfrm>
-            <a:off x="7900184" y="5585348"/>
+            <a:off x="5832845" y="4016877"/>
             <a:ext cx="3022109" cy="353943"/>
           </a:xfrm>
           <a:prstGeom prst="rect">
@@ -8621,7 +8961,7 @@
         </p:nvSpPr>
         <p:spPr>
           <a:xfrm>
-            <a:off x="7900184" y="6021006"/>
+            <a:off x="5832845" y="4452535"/>
             <a:ext cx="4063548" cy="353943"/>
           </a:xfrm>
           <a:prstGeom prst="rect">
@@ -8761,7 +9101,7 @@
         </p:nvSpPr>
         <p:spPr>
           <a:xfrm>
-            <a:off x="7900184" y="6456664"/>
+            <a:off x="5832845" y="4888193"/>
             <a:ext cx="3052823" cy="353943"/>
           </a:xfrm>
           <a:prstGeom prst="rect">
@@ -9005,6 +9345,18 @@
   <p:clrMapOvr>
     <a:masterClrMapping/>
   </p:clrMapOvr>
+  <mc:AlternateContent xmlns:mc="http://schemas.openxmlformats.org/markup-compatibility/2006" xmlns:p14="http://schemas.microsoft.com/office/powerpoint/2010/main">
+    <mc:Choice Requires="p14">
+      <p:transition spd="med" p14:dur="700">
+        <p:fade/>
+      </p:transition>
+    </mc:Choice>
+    <mc:Fallback xmlns="">
+      <p:transition spd="med">
+        <p:fade/>
+      </p:transition>
+    </mc:Fallback>
+  </mc:AlternateContent>
 </p:sld>
 </file>
 
@@ -9214,8 +9566,8 @@
         </p:nvSpPr>
         <p:spPr>
           <a:xfrm>
-            <a:off x="1332636" y="2286005"/>
-            <a:ext cx="5945692" cy="2802819"/>
+            <a:off x="2052831" y="1898775"/>
+            <a:ext cx="5945692" cy="3970318"/>
           </a:xfrm>
           <a:prstGeom prst="rect">
             <a:avLst/>
@@ -9240,6 +9592,22 @@
                 <a:latin typeface="Segoe UI" panose="020B0502040204020203" pitchFamily="34" charset="0"/>
                 <a:cs typeface="Segoe UI" panose="020B0502040204020203" pitchFamily="34" charset="0"/>
               </a:rPr>
+              <a:t>NXT Brick</a:t>
+            </a:r>
+          </a:p>
+          <a:p>
+            <a:pPr marL="342900" indent="-342900">
+              <a:lnSpc>
+                <a:spcPct val="150000"/>
+              </a:lnSpc>
+              <a:buFontTx/>
+              <a:buChar char="-"/>
+            </a:pPr>
+            <a:r>
+              <a:rPr lang="en-US" sz="2400" b="1" dirty="0">
+                <a:latin typeface="Segoe UI" panose="020B0502040204020203" pitchFamily="34" charset="0"/>
+                <a:cs typeface="Segoe UI" panose="020B0502040204020203" pitchFamily="34" charset="0"/>
+              </a:rPr>
               <a:t>2</a:t>
             </a:r>
             <a:r>
@@ -9272,32 +9640,51 @@
               </a:rPr>
               <a:t>.</a:t>
             </a:r>
-            <a:br>
+            <a:endParaRPr lang="en-US" sz="2400" dirty="0">
+              <a:latin typeface="Segoe UI" panose="020B0502040204020203" pitchFamily="34" charset="0"/>
+              <a:cs typeface="Segoe UI" panose="020B0502040204020203" pitchFamily="34" charset="0"/>
+            </a:endParaRPr>
+          </a:p>
+          <a:p>
+            <a:pPr>
+              <a:lnSpc>
+                <a:spcPct val="150000"/>
+              </a:lnSpc>
+            </a:pPr>
+            <a:r>
               <a:rPr lang="en-US" sz="2400" dirty="0">
                 <a:latin typeface="Segoe UI" panose="020B0502040204020203" pitchFamily="34" charset="0"/>
                 <a:cs typeface="Segoe UI" panose="020B0502040204020203" pitchFamily="34" charset="0"/>
               </a:rPr>
-            </a:br>
+              <a:t>	+ Motor 1: </a:t>
+            </a:r>
+            <a:r>
+              <a:rPr lang="en-US" sz="2400" dirty="0" err="1">
+                <a:latin typeface="Segoe UI" panose="020B0502040204020203" pitchFamily="34" charset="0"/>
+                <a:cs typeface="Segoe UI" panose="020B0502040204020203" pitchFamily="34" charset="0"/>
+              </a:rPr>
+              <a:t>phân</a:t>
+            </a:r>
             <a:r>
               <a:rPr lang="en-US" sz="2400" dirty="0">
                 <a:latin typeface="Segoe UI" panose="020B0502040204020203" pitchFamily="34" charset="0"/>
                 <a:cs typeface="Segoe UI" panose="020B0502040204020203" pitchFamily="34" charset="0"/>
               </a:rPr>
-              <a:t>+ Motor đ</a:t>
-            </a:r>
-            <a:r>
-              <a:rPr lang="vi-VN" sz="2400" dirty="0">
-                <a:latin typeface="Segoe UI" panose="020B0502040204020203" pitchFamily="34" charset="0"/>
-                <a:cs typeface="Segoe UI" panose="020B0502040204020203" pitchFamily="34" charset="0"/>
-              </a:rPr>
-              <a:t>ư</a:t>
+              <a:t> </a:t>
+            </a:r>
+            <a:r>
+              <a:rPr lang="en-US" sz="2400" dirty="0" err="1">
+                <a:latin typeface="Segoe UI" panose="020B0502040204020203" pitchFamily="34" charset="0"/>
+                <a:cs typeface="Segoe UI" panose="020B0502040204020203" pitchFamily="34" charset="0"/>
+              </a:rPr>
+              <a:t>loại</a:t>
             </a:r>
             <a:r>
               <a:rPr lang="en-US" sz="2400" dirty="0">
                 <a:latin typeface="Segoe UI" panose="020B0502040204020203" pitchFamily="34" charset="0"/>
                 <a:cs typeface="Segoe UI" panose="020B0502040204020203" pitchFamily="34" charset="0"/>
               </a:rPr>
-              <a:t>a </a:t>
+              <a:t> </a:t>
             </a:r>
             <a:r>
               <a:rPr lang="en-US" sz="2400" dirty="0" err="1">
@@ -9318,7 +9705,7 @@
                 <a:latin typeface="Segoe UI" panose="020B0502040204020203" pitchFamily="34" charset="0"/>
                 <a:cs typeface="Segoe UI" panose="020B0502040204020203" pitchFamily="34" charset="0"/>
               </a:rPr>
-              <a:t>về</a:t>
+              <a:t>không</a:t>
             </a:r>
             <a:r>
               <a:rPr lang="en-US" sz="2400" dirty="0">
@@ -9332,7 +9719,7 @@
                 <a:latin typeface="Segoe UI" panose="020B0502040204020203" pitchFamily="34" charset="0"/>
                 <a:cs typeface="Segoe UI" panose="020B0502040204020203" pitchFamily="34" charset="0"/>
               </a:rPr>
-              <a:t>đúng</a:t>
+              <a:t>thể</a:t>
             </a:r>
             <a:r>
               <a:rPr lang="en-US" sz="2400" dirty="0">
@@ -9346,6 +9733,115 @@
                 <a:latin typeface="Segoe UI" panose="020B0502040204020203" pitchFamily="34" charset="0"/>
                 <a:cs typeface="Segoe UI" panose="020B0502040204020203" pitchFamily="34" charset="0"/>
               </a:rPr>
+              <a:t>tái</a:t>
+            </a:r>
+            <a:r>
+              <a:rPr lang="en-US" sz="2400" dirty="0">
+                <a:latin typeface="Segoe UI" panose="020B0502040204020203" pitchFamily="34" charset="0"/>
+                <a:cs typeface="Segoe UI" panose="020B0502040204020203" pitchFamily="34" charset="0"/>
+              </a:rPr>
+              <a:t> </a:t>
+            </a:r>
+            <a:r>
+              <a:rPr lang="en-US" sz="2400" dirty="0" err="1">
+                <a:latin typeface="Segoe UI" panose="020B0502040204020203" pitchFamily="34" charset="0"/>
+                <a:cs typeface="Segoe UI" panose="020B0502040204020203" pitchFamily="34" charset="0"/>
+              </a:rPr>
+              <a:t>chế</a:t>
+            </a:r>
+            <a:r>
+              <a:rPr lang="en-US" sz="2400" dirty="0">
+                <a:latin typeface="Segoe UI" panose="020B0502040204020203" pitchFamily="34" charset="0"/>
+                <a:cs typeface="Segoe UI" panose="020B0502040204020203" pitchFamily="34" charset="0"/>
+              </a:rPr>
+              <a:t> </a:t>
+            </a:r>
+            <a:r>
+              <a:rPr lang="en-US" sz="2400" dirty="0" err="1">
+                <a:latin typeface="Segoe UI" panose="020B0502040204020203" pitchFamily="34" charset="0"/>
+                <a:cs typeface="Segoe UI" panose="020B0502040204020203" pitchFamily="34" charset="0"/>
+              </a:rPr>
+              <a:t>và</a:t>
+            </a:r>
+            <a:r>
+              <a:rPr lang="en-US" sz="2400" dirty="0">
+                <a:latin typeface="Segoe UI" panose="020B0502040204020203" pitchFamily="34" charset="0"/>
+                <a:cs typeface="Segoe UI" panose="020B0502040204020203" pitchFamily="34" charset="0"/>
+              </a:rPr>
+              <a:t> </a:t>
+            </a:r>
+            <a:r>
+              <a:rPr lang="en-US" sz="2400" dirty="0" err="1">
+                <a:latin typeface="Segoe UI" panose="020B0502040204020203" pitchFamily="34" charset="0"/>
+                <a:cs typeface="Segoe UI" panose="020B0502040204020203" pitchFamily="34" charset="0"/>
+              </a:rPr>
+              <a:t>rác</a:t>
+            </a:r>
+            <a:r>
+              <a:rPr lang="en-US" sz="2400" dirty="0">
+                <a:latin typeface="Segoe UI" panose="020B0502040204020203" pitchFamily="34" charset="0"/>
+                <a:cs typeface="Segoe UI" panose="020B0502040204020203" pitchFamily="34" charset="0"/>
+              </a:rPr>
+              <a:t> </a:t>
+            </a:r>
+            <a:r>
+              <a:rPr lang="en-US" sz="2400" dirty="0" err="1">
+                <a:latin typeface="Segoe UI" panose="020B0502040204020203" pitchFamily="34" charset="0"/>
+                <a:cs typeface="Segoe UI" panose="020B0502040204020203" pitchFamily="34" charset="0"/>
+              </a:rPr>
+              <a:t>lây</a:t>
+            </a:r>
+            <a:r>
+              <a:rPr lang="en-US" sz="2400" dirty="0">
+                <a:latin typeface="Segoe UI" panose="020B0502040204020203" pitchFamily="34" charset="0"/>
+                <a:cs typeface="Segoe UI" panose="020B0502040204020203" pitchFamily="34" charset="0"/>
+              </a:rPr>
+              <a:t> </a:t>
+            </a:r>
+            <a:r>
+              <a:rPr lang="en-US" sz="2400" dirty="0" err="1">
+                <a:latin typeface="Segoe UI" panose="020B0502040204020203" pitchFamily="34" charset="0"/>
+                <a:cs typeface="Segoe UI" panose="020B0502040204020203" pitchFamily="34" charset="0"/>
+              </a:rPr>
+              <a:t>nhiễm</a:t>
+            </a:r>
+            <a:endParaRPr lang="en-US" sz="2400" dirty="0">
+              <a:latin typeface="Segoe UI" panose="020B0502040204020203" pitchFamily="34" charset="0"/>
+              <a:cs typeface="Segoe UI" panose="020B0502040204020203" pitchFamily="34" charset="0"/>
+            </a:endParaRPr>
+          </a:p>
+          <a:p>
+            <a:pPr>
+              <a:lnSpc>
+                <a:spcPct val="150000"/>
+              </a:lnSpc>
+            </a:pPr>
+            <a:r>
+              <a:rPr lang="en-US" sz="2400" dirty="0">
+                <a:latin typeface="Segoe UI" panose="020B0502040204020203" pitchFamily="34" charset="0"/>
+                <a:cs typeface="Segoe UI" panose="020B0502040204020203" pitchFamily="34" charset="0"/>
+              </a:rPr>
+              <a:t>	+ Motor 2: </a:t>
+            </a:r>
+            <a:r>
+              <a:rPr lang="en-US" sz="2400" dirty="0" err="1">
+                <a:latin typeface="Segoe UI" panose="020B0502040204020203" pitchFamily="34" charset="0"/>
+                <a:cs typeface="Segoe UI" panose="020B0502040204020203" pitchFamily="34" charset="0"/>
+              </a:rPr>
+              <a:t>phân</a:t>
+            </a:r>
+            <a:r>
+              <a:rPr lang="en-US" sz="2400" dirty="0">
+                <a:latin typeface="Segoe UI" panose="020B0502040204020203" pitchFamily="34" charset="0"/>
+                <a:cs typeface="Segoe UI" panose="020B0502040204020203" pitchFamily="34" charset="0"/>
+              </a:rPr>
+              <a:t> </a:t>
+            </a:r>
+            <a:r>
+              <a:rPr lang="en-US" sz="2400" dirty="0" err="1">
+                <a:latin typeface="Segoe UI" panose="020B0502040204020203" pitchFamily="34" charset="0"/>
+                <a:cs typeface="Segoe UI" panose="020B0502040204020203" pitchFamily="34" charset="0"/>
+              </a:rPr>
               <a:t>loại</a:t>
             </a:r>
             <a:r>
@@ -9353,7 +9849,56 @@
                 <a:latin typeface="Segoe UI" panose="020B0502040204020203" pitchFamily="34" charset="0"/>
                 <a:cs typeface="Segoe UI" panose="020B0502040204020203" pitchFamily="34" charset="0"/>
               </a:rPr>
-              <a:t>.</a:t>
+              <a:t> </a:t>
+            </a:r>
+            <a:r>
+              <a:rPr lang="en-US" sz="2400" dirty="0" err="1">
+                <a:latin typeface="Segoe UI" panose="020B0502040204020203" pitchFamily="34" charset="0"/>
+                <a:cs typeface="Segoe UI" panose="020B0502040204020203" pitchFamily="34" charset="0"/>
+              </a:rPr>
+              <a:t>rác</a:t>
+            </a:r>
+            <a:r>
+              <a:rPr lang="en-US" sz="2400" dirty="0">
+                <a:latin typeface="Segoe UI" panose="020B0502040204020203" pitchFamily="34" charset="0"/>
+                <a:cs typeface="Segoe UI" panose="020B0502040204020203" pitchFamily="34" charset="0"/>
+              </a:rPr>
+              <a:t> </a:t>
+            </a:r>
+            <a:r>
+              <a:rPr lang="en-US" sz="2400" dirty="0" err="1">
+                <a:latin typeface="Segoe UI" panose="020B0502040204020203" pitchFamily="34" charset="0"/>
+                <a:cs typeface="Segoe UI" panose="020B0502040204020203" pitchFamily="34" charset="0"/>
+              </a:rPr>
+              <a:t>tái</a:t>
+            </a:r>
+            <a:r>
+              <a:rPr lang="en-US" sz="2400" dirty="0">
+                <a:latin typeface="Segoe UI" panose="020B0502040204020203" pitchFamily="34" charset="0"/>
+                <a:cs typeface="Segoe UI" panose="020B0502040204020203" pitchFamily="34" charset="0"/>
+              </a:rPr>
+              <a:t> </a:t>
+            </a:r>
+            <a:r>
+              <a:rPr lang="en-US" sz="2400" dirty="0" err="1">
+                <a:latin typeface="Segoe UI" panose="020B0502040204020203" pitchFamily="34" charset="0"/>
+                <a:cs typeface="Segoe UI" panose="020B0502040204020203" pitchFamily="34" charset="0"/>
+              </a:rPr>
+              <a:t>chế</a:t>
+            </a:r>
+            <a:r>
+              <a:rPr lang="en-US" sz="2400" dirty="0">
+                <a:latin typeface="Segoe UI" panose="020B0502040204020203" pitchFamily="34" charset="0"/>
+                <a:cs typeface="Segoe UI" panose="020B0502040204020203" pitchFamily="34" charset="0"/>
+              </a:rPr>
+              <a:t> </a:t>
+            </a:r>
+            <a:r>
+              <a:rPr lang="en-US" sz="2400" dirty="0" err="1">
+                <a:latin typeface="Segoe UI" panose="020B0502040204020203" pitchFamily="34" charset="0"/>
+                <a:cs typeface="Segoe UI" panose="020B0502040204020203" pitchFamily="34" charset="0"/>
+              </a:rPr>
+              <a:t>được</a:t>
             </a:r>
             <a:endParaRPr lang="en-US" sz="2400" dirty="0">
               <a:solidFill>
@@ -9372,7 +9917,7 @@
               <a:buChar char="-"/>
             </a:pPr>
             <a:r>
-              <a:rPr lang="en-US" sz="2400" dirty="0" err="1">
+              <a:rPr lang="en-US" sz="2400" b="1" dirty="0" err="1">
                 <a:solidFill>
                   <a:schemeClr val="tx1"/>
                 </a:solidFill>
@@ -9382,7 +9927,7 @@
               <a:t>Cảm</a:t>
             </a:r>
             <a:r>
-              <a:rPr lang="en-US" sz="2400" dirty="0">
+              <a:rPr lang="en-US" sz="2400" b="1" dirty="0">
                 <a:solidFill>
                   <a:schemeClr val="tx1"/>
                 </a:solidFill>
@@ -9392,7 +9937,7 @@
               <a:t> </a:t>
             </a:r>
             <a:r>
-              <a:rPr lang="en-US" sz="2400" dirty="0" err="1">
+              <a:rPr lang="en-US" sz="2400" b="1" dirty="0" err="1">
                 <a:solidFill>
                   <a:schemeClr val="tx1"/>
                 </a:solidFill>
@@ -9402,30 +9947,7 @@
               <a:t>biến</a:t>
             </a:r>
             <a:r>
-              <a:rPr lang="en-US" sz="2400" dirty="0">
-                <a:solidFill>
-                  <a:schemeClr val="tx1"/>
-                </a:solidFill>
-                <a:latin typeface="Segoe UI" panose="020B0502040204020203" pitchFamily="34" charset="0"/>
-                <a:cs typeface="Segoe UI" panose="020B0502040204020203" pitchFamily="34" charset="0"/>
-              </a:rPr>
-              <a:t>:</a:t>
-            </a:r>
-            <a:br>
               <a:rPr lang="en-US" sz="2400" b="1" dirty="0">
-                <a:latin typeface="Segoe UI" panose="020B0502040204020203" pitchFamily="34" charset="0"/>
-                <a:cs typeface="Segoe UI" panose="020B0502040204020203" pitchFamily="34" charset="0"/>
-              </a:rPr>
-            </a:br>
-            <a:r>
-              <a:rPr lang="en-US" sz="2400" b="1" dirty="0">
-                <a:latin typeface="Segoe UI" panose="020B0502040204020203" pitchFamily="34" charset="0"/>
-                <a:cs typeface="Segoe UI" panose="020B0502040204020203" pitchFamily="34" charset="0"/>
-              </a:rPr>
-              <a:t>+</a:t>
-            </a:r>
-            <a:r>
-              <a:rPr lang="en-US" sz="2400" b="1" dirty="0">
                 <a:solidFill>
                   <a:schemeClr val="tx1"/>
                 </a:solidFill>
@@ -9436,13 +9958,20 @@
             </a:r>
             <a:r>
               <a:rPr lang="en-US" sz="2400" b="1" dirty="0" err="1">
-                <a:solidFill>
-                  <a:schemeClr val="tx1"/>
-                </a:solidFill>
-                <a:latin typeface="Segoe UI" panose="020B0502040204020203" pitchFamily="34" charset="0"/>
-                <a:cs typeface="Segoe UI" panose="020B0502040204020203" pitchFamily="34" charset="0"/>
-              </a:rPr>
-              <a:t>Màu</a:t>
+                <a:latin typeface="Segoe UI" panose="020B0502040204020203" pitchFamily="34" charset="0"/>
+                <a:cs typeface="Segoe UI" panose="020B0502040204020203" pitchFamily="34" charset="0"/>
+              </a:rPr>
+              <a:t>m</a:t>
+            </a:r>
+            <a:r>
+              <a:rPr lang="en-US" sz="2400" b="1" dirty="0" err="1">
+                <a:solidFill>
+                  <a:schemeClr val="tx1"/>
+                </a:solidFill>
+                <a:latin typeface="Segoe UI" panose="020B0502040204020203" pitchFamily="34" charset="0"/>
+                <a:cs typeface="Segoe UI" panose="020B0502040204020203" pitchFamily="34" charset="0"/>
+              </a:rPr>
+              <a:t>àu</a:t>
             </a:r>
             <a:r>
               <a:rPr lang="en-US" sz="2400" b="1" dirty="0">
@@ -9484,7 +10013,7 @@
               <a:buChar char="-"/>
             </a:pPr>
             <a:r>
-              <a:rPr lang="en-US" sz="2400" dirty="0" err="1">
+              <a:rPr lang="en-US" sz="2400" b="1" dirty="0" err="1">
                 <a:solidFill>
                   <a:schemeClr val="tx1"/>
                 </a:solidFill>
@@ -9494,7 +10023,7 @@
               <a:t>Các</a:t>
             </a:r>
             <a:r>
-              <a:rPr lang="en-US" sz="2400" dirty="0">
+              <a:rPr lang="en-US" sz="2400" b="1" dirty="0">
                 <a:solidFill>
                   <a:schemeClr val="tx1"/>
                 </a:solidFill>
@@ -9504,7 +10033,7 @@
               <a:t> </a:t>
             </a:r>
             <a:r>
-              <a:rPr lang="en-US" sz="2400" dirty="0" err="1">
+              <a:rPr lang="en-US" sz="2400" b="1" dirty="0" err="1">
                 <a:solidFill>
                   <a:schemeClr val="tx1"/>
                 </a:solidFill>
@@ -9514,7 +10043,7 @@
               <a:t>thanh</a:t>
             </a:r>
             <a:r>
-              <a:rPr lang="en-US" sz="2400" dirty="0">
+              <a:rPr lang="en-US" sz="2400" b="1" dirty="0">
                 <a:solidFill>
                   <a:schemeClr val="tx1"/>
                 </a:solidFill>
@@ -9524,7 +10053,7 @@
               <a:t> </a:t>
             </a:r>
             <a:r>
-              <a:rPr lang="en-US" sz="2400" dirty="0" err="1">
+              <a:rPr lang="en-US" sz="2400" b="1" dirty="0" err="1">
                 <a:solidFill>
                   <a:schemeClr val="tx1"/>
                 </a:solidFill>
@@ -9534,7 +10063,7 @@
               <a:t>nối</a:t>
             </a:r>
             <a:r>
-              <a:rPr lang="en-US" sz="2400" dirty="0">
+              <a:rPr lang="en-US" sz="2400" b="1" dirty="0">
                 <a:solidFill>
                   <a:schemeClr val="tx1"/>
                 </a:solidFill>
@@ -9544,7 +10073,7 @@
               <a:t>, </a:t>
             </a:r>
             <a:r>
-              <a:rPr lang="en-US" sz="2400" dirty="0" err="1">
+              <a:rPr lang="en-US" sz="2400" b="1" dirty="0" err="1">
                 <a:solidFill>
                   <a:schemeClr val="tx1"/>
                 </a:solidFill>
@@ -9554,7 +10083,7 @@
               <a:t>dây</a:t>
             </a:r>
             <a:r>
-              <a:rPr lang="en-US" sz="2400" dirty="0">
+              <a:rPr lang="en-US" sz="2400" b="1" dirty="0">
                 <a:solidFill>
                   <a:schemeClr val="tx1"/>
                 </a:solidFill>
@@ -9564,7 +10093,7 @@
               <a:t> </a:t>
             </a:r>
             <a:r>
-              <a:rPr lang="en-US" sz="2400" dirty="0" err="1">
+              <a:rPr lang="en-US" sz="2400" b="1" dirty="0" err="1">
                 <a:solidFill>
                   <a:schemeClr val="tx1"/>
                 </a:solidFill>
@@ -9574,7 +10103,7 @@
               <a:t>nối</a:t>
             </a:r>
             <a:r>
-              <a:rPr lang="en-US" sz="2400" dirty="0">
+              <a:rPr lang="en-US" sz="2400" b="1" dirty="0">
                 <a:solidFill>
                   <a:schemeClr val="tx1"/>
                 </a:solidFill>
@@ -9615,7 +10144,7 @@
         </p:blipFill>
         <p:spPr bwMode="auto">
           <a:xfrm>
-            <a:off x="8232485" y="4446512"/>
+            <a:off x="8007407" y="4008760"/>
             <a:ext cx="1440160" cy="1284623"/>
           </a:xfrm>
           <a:prstGeom prst="rect">
@@ -9662,7 +10191,7 @@
         </p:blipFill>
         <p:spPr bwMode="auto">
           <a:xfrm>
-            <a:off x="6777728" y="1334711"/>
+            <a:off x="6955915" y="947533"/>
             <a:ext cx="4081636" cy="3061227"/>
           </a:xfrm>
           <a:prstGeom prst="rect">
@@ -9682,10 +10211,10 @@
       </p:pic>
       <p:pic>
         <p:nvPicPr>
-          <p:cNvPr id="8" name="Picture 4" descr="cdio_animated">
+          <p:cNvPr id="7" name="Picture 4" descr="cdio_animated">
             <a:extLst>
               <a:ext uri="{FF2B5EF4-FFF2-40B4-BE49-F238E27FC236}">
-                <a16:creationId xmlns:a16="http://schemas.microsoft.com/office/drawing/2014/main" id="{6230FEE4-72F5-4057-86A8-3084EE456E48}"/>
+                <a16:creationId xmlns:a16="http://schemas.microsoft.com/office/drawing/2014/main" id="{B8BFF48C-1EA8-4F85-AF1C-8EDA8EDDDC12}"/>
               </a:ext>
             </a:extLst>
           </p:cNvPr>
@@ -9709,7 +10238,7 @@
         </p:blipFill>
         <p:spPr>
           <a:xfrm>
-            <a:off x="426494" y="5770014"/>
+            <a:off x="638529" y="5528770"/>
             <a:ext cx="1414302" cy="707151"/>
           </a:xfrm>
           <a:prstGeom prst="rect">
@@ -9746,6 +10275,41 @@
           </a:extLst>
         </p:spPr>
       </p:pic>
+      <p:sp>
+        <p:nvSpPr>
+          <p:cNvPr id="8" name="Slide Number Placeholder 1">
+            <a:extLst>
+              <a:ext uri="{FF2B5EF4-FFF2-40B4-BE49-F238E27FC236}">
+                <a16:creationId xmlns:a16="http://schemas.microsoft.com/office/drawing/2014/main" id="{86D51A6E-C031-462F-8015-4C12B636CE8A}"/>
+              </a:ext>
+            </a:extLst>
+          </p:cNvPr>
+          <p:cNvSpPr>
+            <a:spLocks noGrp="1"/>
+          </p:cNvSpPr>
+          <p:nvPr>
+            <p:ph type="sldNum" sz="quarter" idx="12"/>
+          </p:nvPr>
+        </p:nvSpPr>
+        <p:spPr>
+          <a:xfrm>
+            <a:off x="10337611" y="5869093"/>
+            <a:ext cx="621121" cy="366828"/>
+          </a:xfrm>
+        </p:spPr>
+        <p:txBody>
+          <a:bodyPr/>
+          <a:lstStyle/>
+          <a:p>
+            <a:fld id="{D57F1E4F-1CFF-5643-939E-217C01CDF565}" type="slidenum">
+              <a:rPr lang="en-US" sz="3200" smtClean="0"/>
+              <a:pPr/>
+              <a:t>10</a:t>
+            </a:fld>
+            <a:endParaRPr lang="en-US" sz="3200" dirty="0"/>
+          </a:p>
+        </p:txBody>
+      </p:sp>
     </p:spTree>
     <p:extLst>
       <p:ext uri="{BB962C8B-B14F-4D97-AF65-F5344CB8AC3E}">
@@ -9756,6 +10320,9 @@
   <p:clrMapOvr>
     <a:masterClrMapping/>
   </p:clrMapOvr>
+  <p:transition spd="slow">
+    <p:wipe/>
+  </p:transition>
 </p:sld>
 </file>
 
@@ -10753,10 +11320,10 @@
       </p:pic>
       <p:pic>
         <p:nvPicPr>
-          <p:cNvPr id="7" name="Picture 4" descr="cdio_animated">
+          <p:cNvPr id="8" name="Picture 4" descr="cdio_animated">
             <a:extLst>
               <a:ext uri="{FF2B5EF4-FFF2-40B4-BE49-F238E27FC236}">
-                <a16:creationId xmlns:a16="http://schemas.microsoft.com/office/drawing/2014/main" id="{E06DA991-DAB7-4A3C-8186-A44518A9C12F}"/>
+                <a16:creationId xmlns:a16="http://schemas.microsoft.com/office/drawing/2014/main" id="{6E116844-D7E6-4181-87B6-851BC4F22808}"/>
               </a:ext>
             </a:extLst>
           </p:cNvPr>
@@ -10780,7 +11347,7 @@
         </p:blipFill>
         <p:spPr>
           <a:xfrm>
-            <a:off x="707151" y="5517702"/>
+            <a:off x="638529" y="5528770"/>
             <a:ext cx="1414302" cy="707151"/>
           </a:xfrm>
           <a:prstGeom prst="rect">
@@ -10817,6 +11384,41 @@
           </a:extLst>
         </p:spPr>
       </p:pic>
+      <p:sp>
+        <p:nvSpPr>
+          <p:cNvPr id="7" name="Slide Number Placeholder 1">
+            <a:extLst>
+              <a:ext uri="{FF2B5EF4-FFF2-40B4-BE49-F238E27FC236}">
+                <a16:creationId xmlns:a16="http://schemas.microsoft.com/office/drawing/2014/main" id="{B70AA9DB-B66C-4F8F-830E-EC6944343776}"/>
+              </a:ext>
+            </a:extLst>
+          </p:cNvPr>
+          <p:cNvSpPr>
+            <a:spLocks noGrp="1"/>
+          </p:cNvSpPr>
+          <p:nvPr>
+            <p:ph type="sldNum" sz="quarter" idx="12"/>
+          </p:nvPr>
+        </p:nvSpPr>
+        <p:spPr>
+          <a:xfrm>
+            <a:off x="10337611" y="5869093"/>
+            <a:ext cx="621121" cy="366828"/>
+          </a:xfrm>
+        </p:spPr>
+        <p:txBody>
+          <a:bodyPr/>
+          <a:lstStyle/>
+          <a:p>
+            <a:fld id="{D57F1E4F-1CFF-5643-939E-217C01CDF565}" type="slidenum">
+              <a:rPr lang="en-US" sz="3200" smtClean="0"/>
+              <a:pPr/>
+              <a:t>11</a:t>
+            </a:fld>
+            <a:endParaRPr lang="en-US" sz="3200" dirty="0"/>
+          </a:p>
+        </p:txBody>
+      </p:sp>
     </p:spTree>
     <p:extLst>
       <p:ext uri="{BB962C8B-B14F-4D97-AF65-F5344CB8AC3E}">
@@ -10827,10 +11429,970 @@
   <p:clrMapOvr>
     <a:masterClrMapping/>
   </p:clrMapOvr>
+  <mc:AlternateContent xmlns:mc="http://schemas.openxmlformats.org/markup-compatibility/2006" xmlns:p14="http://schemas.microsoft.com/office/powerpoint/2010/main">
+    <mc:Choice Requires="p14">
+      <p:transition spd="med" p14:dur="700">
+        <p:fade/>
+      </p:transition>
+    </mc:Choice>
+    <mc:Fallback xmlns="">
+      <p:transition spd="med">
+        <p:fade/>
+      </p:transition>
+    </mc:Fallback>
+  </mc:AlternateContent>
 </p:sld>
 </file>
 
 <file path=ppt/slides/slide12.xml><?xml version="1.0" encoding="utf-8"?>
+<p:sld xmlns:a="http://schemas.openxmlformats.org/drawingml/2006/main" xmlns:r="http://schemas.openxmlformats.org/officeDocument/2006/relationships" xmlns:p="http://schemas.openxmlformats.org/presentationml/2006/main">
+  <p:cSld>
+    <p:spTree>
+      <p:nvGrpSpPr>
+        <p:cNvPr id="1" name=""/>
+        <p:cNvGrpSpPr/>
+        <p:nvPr/>
+      </p:nvGrpSpPr>
+      <p:grpSpPr>
+        <a:xfrm>
+          <a:off x="0" y="0"/>
+          <a:ext cx="0" cy="0"/>
+          <a:chOff x="0" y="0"/>
+          <a:chExt cx="0" cy="0"/>
+        </a:xfrm>
+      </p:grpSpPr>
+      <p:sp>
+        <p:nvSpPr>
+          <p:cNvPr id="3" name="Title 1">
+            <a:extLst>
+              <a:ext uri="{FF2B5EF4-FFF2-40B4-BE49-F238E27FC236}">
+                <a16:creationId xmlns:a16="http://schemas.microsoft.com/office/drawing/2014/main" id="{EB3419F5-496D-444D-8C79-04D6330F34E8}"/>
+              </a:ext>
+            </a:extLst>
+          </p:cNvPr>
+          <p:cNvSpPr txBox="1">
+            <a:spLocks/>
+          </p:cNvSpPr>
+          <p:nvPr/>
+        </p:nvSpPr>
+        <p:spPr>
+          <a:xfrm>
+            <a:off x="1414302" y="1423797"/>
+            <a:ext cx="6934200" cy="555625"/>
+          </a:xfrm>
+          <a:prstGeom prst="rect">
+            <a:avLst/>
+          </a:prstGeom>
+        </p:spPr>
+        <p:txBody>
+          <a:bodyPr vert="horz" lIns="91440" tIns="45720" rIns="91440" bIns="45720" rtlCol="0" anchor="b">
+            <a:noAutofit/>
+          </a:bodyPr>
+          <a:lstStyle>
+            <a:lvl1pPr algn="r" defTabSz="457200" rtl="0" eaLnBrk="1" latinLnBrk="0" hangingPunct="1">
+              <a:spcBef>
+                <a:spcPct val="0"/>
+              </a:spcBef>
+              <a:buNone/>
+              <a:defRPr sz="5400" kern="1200">
+                <a:solidFill>
+                  <a:schemeClr val="accent1"/>
+                </a:solidFill>
+                <a:latin typeface="+mj-lt"/>
+                <a:ea typeface="+mj-ea"/>
+                <a:cs typeface="+mj-cs"/>
+              </a:defRPr>
+            </a:lvl1pPr>
+            <a:lvl2pPr eaLnBrk="1" hangingPunct="1">
+              <a:defRPr>
+                <a:solidFill>
+                  <a:schemeClr val="tx2"/>
+                </a:solidFill>
+              </a:defRPr>
+            </a:lvl2pPr>
+            <a:lvl3pPr eaLnBrk="1" hangingPunct="1">
+              <a:defRPr>
+                <a:solidFill>
+                  <a:schemeClr val="tx2"/>
+                </a:solidFill>
+              </a:defRPr>
+            </a:lvl3pPr>
+            <a:lvl4pPr eaLnBrk="1" hangingPunct="1">
+              <a:defRPr>
+                <a:solidFill>
+                  <a:schemeClr val="tx2"/>
+                </a:solidFill>
+              </a:defRPr>
+            </a:lvl4pPr>
+            <a:lvl5pPr eaLnBrk="1" hangingPunct="1">
+              <a:defRPr>
+                <a:solidFill>
+                  <a:schemeClr val="tx2"/>
+                </a:solidFill>
+              </a:defRPr>
+            </a:lvl5pPr>
+            <a:lvl6pPr eaLnBrk="1" hangingPunct="1">
+              <a:defRPr>
+                <a:solidFill>
+                  <a:schemeClr val="tx2"/>
+                </a:solidFill>
+              </a:defRPr>
+            </a:lvl6pPr>
+            <a:lvl7pPr eaLnBrk="1" hangingPunct="1">
+              <a:defRPr>
+                <a:solidFill>
+                  <a:schemeClr val="tx2"/>
+                </a:solidFill>
+              </a:defRPr>
+            </a:lvl7pPr>
+            <a:lvl8pPr eaLnBrk="1" hangingPunct="1">
+              <a:defRPr>
+                <a:solidFill>
+                  <a:schemeClr val="tx2"/>
+                </a:solidFill>
+              </a:defRPr>
+            </a:lvl8pPr>
+            <a:lvl9pPr eaLnBrk="1" hangingPunct="1">
+              <a:defRPr>
+                <a:solidFill>
+                  <a:schemeClr val="tx2"/>
+                </a:solidFill>
+              </a:defRPr>
+            </a:lvl9pPr>
+          </a:lstStyle>
+          <a:p>
+            <a:pPr marL="0" lvl="1" defTabSz="914400">
+              <a:defRPr/>
+            </a:pPr>
+            <a:r>
+              <a:rPr lang="en-US" altLang="en-US" sz="4800" b="1" kern="0" dirty="0">
+                <a:solidFill>
+                  <a:srgbClr val="00B050"/>
+                </a:solidFill>
+                <a:latin typeface="Segoe UI" panose="020B0502040204020203" pitchFamily="34" charset="0"/>
+                <a:cs typeface="Segoe UI" panose="020B0502040204020203" pitchFamily="34" charset="0"/>
+              </a:rPr>
+              <a:t>D</a:t>
+            </a:r>
+            <a:r>
+              <a:rPr lang="en-US" altLang="en-US" sz="2400" b="1" kern="0" dirty="0">
+                <a:latin typeface="Segoe UI" panose="020B0502040204020203" pitchFamily="34" charset="0"/>
+                <a:cs typeface="Segoe UI" panose="020B0502040204020203" pitchFamily="34" charset="0"/>
+              </a:rPr>
+              <a:t>esign – </a:t>
+            </a:r>
+            <a:r>
+              <a:rPr lang="en-US" altLang="en-US" sz="2400" b="1" kern="0" dirty="0" err="1">
+                <a:latin typeface="Segoe UI" panose="020B0502040204020203" pitchFamily="34" charset="0"/>
+                <a:cs typeface="Segoe UI" panose="020B0502040204020203" pitchFamily="34" charset="0"/>
+              </a:rPr>
+              <a:t>Thiết</a:t>
+            </a:r>
+            <a:r>
+              <a:rPr lang="en-US" altLang="en-US" sz="2400" b="1" kern="0" dirty="0">
+                <a:latin typeface="Segoe UI" panose="020B0502040204020203" pitchFamily="34" charset="0"/>
+                <a:cs typeface="Segoe UI" panose="020B0502040204020203" pitchFamily="34" charset="0"/>
+              </a:rPr>
+              <a:t> </a:t>
+            </a:r>
+            <a:r>
+              <a:rPr lang="en-US" altLang="en-US" sz="2400" b="1" kern="0" dirty="0" err="1">
+                <a:latin typeface="Segoe UI" panose="020B0502040204020203" pitchFamily="34" charset="0"/>
+                <a:cs typeface="Segoe UI" panose="020B0502040204020203" pitchFamily="34" charset="0"/>
+              </a:rPr>
+              <a:t>kế</a:t>
+            </a:r>
+            <a:br>
+              <a:rPr lang="en-US" altLang="en-US" sz="2400" b="1" kern="0" dirty="0">
+                <a:latin typeface="Segoe UI" panose="020B0502040204020203" pitchFamily="34" charset="0"/>
+                <a:cs typeface="Segoe UI" panose="020B0502040204020203" pitchFamily="34" charset="0"/>
+              </a:rPr>
+            </a:br>
+            <a:r>
+              <a:rPr lang="en-US" altLang="en-US" sz="2400" b="1" kern="0" dirty="0" err="1">
+                <a:latin typeface="Segoe UI" panose="020B0502040204020203" pitchFamily="34" charset="0"/>
+                <a:cs typeface="Segoe UI" panose="020B0502040204020203" pitchFamily="34" charset="0"/>
+              </a:rPr>
+              <a:t>Ưu</a:t>
+            </a:r>
+            <a:r>
+              <a:rPr lang="en-US" altLang="en-US" sz="2400" b="1" kern="0" dirty="0">
+                <a:latin typeface="Segoe UI" panose="020B0502040204020203" pitchFamily="34" charset="0"/>
+                <a:cs typeface="Segoe UI" panose="020B0502040204020203" pitchFamily="34" charset="0"/>
+              </a:rPr>
+              <a:t>/</a:t>
+            </a:r>
+            <a:r>
+              <a:rPr lang="en-US" altLang="en-US" sz="2400" b="1" kern="0" dirty="0" err="1">
+                <a:latin typeface="Segoe UI" panose="020B0502040204020203" pitchFamily="34" charset="0"/>
+                <a:cs typeface="Segoe UI" panose="020B0502040204020203" pitchFamily="34" charset="0"/>
+              </a:rPr>
+              <a:t>Nhược</a:t>
+            </a:r>
+            <a:r>
+              <a:rPr lang="en-US" altLang="en-US" sz="2400" b="1" kern="0" dirty="0">
+                <a:latin typeface="Segoe UI" panose="020B0502040204020203" pitchFamily="34" charset="0"/>
+                <a:cs typeface="Segoe UI" panose="020B0502040204020203" pitchFamily="34" charset="0"/>
+              </a:rPr>
+              <a:t> </a:t>
+            </a:r>
+            <a:r>
+              <a:rPr lang="en-US" altLang="en-US" sz="2400" b="1" kern="0" dirty="0" err="1">
+                <a:latin typeface="Segoe UI" panose="020B0502040204020203" pitchFamily="34" charset="0"/>
+                <a:cs typeface="Segoe UI" panose="020B0502040204020203" pitchFamily="34" charset="0"/>
+              </a:rPr>
+              <a:t>điểm</a:t>
+            </a:r>
+            <a:endParaRPr lang="en-US" altLang="en-US" sz="2400" b="1" kern="0" dirty="0">
+              <a:latin typeface="Segoe UI" panose="020B0502040204020203" pitchFamily="34" charset="0"/>
+              <a:cs typeface="Segoe UI" panose="020B0502040204020203" pitchFamily="34" charset="0"/>
+            </a:endParaRPr>
+          </a:p>
+        </p:txBody>
+      </p:sp>
+      <p:pic>
+        <p:nvPicPr>
+          <p:cNvPr id="8" name="Picture 4" descr="cdio_animated">
+            <a:extLst>
+              <a:ext uri="{FF2B5EF4-FFF2-40B4-BE49-F238E27FC236}">
+                <a16:creationId xmlns:a16="http://schemas.microsoft.com/office/drawing/2014/main" id="{6E116844-D7E6-4181-87B6-851BC4F22808}"/>
+              </a:ext>
+            </a:extLst>
+          </p:cNvPr>
+          <p:cNvPicPr>
+            <a:picLocks noChangeAspect="1" noChangeArrowheads="1"/>
+          </p:cNvPicPr>
+          <p:nvPr/>
+        </p:nvPicPr>
+        <p:blipFill>
+          <a:blip r:embed="rId2">
+            <a:extLst>
+              <a:ext uri="{28A0092B-C50C-407E-A947-70E740481C1C}">
+                <a14:useLocalDpi xmlns:a14="http://schemas.microsoft.com/office/drawing/2010/main" val="0"/>
+              </a:ext>
+            </a:extLst>
+          </a:blip>
+          <a:srcRect/>
+          <a:stretch>
+            <a:fillRect/>
+          </a:stretch>
+        </p:blipFill>
+        <p:spPr>
+          <a:xfrm>
+            <a:off x="638529" y="5528770"/>
+            <a:ext cx="1414302" cy="707151"/>
+          </a:xfrm>
+          <a:prstGeom prst="rect">
+            <a:avLst/>
+          </a:prstGeom>
+          <a:noFill/>
+          <a:extLst>
+            <a:ext uri="{909E8E84-426E-40DD-AFC4-6F175D3DCCD1}">
+              <a14:hiddenFill xmlns:a14="http://schemas.microsoft.com/office/drawing/2010/main">
+                <a:solidFill>
+                  <a:srgbClr val="FFFFFF"/>
+                </a:solidFill>
+              </a14:hiddenFill>
+            </a:ext>
+            <a:ext uri="{91240B29-F687-4F45-9708-019B960494DF}">
+              <a14:hiddenLine xmlns:a14="http://schemas.microsoft.com/office/drawing/2010/main" w="9525">
+                <a:solidFill>
+                  <a:srgbClr val="000000"/>
+                </a:solidFill>
+                <a:miter lim="800000"/>
+                <a:headEnd/>
+                <a:tailEnd/>
+              </a14:hiddenLine>
+            </a:ext>
+            <a:ext uri="{AF507438-7753-43E0-B8FC-AC1667EBCBE1}">
+              <a14:hiddenEffects xmlns:a14="http://schemas.microsoft.com/office/drawing/2010/main">
+                <a:effectLst>
+                  <a:outerShdw dist="35921" dir="2700000" algn="ctr" rotWithShape="0">
+                    <a:srgbClr val="808080"/>
+                  </a:outerShdw>
+                </a:effectLst>
+              </a14:hiddenEffects>
+            </a:ext>
+          </a:extLst>
+        </p:spPr>
+      </p:pic>
+      <p:sp>
+        <p:nvSpPr>
+          <p:cNvPr id="7" name="Slide Number Placeholder 1">
+            <a:extLst>
+              <a:ext uri="{FF2B5EF4-FFF2-40B4-BE49-F238E27FC236}">
+                <a16:creationId xmlns:a16="http://schemas.microsoft.com/office/drawing/2014/main" id="{B70AA9DB-B66C-4F8F-830E-EC6944343776}"/>
+              </a:ext>
+            </a:extLst>
+          </p:cNvPr>
+          <p:cNvSpPr>
+            <a:spLocks noGrp="1"/>
+          </p:cNvSpPr>
+          <p:nvPr>
+            <p:ph type="sldNum" sz="quarter" idx="12"/>
+          </p:nvPr>
+        </p:nvSpPr>
+        <p:spPr>
+          <a:xfrm>
+            <a:off x="10337611" y="5869093"/>
+            <a:ext cx="621121" cy="366828"/>
+          </a:xfrm>
+        </p:spPr>
+        <p:txBody>
+          <a:bodyPr/>
+          <a:lstStyle/>
+          <a:p>
+            <a:fld id="{D57F1E4F-1CFF-5643-939E-217C01CDF565}" type="slidenum">
+              <a:rPr lang="en-US" sz="3200" smtClean="0"/>
+              <a:pPr/>
+              <a:t>12</a:t>
+            </a:fld>
+            <a:endParaRPr lang="en-US" sz="3200" dirty="0"/>
+          </a:p>
+        </p:txBody>
+      </p:sp>
+      <p:pic>
+        <p:nvPicPr>
+          <p:cNvPr id="2" name="Picture 1"/>
+          <p:cNvPicPr>
+            <a:picLocks noChangeAspect="1"/>
+          </p:cNvPicPr>
+          <p:nvPr/>
+        </p:nvPicPr>
+        <p:blipFill>
+          <a:blip r:embed="rId3">
+            <a:extLst>
+              <a:ext uri="{28A0092B-C50C-407E-A947-70E740481C1C}">
+                <a14:useLocalDpi xmlns:a14="http://schemas.microsoft.com/office/drawing/2010/main" val="0"/>
+              </a:ext>
+            </a:extLst>
+          </a:blip>
+          <a:stretch>
+            <a:fillRect/>
+          </a:stretch>
+        </p:blipFill>
+        <p:spPr>
+          <a:xfrm>
+            <a:off x="2537621" y="1979423"/>
+            <a:ext cx="7315200" cy="3482264"/>
+          </a:xfrm>
+          <a:prstGeom prst="rect">
+            <a:avLst/>
+          </a:prstGeom>
+        </p:spPr>
+      </p:pic>
+      <p:sp>
+        <p:nvSpPr>
+          <p:cNvPr id="5" name="TextBox 4"/>
+          <p:cNvSpPr txBox="1"/>
+          <p:nvPr/>
+        </p:nvSpPr>
+        <p:spPr>
+          <a:xfrm>
+            <a:off x="3113903" y="3904735"/>
+            <a:ext cx="2421924" cy="369332"/>
+          </a:xfrm>
+          <a:prstGeom prst="rect">
+            <a:avLst/>
+          </a:prstGeom>
+          <a:noFill/>
+        </p:spPr>
+        <p:txBody>
+          <a:bodyPr wrap="square" rtlCol="0">
+            <a:spAutoFit/>
+          </a:bodyPr>
+          <a:lstStyle/>
+          <a:p>
+            <a:r>
+              <a:rPr lang="en-US" dirty="0"/>
+              <a:t>- </a:t>
+            </a:r>
+          </a:p>
+        </p:txBody>
+      </p:sp>
+      <p:sp>
+        <p:nvSpPr>
+          <p:cNvPr id="9" name="TextBox 8"/>
+          <p:cNvSpPr txBox="1"/>
+          <p:nvPr/>
+        </p:nvSpPr>
+        <p:spPr>
+          <a:xfrm>
+            <a:off x="3157357" y="3397389"/>
+            <a:ext cx="2380735" cy="646331"/>
+          </a:xfrm>
+          <a:prstGeom prst="rect">
+            <a:avLst/>
+          </a:prstGeom>
+          <a:noFill/>
+        </p:spPr>
+        <p:txBody>
+          <a:bodyPr wrap="square" rtlCol="0">
+            <a:spAutoFit/>
+          </a:bodyPr>
+          <a:lstStyle/>
+          <a:p>
+            <a:pPr marL="285750" indent="-285750">
+              <a:buFontTx/>
+              <a:buChar char="-"/>
+            </a:pPr>
+            <a:r>
+              <a:rPr lang="en-US" dirty="0" err="1">
+                <a:solidFill>
+                  <a:schemeClr val="bg1"/>
+                </a:solidFill>
+                <a:latin typeface="Segoe UI" panose="020B0502040204020203" pitchFamily="34" charset="0"/>
+                <a:cs typeface="Segoe UI" panose="020B0502040204020203" pitchFamily="34" charset="0"/>
+              </a:rPr>
+              <a:t>Thiết</a:t>
+            </a:r>
+            <a:r>
+              <a:rPr lang="en-US" dirty="0">
+                <a:solidFill>
+                  <a:schemeClr val="bg1"/>
+                </a:solidFill>
+                <a:latin typeface="Segoe UI" panose="020B0502040204020203" pitchFamily="34" charset="0"/>
+                <a:cs typeface="Segoe UI" panose="020B0502040204020203" pitchFamily="34" charset="0"/>
+              </a:rPr>
+              <a:t> </a:t>
+            </a:r>
+            <a:r>
+              <a:rPr lang="en-US" dirty="0" err="1">
+                <a:solidFill>
+                  <a:schemeClr val="bg1"/>
+                </a:solidFill>
+                <a:latin typeface="Segoe UI" panose="020B0502040204020203" pitchFamily="34" charset="0"/>
+                <a:cs typeface="Segoe UI" panose="020B0502040204020203" pitchFamily="34" charset="0"/>
+              </a:rPr>
+              <a:t>kế</a:t>
+            </a:r>
+            <a:r>
+              <a:rPr lang="en-US" dirty="0">
+                <a:solidFill>
+                  <a:schemeClr val="bg1"/>
+                </a:solidFill>
+                <a:latin typeface="Segoe UI" panose="020B0502040204020203" pitchFamily="34" charset="0"/>
+                <a:cs typeface="Segoe UI" panose="020B0502040204020203" pitchFamily="34" charset="0"/>
+              </a:rPr>
+              <a:t> </a:t>
+            </a:r>
+            <a:r>
+              <a:rPr lang="en-US" dirty="0" err="1">
+                <a:solidFill>
+                  <a:schemeClr val="bg1"/>
+                </a:solidFill>
+                <a:latin typeface="Segoe UI" panose="020B0502040204020203" pitchFamily="34" charset="0"/>
+                <a:cs typeface="Segoe UI" panose="020B0502040204020203" pitchFamily="34" charset="0"/>
+              </a:rPr>
+              <a:t>đơn</a:t>
+            </a:r>
+            <a:r>
+              <a:rPr lang="en-US" dirty="0">
+                <a:solidFill>
+                  <a:schemeClr val="bg1"/>
+                </a:solidFill>
+                <a:latin typeface="Segoe UI" panose="020B0502040204020203" pitchFamily="34" charset="0"/>
+                <a:cs typeface="Segoe UI" panose="020B0502040204020203" pitchFamily="34" charset="0"/>
+              </a:rPr>
+              <a:t> </a:t>
+            </a:r>
+            <a:r>
+              <a:rPr lang="en-US" dirty="0" err="1">
+                <a:solidFill>
+                  <a:schemeClr val="bg1"/>
+                </a:solidFill>
+                <a:latin typeface="Segoe UI" panose="020B0502040204020203" pitchFamily="34" charset="0"/>
+                <a:cs typeface="Segoe UI" panose="020B0502040204020203" pitchFamily="34" charset="0"/>
+              </a:rPr>
+              <a:t>giản</a:t>
+            </a:r>
+            <a:endParaRPr lang="en-US" dirty="0">
+              <a:solidFill>
+                <a:schemeClr val="bg1"/>
+              </a:solidFill>
+              <a:latin typeface="Segoe UI" panose="020B0502040204020203" pitchFamily="34" charset="0"/>
+              <a:cs typeface="Segoe UI" panose="020B0502040204020203" pitchFamily="34" charset="0"/>
+            </a:endParaRPr>
+          </a:p>
+          <a:p>
+            <a:pPr marL="285750" indent="-285750">
+              <a:buFontTx/>
+              <a:buChar char="-"/>
+            </a:pPr>
+            <a:r>
+              <a:rPr lang="en-US" dirty="0" err="1">
+                <a:solidFill>
+                  <a:schemeClr val="bg1"/>
+                </a:solidFill>
+                <a:latin typeface="Segoe UI" panose="020B0502040204020203" pitchFamily="34" charset="0"/>
+                <a:cs typeface="Segoe UI" panose="020B0502040204020203" pitchFamily="34" charset="0"/>
+              </a:rPr>
+              <a:t>Dễ</a:t>
+            </a:r>
+            <a:r>
+              <a:rPr lang="en-US" dirty="0">
+                <a:solidFill>
+                  <a:schemeClr val="bg1"/>
+                </a:solidFill>
+                <a:latin typeface="Segoe UI" panose="020B0502040204020203" pitchFamily="34" charset="0"/>
+                <a:cs typeface="Segoe UI" panose="020B0502040204020203" pitchFamily="34" charset="0"/>
+              </a:rPr>
+              <a:t> </a:t>
+            </a:r>
+            <a:r>
+              <a:rPr lang="en-US" dirty="0" err="1">
+                <a:solidFill>
+                  <a:schemeClr val="bg1"/>
+                </a:solidFill>
+                <a:latin typeface="Segoe UI" panose="020B0502040204020203" pitchFamily="34" charset="0"/>
+                <a:cs typeface="Segoe UI" panose="020B0502040204020203" pitchFamily="34" charset="0"/>
+              </a:rPr>
+              <a:t>vận</a:t>
+            </a:r>
+            <a:r>
+              <a:rPr lang="en-US" dirty="0">
+                <a:solidFill>
+                  <a:schemeClr val="bg1"/>
+                </a:solidFill>
+                <a:latin typeface="Segoe UI" panose="020B0502040204020203" pitchFamily="34" charset="0"/>
+                <a:cs typeface="Segoe UI" panose="020B0502040204020203" pitchFamily="34" charset="0"/>
+              </a:rPr>
+              <a:t> </a:t>
+            </a:r>
+            <a:r>
+              <a:rPr lang="en-US" dirty="0" err="1">
+                <a:solidFill>
+                  <a:schemeClr val="bg1"/>
+                </a:solidFill>
+                <a:latin typeface="Segoe UI" panose="020B0502040204020203" pitchFamily="34" charset="0"/>
+                <a:cs typeface="Segoe UI" panose="020B0502040204020203" pitchFamily="34" charset="0"/>
+              </a:rPr>
+              <a:t>hành</a:t>
+            </a:r>
+            <a:endParaRPr lang="en-US" dirty="0">
+              <a:solidFill>
+                <a:schemeClr val="bg1"/>
+              </a:solidFill>
+              <a:latin typeface="Segoe UI" panose="020B0502040204020203" pitchFamily="34" charset="0"/>
+              <a:cs typeface="Segoe UI" panose="020B0502040204020203" pitchFamily="34" charset="0"/>
+            </a:endParaRPr>
+          </a:p>
+        </p:txBody>
+      </p:sp>
+      <p:sp>
+        <p:nvSpPr>
+          <p:cNvPr id="10" name="Rectangle 9"/>
+          <p:cNvSpPr/>
+          <p:nvPr/>
+        </p:nvSpPr>
+        <p:spPr>
+          <a:xfrm>
+            <a:off x="6359243" y="3410206"/>
+            <a:ext cx="3262918" cy="1200329"/>
+          </a:xfrm>
+          <a:prstGeom prst="rect">
+            <a:avLst/>
+          </a:prstGeom>
+        </p:spPr>
+        <p:txBody>
+          <a:bodyPr wrap="square">
+            <a:spAutoFit/>
+          </a:bodyPr>
+          <a:lstStyle/>
+          <a:p>
+            <a:pPr marL="285750" indent="-285750">
+              <a:buFontTx/>
+              <a:buChar char="-"/>
+            </a:pPr>
+            <a:r>
+              <a:rPr lang="en-US" dirty="0" err="1">
+                <a:solidFill>
+                  <a:schemeClr val="bg1"/>
+                </a:solidFill>
+                <a:latin typeface="Segoe UI" panose="020B0502040204020203" pitchFamily="34" charset="0"/>
+                <a:cs typeface="Segoe UI" panose="020B0502040204020203" pitchFamily="34" charset="0"/>
+              </a:rPr>
+              <a:t>Không</a:t>
+            </a:r>
+            <a:r>
+              <a:rPr lang="en-US" dirty="0">
+                <a:solidFill>
+                  <a:schemeClr val="bg1"/>
+                </a:solidFill>
+                <a:latin typeface="Segoe UI" panose="020B0502040204020203" pitchFamily="34" charset="0"/>
+                <a:cs typeface="Segoe UI" panose="020B0502040204020203" pitchFamily="34" charset="0"/>
+              </a:rPr>
+              <a:t> </a:t>
+            </a:r>
+            <a:r>
+              <a:rPr lang="en-US" dirty="0" err="1">
+                <a:solidFill>
+                  <a:schemeClr val="bg1"/>
+                </a:solidFill>
+                <a:latin typeface="Segoe UI" panose="020B0502040204020203" pitchFamily="34" charset="0"/>
+                <a:cs typeface="Segoe UI" panose="020B0502040204020203" pitchFamily="34" charset="0"/>
+              </a:rPr>
+              <a:t>phân</a:t>
+            </a:r>
+            <a:r>
+              <a:rPr lang="en-US" dirty="0">
+                <a:solidFill>
+                  <a:schemeClr val="bg1"/>
+                </a:solidFill>
+                <a:latin typeface="Segoe UI" panose="020B0502040204020203" pitchFamily="34" charset="0"/>
+                <a:cs typeface="Segoe UI" panose="020B0502040204020203" pitchFamily="34" charset="0"/>
+              </a:rPr>
+              <a:t> </a:t>
+            </a:r>
+            <a:r>
+              <a:rPr lang="en-US" dirty="0" err="1">
+                <a:solidFill>
+                  <a:schemeClr val="bg1"/>
+                </a:solidFill>
+                <a:latin typeface="Segoe UI" panose="020B0502040204020203" pitchFamily="34" charset="0"/>
+                <a:cs typeface="Segoe UI" panose="020B0502040204020203" pitchFamily="34" charset="0"/>
+              </a:rPr>
+              <a:t>loại</a:t>
+            </a:r>
+            <a:r>
+              <a:rPr lang="en-US" dirty="0">
+                <a:solidFill>
+                  <a:schemeClr val="bg1"/>
+                </a:solidFill>
+                <a:latin typeface="Segoe UI" panose="020B0502040204020203" pitchFamily="34" charset="0"/>
+                <a:cs typeface="Segoe UI" panose="020B0502040204020203" pitchFamily="34" charset="0"/>
+              </a:rPr>
+              <a:t> </a:t>
+            </a:r>
+            <a:r>
+              <a:rPr lang="en-US" dirty="0" err="1">
+                <a:solidFill>
+                  <a:schemeClr val="bg1"/>
+                </a:solidFill>
+                <a:latin typeface="Segoe UI" panose="020B0502040204020203" pitchFamily="34" charset="0"/>
+                <a:cs typeface="Segoe UI" panose="020B0502040204020203" pitchFamily="34" charset="0"/>
+              </a:rPr>
+              <a:t>được</a:t>
+            </a:r>
+            <a:r>
+              <a:rPr lang="en-US" dirty="0">
+                <a:solidFill>
+                  <a:schemeClr val="bg1"/>
+                </a:solidFill>
+                <a:latin typeface="Segoe UI" panose="020B0502040204020203" pitchFamily="34" charset="0"/>
+                <a:cs typeface="Segoe UI" panose="020B0502040204020203" pitchFamily="34" charset="0"/>
+              </a:rPr>
+              <a:t> </a:t>
+            </a:r>
+            <a:r>
+              <a:rPr lang="en-US" dirty="0" err="1">
+                <a:solidFill>
+                  <a:schemeClr val="bg1"/>
+                </a:solidFill>
+                <a:latin typeface="Segoe UI" panose="020B0502040204020203" pitchFamily="34" charset="0"/>
+                <a:cs typeface="Segoe UI" panose="020B0502040204020203" pitchFamily="34" charset="0"/>
+              </a:rPr>
+              <a:t>khi</a:t>
+            </a:r>
+            <a:r>
+              <a:rPr lang="en-US" dirty="0">
+                <a:solidFill>
+                  <a:schemeClr val="bg1"/>
+                </a:solidFill>
+                <a:latin typeface="Segoe UI" panose="020B0502040204020203" pitchFamily="34" charset="0"/>
+                <a:cs typeface="Segoe UI" panose="020B0502040204020203" pitchFamily="34" charset="0"/>
+              </a:rPr>
+              <a:t> </a:t>
+            </a:r>
+            <a:r>
+              <a:rPr lang="en-US" dirty="0" err="1">
+                <a:solidFill>
+                  <a:schemeClr val="bg1"/>
+                </a:solidFill>
+                <a:latin typeface="Segoe UI" panose="020B0502040204020203" pitchFamily="34" charset="0"/>
+                <a:cs typeface="Segoe UI" panose="020B0502040204020203" pitchFamily="34" charset="0"/>
+              </a:rPr>
+              <a:t>loại</a:t>
+            </a:r>
+            <a:r>
+              <a:rPr lang="en-US" dirty="0">
+                <a:solidFill>
+                  <a:schemeClr val="bg1"/>
+                </a:solidFill>
+                <a:latin typeface="Segoe UI" panose="020B0502040204020203" pitchFamily="34" charset="0"/>
+                <a:cs typeface="Segoe UI" panose="020B0502040204020203" pitchFamily="34" charset="0"/>
+              </a:rPr>
+              <a:t> </a:t>
+            </a:r>
+            <a:r>
+              <a:rPr lang="en-US" dirty="0" err="1">
+                <a:solidFill>
+                  <a:schemeClr val="bg1"/>
+                </a:solidFill>
+                <a:latin typeface="Segoe UI" panose="020B0502040204020203" pitchFamily="34" charset="0"/>
+                <a:cs typeface="Segoe UI" panose="020B0502040204020203" pitchFamily="34" charset="0"/>
+              </a:rPr>
+              <a:t>rác</a:t>
+            </a:r>
+            <a:r>
+              <a:rPr lang="en-US" dirty="0">
+                <a:solidFill>
+                  <a:schemeClr val="bg1"/>
+                </a:solidFill>
+                <a:latin typeface="Segoe UI" panose="020B0502040204020203" pitchFamily="34" charset="0"/>
+                <a:cs typeface="Segoe UI" panose="020B0502040204020203" pitchFamily="34" charset="0"/>
+              </a:rPr>
+              <a:t> </a:t>
+            </a:r>
+            <a:r>
+              <a:rPr lang="en-US" dirty="0" err="1">
+                <a:solidFill>
+                  <a:schemeClr val="bg1"/>
+                </a:solidFill>
+                <a:latin typeface="Segoe UI" panose="020B0502040204020203" pitchFamily="34" charset="0"/>
+                <a:cs typeface="Segoe UI" panose="020B0502040204020203" pitchFamily="34" charset="0"/>
+              </a:rPr>
+              <a:t>và</a:t>
+            </a:r>
+            <a:r>
+              <a:rPr lang="en-US" dirty="0">
+                <a:solidFill>
+                  <a:schemeClr val="bg1"/>
+                </a:solidFill>
+                <a:latin typeface="Segoe UI" panose="020B0502040204020203" pitchFamily="34" charset="0"/>
+                <a:cs typeface="Segoe UI" panose="020B0502040204020203" pitchFamily="34" charset="0"/>
+              </a:rPr>
+              <a:t> </a:t>
+            </a:r>
+            <a:r>
+              <a:rPr lang="en-US" dirty="0" err="1">
+                <a:solidFill>
+                  <a:schemeClr val="bg1"/>
+                </a:solidFill>
+                <a:latin typeface="Segoe UI" panose="020B0502040204020203" pitchFamily="34" charset="0"/>
+                <a:cs typeface="Segoe UI" panose="020B0502040204020203" pitchFamily="34" charset="0"/>
+              </a:rPr>
+              <a:t>màu</a:t>
+            </a:r>
+            <a:r>
+              <a:rPr lang="en-US" dirty="0">
+                <a:solidFill>
+                  <a:schemeClr val="bg1"/>
+                </a:solidFill>
+                <a:latin typeface="Segoe UI" panose="020B0502040204020203" pitchFamily="34" charset="0"/>
+                <a:cs typeface="Segoe UI" panose="020B0502040204020203" pitchFamily="34" charset="0"/>
+              </a:rPr>
+              <a:t> </a:t>
+            </a:r>
+            <a:r>
+              <a:rPr lang="en-US" dirty="0" err="1">
+                <a:solidFill>
+                  <a:schemeClr val="bg1"/>
+                </a:solidFill>
+                <a:latin typeface="Segoe UI" panose="020B0502040204020203" pitchFamily="34" charset="0"/>
+                <a:cs typeface="Segoe UI" panose="020B0502040204020203" pitchFamily="34" charset="0"/>
+              </a:rPr>
+              <a:t>rác</a:t>
+            </a:r>
+            <a:r>
+              <a:rPr lang="en-US" dirty="0">
+                <a:solidFill>
+                  <a:schemeClr val="bg1"/>
+                </a:solidFill>
+                <a:latin typeface="Segoe UI" panose="020B0502040204020203" pitchFamily="34" charset="0"/>
+                <a:cs typeface="Segoe UI" panose="020B0502040204020203" pitchFamily="34" charset="0"/>
+              </a:rPr>
+              <a:t> </a:t>
+            </a:r>
+            <a:r>
+              <a:rPr lang="en-US" dirty="0" err="1">
+                <a:solidFill>
+                  <a:schemeClr val="bg1"/>
+                </a:solidFill>
+                <a:latin typeface="Segoe UI" panose="020B0502040204020203" pitchFamily="34" charset="0"/>
+                <a:cs typeface="Segoe UI" panose="020B0502040204020203" pitchFamily="34" charset="0"/>
+              </a:rPr>
+              <a:t>không</a:t>
+            </a:r>
+            <a:r>
+              <a:rPr lang="en-US" dirty="0">
+                <a:solidFill>
+                  <a:schemeClr val="bg1"/>
+                </a:solidFill>
+                <a:latin typeface="Segoe UI" panose="020B0502040204020203" pitchFamily="34" charset="0"/>
+                <a:cs typeface="Segoe UI" panose="020B0502040204020203" pitchFamily="34" charset="0"/>
+              </a:rPr>
+              <a:t> </a:t>
+            </a:r>
+            <a:r>
+              <a:rPr lang="en-US" dirty="0" err="1">
+                <a:solidFill>
+                  <a:schemeClr val="bg1"/>
+                </a:solidFill>
+                <a:latin typeface="Segoe UI" panose="020B0502040204020203" pitchFamily="34" charset="0"/>
+                <a:cs typeface="Segoe UI" panose="020B0502040204020203" pitchFamily="34" charset="0"/>
+              </a:rPr>
+              <a:t>đồng</a:t>
+            </a:r>
+            <a:r>
+              <a:rPr lang="en-US" dirty="0">
+                <a:solidFill>
+                  <a:schemeClr val="bg1"/>
+                </a:solidFill>
+                <a:latin typeface="Segoe UI" panose="020B0502040204020203" pitchFamily="34" charset="0"/>
+                <a:cs typeface="Segoe UI" panose="020B0502040204020203" pitchFamily="34" charset="0"/>
+              </a:rPr>
+              <a:t> </a:t>
+            </a:r>
+            <a:r>
+              <a:rPr lang="en-US" dirty="0" err="1">
+                <a:solidFill>
+                  <a:schemeClr val="bg1"/>
+                </a:solidFill>
+                <a:latin typeface="Segoe UI" panose="020B0502040204020203" pitchFamily="34" charset="0"/>
+                <a:cs typeface="Segoe UI" panose="020B0502040204020203" pitchFamily="34" charset="0"/>
+              </a:rPr>
+              <a:t>nhất</a:t>
+            </a:r>
+            <a:endParaRPr lang="en-US" dirty="0">
+              <a:solidFill>
+                <a:schemeClr val="bg1"/>
+              </a:solidFill>
+              <a:latin typeface="Segoe UI" panose="020B0502040204020203" pitchFamily="34" charset="0"/>
+              <a:cs typeface="Segoe UI" panose="020B0502040204020203" pitchFamily="34" charset="0"/>
+            </a:endParaRPr>
+          </a:p>
+          <a:p>
+            <a:pPr marL="285750" indent="-285750">
+              <a:buFontTx/>
+              <a:buChar char="-"/>
+            </a:pPr>
+            <a:r>
+              <a:rPr lang="en-US" dirty="0" err="1">
+                <a:solidFill>
+                  <a:schemeClr val="bg1"/>
+                </a:solidFill>
+                <a:latin typeface="Segoe UI" panose="020B0502040204020203" pitchFamily="34" charset="0"/>
+                <a:cs typeface="Segoe UI" panose="020B0502040204020203" pitchFamily="34" charset="0"/>
+              </a:rPr>
+              <a:t>Kết</a:t>
+            </a:r>
+            <a:r>
+              <a:rPr lang="en-US" dirty="0">
+                <a:solidFill>
+                  <a:schemeClr val="bg1"/>
+                </a:solidFill>
+                <a:latin typeface="Segoe UI" panose="020B0502040204020203" pitchFamily="34" charset="0"/>
+                <a:cs typeface="Segoe UI" panose="020B0502040204020203" pitchFamily="34" charset="0"/>
+              </a:rPr>
+              <a:t> </a:t>
+            </a:r>
+            <a:r>
+              <a:rPr lang="en-US" dirty="0" err="1">
+                <a:solidFill>
+                  <a:schemeClr val="bg1"/>
+                </a:solidFill>
+                <a:latin typeface="Segoe UI" panose="020B0502040204020203" pitchFamily="34" charset="0"/>
+                <a:cs typeface="Segoe UI" panose="020B0502040204020203" pitchFamily="34" charset="0"/>
+              </a:rPr>
+              <a:t>cấu</a:t>
+            </a:r>
+            <a:r>
+              <a:rPr lang="en-US" dirty="0">
+                <a:solidFill>
+                  <a:schemeClr val="bg1"/>
+                </a:solidFill>
+                <a:latin typeface="Segoe UI" panose="020B0502040204020203" pitchFamily="34" charset="0"/>
+                <a:cs typeface="Segoe UI" panose="020B0502040204020203" pitchFamily="34" charset="0"/>
+              </a:rPr>
+              <a:t> </a:t>
+            </a:r>
+            <a:r>
+              <a:rPr lang="en-US" dirty="0" err="1">
+                <a:solidFill>
+                  <a:schemeClr val="bg1"/>
+                </a:solidFill>
+                <a:latin typeface="Segoe UI" panose="020B0502040204020203" pitchFamily="34" charset="0"/>
+                <a:cs typeface="Segoe UI" panose="020B0502040204020203" pitchFamily="34" charset="0"/>
+              </a:rPr>
+              <a:t>chưa</a:t>
+            </a:r>
+            <a:r>
+              <a:rPr lang="en-US" dirty="0">
+                <a:solidFill>
+                  <a:schemeClr val="bg1"/>
+                </a:solidFill>
+                <a:latin typeface="Segoe UI" panose="020B0502040204020203" pitchFamily="34" charset="0"/>
+                <a:cs typeface="Segoe UI" panose="020B0502040204020203" pitchFamily="34" charset="0"/>
+              </a:rPr>
+              <a:t> </a:t>
+            </a:r>
+            <a:r>
+              <a:rPr lang="en-US" dirty="0" err="1">
+                <a:solidFill>
+                  <a:schemeClr val="bg1"/>
+                </a:solidFill>
+                <a:latin typeface="Segoe UI" panose="020B0502040204020203" pitchFamily="34" charset="0"/>
+                <a:cs typeface="Segoe UI" panose="020B0502040204020203" pitchFamily="34" charset="0"/>
+              </a:rPr>
+              <a:t>chắc</a:t>
+            </a:r>
+            <a:r>
+              <a:rPr lang="en-US" dirty="0">
+                <a:solidFill>
+                  <a:schemeClr val="bg1"/>
+                </a:solidFill>
+                <a:latin typeface="Segoe UI" panose="020B0502040204020203" pitchFamily="34" charset="0"/>
+                <a:cs typeface="Segoe UI" panose="020B0502040204020203" pitchFamily="34" charset="0"/>
+              </a:rPr>
+              <a:t> </a:t>
+            </a:r>
+            <a:r>
+              <a:rPr lang="en-US" dirty="0" err="1">
+                <a:solidFill>
+                  <a:schemeClr val="bg1"/>
+                </a:solidFill>
+                <a:latin typeface="Segoe UI" panose="020B0502040204020203" pitchFamily="34" charset="0"/>
+                <a:cs typeface="Segoe UI" panose="020B0502040204020203" pitchFamily="34" charset="0"/>
+              </a:rPr>
+              <a:t>chắn</a:t>
+            </a:r>
+            <a:endParaRPr lang="en-US" dirty="0">
+              <a:solidFill>
+                <a:schemeClr val="bg1"/>
+              </a:solidFill>
+              <a:latin typeface="Segoe UI" panose="020B0502040204020203" pitchFamily="34" charset="0"/>
+              <a:cs typeface="Segoe UI" panose="020B0502040204020203" pitchFamily="34" charset="0"/>
+            </a:endParaRPr>
+          </a:p>
+        </p:txBody>
+      </p:sp>
+    </p:spTree>
+    <p:extLst>
+      <p:ext uri="{BB962C8B-B14F-4D97-AF65-F5344CB8AC3E}">
+        <p14:creationId xmlns:p14="http://schemas.microsoft.com/office/powerpoint/2010/main" val="2475982256"/>
+      </p:ext>
+    </p:extLst>
+  </p:cSld>
+  <p:clrMapOvr>
+    <a:masterClrMapping/>
+  </p:clrMapOvr>
+  <mc:AlternateContent xmlns:mc="http://schemas.openxmlformats.org/markup-compatibility/2006" xmlns:p14="http://schemas.microsoft.com/office/powerpoint/2010/main">
+    <mc:Choice Requires="p14">
+      <p:transition spd="med" p14:dur="700">
+        <p:fade/>
+      </p:transition>
+    </mc:Choice>
+    <mc:Fallback xmlns="">
+      <p:transition spd="med">
+        <p:fade/>
+      </p:transition>
+    </mc:Fallback>
+  </mc:AlternateContent>
+</p:sld>
+</file>
+
+<file path=ppt/slides/slide13.xml><?xml version="1.0" encoding="utf-8"?>
 <p:sld xmlns:a="http://schemas.openxmlformats.org/drawingml/2006/main" xmlns:r="http://schemas.openxmlformats.org/officeDocument/2006/relationships" xmlns:p="http://schemas.openxmlformats.org/presentationml/2006/main">
   <p:cSld>
     <p:spTree>
@@ -11089,7 +12651,7 @@
           <p:nvPr>
             <p:extLst>
               <p:ext uri="{D42A27DB-BD31-4B8C-83A1-F6EECF244321}">
-                <p14:modId xmlns:p14="http://schemas.microsoft.com/office/powerpoint/2010/main" val="1474277811"/>
+                <p14:modId xmlns:p14="http://schemas.microsoft.com/office/powerpoint/2010/main" val="4243431821"/>
               </p:ext>
             </p:extLst>
           </p:nvPr>
@@ -11370,7 +12932,7 @@
                           <a:latin typeface="Segoe UI" panose="020B0502040204020203" pitchFamily="34" charset="0"/>
                           <a:cs typeface="Segoe UI" panose="020B0502040204020203" pitchFamily="34" charset="0"/>
                         </a:rPr>
-                        <a:t>3</a:t>
+                        <a:t>4</a:t>
                       </a:r>
                     </a:p>
                   </a:txBody>
@@ -11394,7 +12956,7 @@
                           <a:latin typeface="Segoe UI" panose="020B0502040204020203" pitchFamily="34" charset="0"/>
                           <a:cs typeface="Segoe UI" panose="020B0502040204020203" pitchFamily="34" charset="0"/>
                         </a:rPr>
-                        <a:t>Shooter</a:t>
+                        <a:t>Beam 15M</a:t>
                       </a:r>
                     </a:p>
                   </a:txBody>
@@ -11411,7 +12973,7 @@
                           <a:latin typeface="Segoe UI" panose="020B0502040204020203" pitchFamily="34" charset="0"/>
                           <a:cs typeface="Segoe UI" panose="020B0502040204020203" pitchFamily="34" charset="0"/>
                         </a:rPr>
-                        <a:t>1</a:t>
+                        <a:t>3</a:t>
                       </a:r>
                     </a:p>
                   </a:txBody>
@@ -11470,10 +13032,10 @@
       </p:graphicFrame>
       <p:pic>
         <p:nvPicPr>
-          <p:cNvPr id="6" name="Picture 4" descr="cdio_animated">
+          <p:cNvPr id="5" name="Picture 4" descr="cdio_animated">
             <a:extLst>
               <a:ext uri="{FF2B5EF4-FFF2-40B4-BE49-F238E27FC236}">
-                <a16:creationId xmlns:a16="http://schemas.microsoft.com/office/drawing/2014/main" id="{951BD751-2767-4229-AF1B-3EA32ADC9B2C}"/>
+                <a16:creationId xmlns:a16="http://schemas.microsoft.com/office/drawing/2014/main" id="{BCA4CCF6-8301-4B21-87B7-FD944C0D7415}"/>
               </a:ext>
             </a:extLst>
           </p:cNvPr>
@@ -11497,7 +13059,7 @@
         </p:blipFill>
         <p:spPr>
           <a:xfrm>
-            <a:off x="732657" y="5430931"/>
+            <a:off x="638529" y="5528770"/>
             <a:ext cx="1414302" cy="707151"/>
           </a:xfrm>
           <a:prstGeom prst="rect">
@@ -11534,6 +13096,41 @@
           </a:extLst>
         </p:spPr>
       </p:pic>
+      <p:sp>
+        <p:nvSpPr>
+          <p:cNvPr id="6" name="Slide Number Placeholder 1">
+            <a:extLst>
+              <a:ext uri="{FF2B5EF4-FFF2-40B4-BE49-F238E27FC236}">
+                <a16:creationId xmlns:a16="http://schemas.microsoft.com/office/drawing/2014/main" id="{0A229B48-3D15-482E-B448-4BF5B5711BAB}"/>
+              </a:ext>
+            </a:extLst>
+          </p:cNvPr>
+          <p:cNvSpPr>
+            <a:spLocks noGrp="1"/>
+          </p:cNvSpPr>
+          <p:nvPr>
+            <p:ph type="sldNum" sz="quarter" idx="12"/>
+          </p:nvPr>
+        </p:nvSpPr>
+        <p:spPr>
+          <a:xfrm>
+            <a:off x="10337611" y="5869093"/>
+            <a:ext cx="621121" cy="366828"/>
+          </a:xfrm>
+        </p:spPr>
+        <p:txBody>
+          <a:bodyPr/>
+          <a:lstStyle/>
+          <a:p>
+            <a:fld id="{D57F1E4F-1CFF-5643-939E-217C01CDF565}" type="slidenum">
+              <a:rPr lang="en-US" sz="3200" smtClean="0"/>
+              <a:pPr/>
+              <a:t>13</a:t>
+            </a:fld>
+            <a:endParaRPr lang="en-US" sz="3200" dirty="0"/>
+          </a:p>
+        </p:txBody>
+      </p:sp>
     </p:spTree>
     <p:extLst>
       <p:ext uri="{BB962C8B-B14F-4D97-AF65-F5344CB8AC3E}">
@@ -11544,10 +13141,13 @@
   <p:clrMapOvr>
     <a:masterClrMapping/>
   </p:clrMapOvr>
+  <p:transition spd="slow">
+    <p:wipe/>
+  </p:transition>
 </p:sld>
 </file>
 
-<file path=ppt/slides/slide13.xml><?xml version="1.0" encoding="utf-8"?>
+<file path=ppt/slides/slide14.xml><?xml version="1.0" encoding="utf-8"?>
 <p:sld xmlns:a="http://schemas.openxmlformats.org/drawingml/2006/main" xmlns:r="http://schemas.openxmlformats.org/officeDocument/2006/relationships" xmlns:p="http://schemas.openxmlformats.org/presentationml/2006/main">
   <p:cSld>
     <p:spTree>
@@ -11802,10 +13402,10 @@
       </p:pic>
       <p:pic>
         <p:nvPicPr>
-          <p:cNvPr id="6" name="Picture 4" descr="cdio_animated">
+          <p:cNvPr id="7" name="Picture 4" descr="cdio_animated">
             <a:extLst>
               <a:ext uri="{FF2B5EF4-FFF2-40B4-BE49-F238E27FC236}">
-                <a16:creationId xmlns:a16="http://schemas.microsoft.com/office/drawing/2014/main" id="{5BC3B307-2104-410A-88CA-F8EA3371011B}"/>
+                <a16:creationId xmlns:a16="http://schemas.microsoft.com/office/drawing/2014/main" id="{352DBF27-A7DB-4963-A3DD-B56461B76536}"/>
               </a:ext>
             </a:extLst>
           </p:cNvPr>
@@ -11829,7 +13429,7 @@
         </p:blipFill>
         <p:spPr>
           <a:xfrm>
-            <a:off x="707151" y="5518223"/>
+            <a:off x="638529" y="5528770"/>
             <a:ext cx="1414302" cy="707151"/>
           </a:xfrm>
           <a:prstGeom prst="rect">
@@ -11866,6 +13466,41 @@
           </a:extLst>
         </p:spPr>
       </p:pic>
+      <p:sp>
+        <p:nvSpPr>
+          <p:cNvPr id="6" name="Slide Number Placeholder 1">
+            <a:extLst>
+              <a:ext uri="{FF2B5EF4-FFF2-40B4-BE49-F238E27FC236}">
+                <a16:creationId xmlns:a16="http://schemas.microsoft.com/office/drawing/2014/main" id="{4B79BD10-9215-432C-B416-904962A40199}"/>
+              </a:ext>
+            </a:extLst>
+          </p:cNvPr>
+          <p:cNvSpPr>
+            <a:spLocks noGrp="1"/>
+          </p:cNvSpPr>
+          <p:nvPr>
+            <p:ph type="sldNum" sz="quarter" idx="12"/>
+          </p:nvPr>
+        </p:nvSpPr>
+        <p:spPr>
+          <a:xfrm>
+            <a:off x="10337611" y="5869093"/>
+            <a:ext cx="621121" cy="366828"/>
+          </a:xfrm>
+        </p:spPr>
+        <p:txBody>
+          <a:bodyPr/>
+          <a:lstStyle/>
+          <a:p>
+            <a:fld id="{D57F1E4F-1CFF-5643-939E-217C01CDF565}" type="slidenum">
+              <a:rPr lang="en-US" sz="3200" smtClean="0"/>
+              <a:pPr/>
+              <a:t>14</a:t>
+            </a:fld>
+            <a:endParaRPr lang="en-US" sz="3200" dirty="0"/>
+          </a:p>
+        </p:txBody>
+      </p:sp>
     </p:spTree>
     <p:extLst>
       <p:ext uri="{BB962C8B-B14F-4D97-AF65-F5344CB8AC3E}">
@@ -11876,10 +13511,22 @@
   <p:clrMapOvr>
     <a:masterClrMapping/>
   </p:clrMapOvr>
+  <mc:AlternateContent xmlns:mc="http://schemas.openxmlformats.org/markup-compatibility/2006" xmlns:p14="http://schemas.microsoft.com/office/powerpoint/2010/main">
+    <mc:Choice Requires="p14">
+      <p:transition spd="med" p14:dur="700">
+        <p:fade/>
+      </p:transition>
+    </mc:Choice>
+    <mc:Fallback xmlns="">
+      <p:transition spd="med">
+        <p:fade/>
+      </p:transition>
+    </mc:Fallback>
+  </mc:AlternateContent>
 </p:sld>
 </file>
 
-<file path=ppt/slides/slide14.xml><?xml version="1.0" encoding="utf-8"?>
+<file path=ppt/slides/slide15.xml><?xml version="1.0" encoding="utf-8"?>
 <p:sld xmlns:a="http://schemas.openxmlformats.org/drawingml/2006/main" xmlns:r="http://schemas.openxmlformats.org/officeDocument/2006/relationships" xmlns:p="http://schemas.openxmlformats.org/presentationml/2006/main">
   <p:cSld>
     <p:bg>
@@ -12222,7 +13869,7 @@
           <a:lstStyle/>
           <a:p>
             <a:pPr algn="ctr"/>
-            <a:endParaRPr lang="en-US"/>
+            <a:endParaRPr lang="en-US" dirty="0"/>
           </a:p>
         </p:txBody>
       </p:sp>
@@ -12456,7 +14103,7 @@
         </p:nvSpPr>
         <p:spPr>
           <a:xfrm>
-            <a:off x="955425" y="1049365"/>
+            <a:off x="955425" y="775499"/>
             <a:ext cx="4094017" cy="964337"/>
           </a:xfrm>
           <a:prstGeom prst="rect">
@@ -12772,8 +14419,8 @@
         </p:blipFill>
         <p:spPr>
           <a:xfrm>
-            <a:off x="5221356" y="1999633"/>
-            <a:ext cx="5666777" cy="3725906"/>
+            <a:off x="3188093" y="1798430"/>
+            <a:ext cx="6434042" cy="4230383"/>
           </a:xfrm>
           <a:prstGeom prst="rect">
             <a:avLst/>
@@ -12788,10 +14435,10 @@
       </p:pic>
       <p:pic>
         <p:nvPicPr>
-          <p:cNvPr id="6" name="Picture 4" descr="cdio_animated">
+          <p:cNvPr id="17" name="Picture 4" descr="cdio_animated">
             <a:extLst>
               <a:ext uri="{FF2B5EF4-FFF2-40B4-BE49-F238E27FC236}">
-                <a16:creationId xmlns:a16="http://schemas.microsoft.com/office/drawing/2014/main" id="{5BC3B307-2104-410A-88CA-F8EA3371011B}"/>
+                <a16:creationId xmlns:a16="http://schemas.microsoft.com/office/drawing/2014/main" id="{06B69514-604B-428D-B786-8019D65CEF2C}"/>
               </a:ext>
             </a:extLst>
           </p:cNvPr>
@@ -12815,7 +14462,7 @@
         </p:blipFill>
         <p:spPr>
           <a:xfrm>
-            <a:off x="707151" y="5518223"/>
+            <a:off x="638529" y="5528770"/>
             <a:ext cx="1414302" cy="707151"/>
           </a:xfrm>
           <a:prstGeom prst="rect">
@@ -12852,6 +14499,41 @@
           </a:extLst>
         </p:spPr>
       </p:pic>
+      <p:sp>
+        <p:nvSpPr>
+          <p:cNvPr id="18" name="Slide Number Placeholder 1">
+            <a:extLst>
+              <a:ext uri="{FF2B5EF4-FFF2-40B4-BE49-F238E27FC236}">
+                <a16:creationId xmlns:a16="http://schemas.microsoft.com/office/drawing/2014/main" id="{E59AB1A5-B382-460D-B14E-C13BEBEA2D83}"/>
+              </a:ext>
+            </a:extLst>
+          </p:cNvPr>
+          <p:cNvSpPr>
+            <a:spLocks noGrp="1"/>
+          </p:cNvSpPr>
+          <p:nvPr>
+            <p:ph type="sldNum" sz="quarter" idx="12"/>
+          </p:nvPr>
+        </p:nvSpPr>
+        <p:spPr>
+          <a:xfrm>
+            <a:off x="10337611" y="5869093"/>
+            <a:ext cx="621121" cy="366828"/>
+          </a:xfrm>
+        </p:spPr>
+        <p:txBody>
+          <a:bodyPr/>
+          <a:lstStyle/>
+          <a:p>
+            <a:fld id="{D57F1E4F-1CFF-5643-939E-217C01CDF565}" type="slidenum">
+              <a:rPr lang="en-US" sz="3200" smtClean="0"/>
+              <a:pPr/>
+              <a:t>15</a:t>
+            </a:fld>
+            <a:endParaRPr lang="en-US" sz="3200" dirty="0"/>
+          </a:p>
+        </p:txBody>
+      </p:sp>
     </p:spTree>
     <p:extLst>
       <p:ext uri="{BB962C8B-B14F-4D97-AF65-F5344CB8AC3E}">
@@ -12862,10 +14544,13 @@
   <p:clrMapOvr>
     <a:masterClrMapping/>
   </p:clrMapOvr>
+  <p:transition spd="slow">
+    <p:wipe/>
+  </p:transition>
 </p:sld>
 </file>
 
-<file path=ppt/slides/slide15.xml><?xml version="1.0" encoding="utf-8"?>
+<file path=ppt/slides/slide16.xml><?xml version="1.0" encoding="utf-8"?>
 <p:sld xmlns:a="http://schemas.openxmlformats.org/drawingml/2006/main" xmlns:r="http://schemas.openxmlformats.org/officeDocument/2006/relationships" xmlns:p="http://schemas.openxmlformats.org/presentationml/2006/main">
   <p:cSld>
     <p:bg>
@@ -13785,10 +15470,672 @@
           </a:fontRef>
         </p:style>
       </p:cxnSp>
+      <p:pic>
+        <p:nvPicPr>
+          <p:cNvPr id="18" name="Picture 4" descr="cdio_animated">
+            <a:extLst>
+              <a:ext uri="{FF2B5EF4-FFF2-40B4-BE49-F238E27FC236}">
+                <a16:creationId xmlns:a16="http://schemas.microsoft.com/office/drawing/2014/main" id="{E59B0618-51FD-4A95-BF46-85C0B5CC94A5}"/>
+              </a:ext>
+            </a:extLst>
+          </p:cNvPr>
+          <p:cNvPicPr>
+            <a:picLocks noChangeAspect="1" noChangeArrowheads="1"/>
+          </p:cNvPicPr>
+          <p:nvPr/>
+        </p:nvPicPr>
+        <p:blipFill>
+          <a:blip r:embed="rId8">
+            <a:extLst>
+              <a:ext uri="{28A0092B-C50C-407E-A947-70E740481C1C}">
+                <a14:useLocalDpi xmlns:a14="http://schemas.microsoft.com/office/drawing/2010/main" val="0"/>
+              </a:ext>
+            </a:extLst>
+          </a:blip>
+          <a:srcRect/>
+          <a:stretch>
+            <a:fillRect/>
+          </a:stretch>
+        </p:blipFill>
+        <p:spPr>
+          <a:xfrm>
+            <a:off x="638529" y="5528770"/>
+            <a:ext cx="1414302" cy="707151"/>
+          </a:xfrm>
+          <a:prstGeom prst="rect">
+            <a:avLst/>
+          </a:prstGeom>
+          <a:noFill/>
+          <a:extLst>
+            <a:ext uri="{909E8E84-426E-40DD-AFC4-6F175D3DCCD1}">
+              <a14:hiddenFill xmlns:a14="http://schemas.microsoft.com/office/drawing/2010/main">
+                <a:solidFill>
+                  <a:srgbClr val="FFFFFF"/>
+                </a:solidFill>
+              </a14:hiddenFill>
+            </a:ext>
+            <a:ext uri="{91240B29-F687-4F45-9708-019B960494DF}">
+              <a14:hiddenLine xmlns:a14="http://schemas.microsoft.com/office/drawing/2010/main" w="9525">
+                <a:solidFill>
+                  <a:srgbClr val="000000"/>
+                </a:solidFill>
+                <a:miter lim="800000"/>
+                <a:headEnd/>
+                <a:tailEnd/>
+              </a14:hiddenLine>
+            </a:ext>
+            <a:ext uri="{AF507438-7753-43E0-B8FC-AC1667EBCBE1}">
+              <a14:hiddenEffects xmlns:a14="http://schemas.microsoft.com/office/drawing/2010/main">
+                <a:effectLst>
+                  <a:outerShdw dist="35921" dir="2700000" algn="ctr" rotWithShape="0">
+                    <a:srgbClr val="808080"/>
+                  </a:outerShdw>
+                </a:effectLst>
+              </a14:hiddenEffects>
+            </a:ext>
+          </a:extLst>
+        </p:spPr>
+      </p:pic>
+      <p:sp>
+        <p:nvSpPr>
+          <p:cNvPr id="20" name="Slide Number Placeholder 1">
+            <a:extLst>
+              <a:ext uri="{FF2B5EF4-FFF2-40B4-BE49-F238E27FC236}">
+                <a16:creationId xmlns:a16="http://schemas.microsoft.com/office/drawing/2014/main" id="{0C7B9D6E-6A64-4C8B-B8BD-14E903B073A3}"/>
+              </a:ext>
+            </a:extLst>
+          </p:cNvPr>
+          <p:cNvSpPr>
+            <a:spLocks noGrp="1"/>
+          </p:cNvSpPr>
+          <p:nvPr>
+            <p:ph type="sldNum" sz="quarter" idx="12"/>
+          </p:nvPr>
+        </p:nvSpPr>
+        <p:spPr>
+          <a:xfrm>
+            <a:off x="10337611" y="5869093"/>
+            <a:ext cx="621121" cy="366828"/>
+          </a:xfrm>
+        </p:spPr>
+        <p:txBody>
+          <a:bodyPr/>
+          <a:lstStyle/>
+          <a:p>
+            <a:fld id="{D57F1E4F-1CFF-5643-939E-217C01CDF565}" type="slidenum">
+              <a:rPr lang="en-US" sz="3200" smtClean="0"/>
+              <a:pPr/>
+              <a:t>16</a:t>
+            </a:fld>
+            <a:endParaRPr lang="en-US" sz="3200" dirty="0"/>
+          </a:p>
+        </p:txBody>
+      </p:sp>
     </p:spTree>
     <p:extLst>
       <p:ext uri="{BB962C8B-B14F-4D97-AF65-F5344CB8AC3E}">
         <p14:creationId xmlns:p14="http://schemas.microsoft.com/office/powerpoint/2010/main" val="1676440305"/>
+      </p:ext>
+    </p:extLst>
+  </p:cSld>
+  <p:clrMapOvr>
+    <a:masterClrMapping/>
+  </p:clrMapOvr>
+  <mc:AlternateContent xmlns:mc="http://schemas.openxmlformats.org/markup-compatibility/2006" xmlns:p14="http://schemas.microsoft.com/office/powerpoint/2010/main">
+    <mc:Choice Requires="p14">
+      <p:transition spd="med" p14:dur="700">
+        <p:fade/>
+      </p:transition>
+    </mc:Choice>
+    <mc:Fallback xmlns="">
+      <p:transition spd="med">
+        <p:fade/>
+      </p:transition>
+    </mc:Fallback>
+  </mc:AlternateContent>
+</p:sld>
+</file>
+
+<file path=ppt/slides/slide17.xml><?xml version="1.0" encoding="utf-8"?>
+<p:sld xmlns:a="http://schemas.openxmlformats.org/drawingml/2006/main" xmlns:r="http://schemas.openxmlformats.org/officeDocument/2006/relationships" xmlns:p="http://schemas.openxmlformats.org/presentationml/2006/main">
+  <p:cSld>
+    <p:bg>
+      <p:bgPr>
+        <a:blipFill>
+          <a:blip r:embed="rId2"/>
+          <a:stretch/>
+        </a:blipFill>
+        <a:effectLst/>
+      </p:bgPr>
+    </p:bg>
+    <p:spTree>
+      <p:nvGrpSpPr>
+        <p:cNvPr id="1" name=""/>
+        <p:cNvGrpSpPr/>
+        <p:nvPr/>
+      </p:nvGrpSpPr>
+      <p:grpSpPr>
+        <a:xfrm>
+          <a:off x="0" y="0"/>
+          <a:ext cx="0" cy="0"/>
+          <a:chOff x="0" y="0"/>
+          <a:chExt cx="0" cy="0"/>
+        </a:xfrm>
+      </p:grpSpPr>
+      <p:sp>
+        <p:nvSpPr>
+          <p:cNvPr id="35" name="Rectangle 34">
+            <a:extLst>
+              <a:ext uri="{FF2B5EF4-FFF2-40B4-BE49-F238E27FC236}">
+                <a16:creationId xmlns:a16="http://schemas.microsoft.com/office/drawing/2014/main" id="{3D6DABB5-1FC3-4E21-AC84-4685B03C9F93}"/>
+              </a:ext>
+              <a:ext uri="{C183D7F6-B498-43B3-948B-1728B52AA6E4}">
+                <adec:decorative xmlns:adec="http://schemas.microsoft.com/office/drawing/2017/decorative" val="1"/>
+              </a:ext>
+            </a:extLst>
+          </p:cNvPr>
+          <p:cNvSpPr>
+            <a:spLocks noGrp="1" noRot="1" noChangeAspect="1" noMove="1" noResize="1" noEditPoints="1" noAdjustHandles="1" noChangeArrowheads="1" noChangeShapeType="1" noTextEdit="1"/>
+          </p:cNvSpPr>
+          <p:nvPr>
+            <p:extLst>
+              <p:ext uri="{386F3935-93C4-4BCD-93E2-E3B085C9AB24}">
+                <p16:designElem xmlns:p16="http://schemas.microsoft.com/office/powerpoint/2015/main" val="1"/>
+              </p:ext>
+            </p:extLst>
+          </p:nvPr>
+        </p:nvSpPr>
+        <p:spPr>
+          <a:xfrm>
+            <a:off x="2202616" y="1411015"/>
+            <a:ext cx="7808159" cy="4103960"/>
+          </a:xfrm>
+          <a:prstGeom prst="rect">
+            <a:avLst/>
+          </a:prstGeom>
+          <a:blipFill dpi="0" rotWithShape="1">
+            <a:blip r:embed="rId3">
+              <a:alphaModFix amt="86000"/>
+              <a:duotone>
+                <a:schemeClr val="bg2">
+                  <a:shade val="45000"/>
+                  <a:satMod val="135000"/>
+                </a:schemeClr>
+                <a:prstClr val="white"/>
+              </a:duotone>
+            </a:blip>
+            <a:srcRect/>
+            <a:tile tx="0" ty="0" sx="90000" sy="100000" flip="none" algn="ctr"/>
+          </a:blipFill>
+          <a:ln>
+            <a:noFill/>
+          </a:ln>
+          <a:effectLst>
+            <a:outerShdw blurRad="114300" dist="127000" dir="5400000" sx="99000" sy="99000" algn="t" rotWithShape="0">
+              <a:prstClr val="black">
+                <a:alpha val="40000"/>
+              </a:prstClr>
+            </a:outerShdw>
+          </a:effectLst>
+          <a:scene3d>
+            <a:camera prst="orthographicFront"/>
+            <a:lightRig rig="twoPt" dir="t"/>
+          </a:scene3d>
+          <a:sp3d contourW="6350">
+            <a:bevelT w="12700" h="0" prst="coolSlant"/>
+            <a:contourClr>
+              <a:schemeClr val="bg2"/>
+            </a:contourClr>
+          </a:sp3d>
+        </p:spPr>
+        <p:style>
+          <a:lnRef idx="2">
+            <a:schemeClr val="accent1">
+              <a:shade val="50000"/>
+            </a:schemeClr>
+          </a:lnRef>
+          <a:fillRef idx="1">
+            <a:schemeClr val="accent1"/>
+          </a:fillRef>
+          <a:effectRef idx="0">
+            <a:schemeClr val="accent1"/>
+          </a:effectRef>
+          <a:fontRef idx="minor">
+            <a:schemeClr val="lt1"/>
+          </a:fontRef>
+        </p:style>
+        <p:txBody>
+          <a:bodyPr rtlCol="0" anchor="ctr"/>
+          <a:lstStyle/>
+          <a:p>
+            <a:pPr algn="ctr"/>
+            <a:endParaRPr lang="en-US"/>
+          </a:p>
+        </p:txBody>
+      </p:sp>
+      <p:sp>
+        <p:nvSpPr>
+          <p:cNvPr id="37" name="Rectangle 36">
+            <a:extLst>
+              <a:ext uri="{FF2B5EF4-FFF2-40B4-BE49-F238E27FC236}">
+                <a16:creationId xmlns:a16="http://schemas.microsoft.com/office/drawing/2014/main" id="{FC5790B5-250E-45E6-A05D-C3D1D459BC9D}"/>
+              </a:ext>
+              <a:ext uri="{C183D7F6-B498-43B3-948B-1728B52AA6E4}">
+                <adec:decorative xmlns:adec="http://schemas.microsoft.com/office/drawing/2017/decorative" val="1"/>
+              </a:ext>
+            </a:extLst>
+          </p:cNvPr>
+          <p:cNvSpPr>
+            <a:spLocks noGrp="1" noRot="1" noChangeAspect="1" noMove="1" noResize="1" noEditPoints="1" noAdjustHandles="1" noChangeArrowheads="1" noChangeShapeType="1" noTextEdit="1"/>
+          </p:cNvSpPr>
+          <p:nvPr>
+            <p:extLst>
+              <p:ext uri="{386F3935-93C4-4BCD-93E2-E3B085C9AB24}">
+                <p16:designElem xmlns:p16="http://schemas.microsoft.com/office/powerpoint/2015/main" val="1"/>
+              </p:ext>
+            </p:extLst>
+          </p:nvPr>
+        </p:nvSpPr>
+        <p:spPr>
+          <a:xfrm>
+            <a:off x="2328332" y="1540931"/>
+            <a:ext cx="7543802" cy="3835401"/>
+          </a:xfrm>
+          <a:prstGeom prst="rect">
+            <a:avLst/>
+          </a:prstGeom>
+          <a:noFill/>
+          <a:ln w="15875">
+            <a:miter lim="800000"/>
+          </a:ln>
+        </p:spPr>
+        <p:style>
+          <a:lnRef idx="1">
+            <a:schemeClr val="accent1"/>
+          </a:lnRef>
+          <a:fillRef idx="3">
+            <a:schemeClr val="accent1"/>
+          </a:fillRef>
+          <a:effectRef idx="2">
+            <a:schemeClr val="accent1"/>
+          </a:effectRef>
+          <a:fontRef idx="minor">
+            <a:schemeClr val="lt1"/>
+          </a:fontRef>
+        </p:style>
+      </p:sp>
+      <p:grpSp>
+        <p:nvGrpSpPr>
+          <p:cNvPr id="39" name="Group 38">
+            <a:extLst>
+              <a:ext uri="{FF2B5EF4-FFF2-40B4-BE49-F238E27FC236}">
+                <a16:creationId xmlns:a16="http://schemas.microsoft.com/office/drawing/2014/main" id="{68158C4B-1BFE-4F6D-B2C1-0066FA11935A}"/>
+              </a:ext>
+              <a:ext uri="{C183D7F6-B498-43B3-948B-1728B52AA6E4}">
+                <adec:decorative xmlns:adec="http://schemas.microsoft.com/office/drawing/2017/decorative" val="1"/>
+              </a:ext>
+            </a:extLst>
+          </p:cNvPr>
+          <p:cNvGrpSpPr>
+            <a:grpSpLocks noGrp="1" noUngrp="1" noRot="1" noChangeAspect="1" noMove="1" noResize="1"/>
+          </p:cNvGrpSpPr>
+          <p:nvPr>
+            <p:extLst>
+              <p:ext uri="{386F3935-93C4-4BCD-93E2-E3B085C9AB24}">
+                <p16:designElem xmlns:p16="http://schemas.microsoft.com/office/powerpoint/2015/main" val="1"/>
+              </p:ext>
+            </p:extLst>
+          </p:nvPr>
+        </p:nvGrpSpPr>
+        <p:grpSpPr>
+          <a:xfrm>
+            <a:off x="0" y="3123631"/>
+            <a:ext cx="12231160" cy="659658"/>
+            <a:chOff x="-16934" y="3123631"/>
+            <a:chExt cx="12231160" cy="659658"/>
+          </a:xfrm>
+        </p:grpSpPr>
+        <p:sp>
+          <p:nvSpPr>
+            <p:cNvPr id="40" name="Rounded Rectangle 17">
+              <a:extLst>
+                <a:ext uri="{FF2B5EF4-FFF2-40B4-BE49-F238E27FC236}">
+                  <a16:creationId xmlns:a16="http://schemas.microsoft.com/office/drawing/2014/main" id="{4A8E3562-03A2-4AF3-89BB-B227ED3261A7}"/>
+                </a:ext>
+                <a:ext uri="{C183D7F6-B498-43B3-948B-1728B52AA6E4}">
+                  <adec:decorative xmlns:adec="http://schemas.microsoft.com/office/drawing/2017/decorative" val="1"/>
+                </a:ext>
+              </a:extLst>
+            </p:cNvPr>
+            <p:cNvSpPr/>
+            <p:nvPr>
+              <p:extLst>
+                <p:ext uri="{386F3935-93C4-4BCD-93E2-E3B085C9AB24}">
+                  <p16:designElem xmlns:p16="http://schemas.microsoft.com/office/powerpoint/2015/main" val="1"/>
+                </p:ext>
+              </p:extLst>
+            </p:nvPr>
+          </p:nvSpPr>
+          <p:spPr>
+            <a:xfrm>
+              <a:off x="2430976" y="3123631"/>
+              <a:ext cx="45720" cy="658368"/>
+            </a:xfrm>
+            <a:prstGeom prst="roundRect">
+              <a:avLst>
+                <a:gd name="adj" fmla="val 50000"/>
+              </a:avLst>
+            </a:prstGeom>
+            <a:solidFill>
+              <a:schemeClr val="tx2">
+                <a:alpha val="55000"/>
+              </a:schemeClr>
+            </a:solidFill>
+            <a:ln w="9525">
+              <a:noFill/>
+            </a:ln>
+            <a:effectLst>
+              <a:innerShdw blurRad="114300">
+                <a:prstClr val="black">
+                  <a:alpha val="48000"/>
+                </a:prstClr>
+              </a:innerShdw>
+            </a:effectLst>
+          </p:spPr>
+          <p:style>
+            <a:lnRef idx="2">
+              <a:schemeClr val="accent1">
+                <a:shade val="50000"/>
+              </a:schemeClr>
+            </a:lnRef>
+            <a:fillRef idx="1">
+              <a:schemeClr val="accent1"/>
+            </a:fillRef>
+            <a:effectRef idx="0">
+              <a:schemeClr val="accent1"/>
+            </a:effectRef>
+            <a:fontRef idx="minor">
+              <a:schemeClr val="lt1"/>
+            </a:fontRef>
+          </p:style>
+          <p:txBody>
+            <a:bodyPr rtlCol="0" anchor="ctr"/>
+            <a:lstStyle/>
+            <a:p>
+              <a:pPr algn="ctr"/>
+              <a:endParaRPr lang="en-US"/>
+            </a:p>
+          </p:txBody>
+        </p:sp>
+        <p:pic>
+          <p:nvPicPr>
+            <p:cNvPr id="41" name="Picture 40">
+              <a:extLst>
+                <a:ext uri="{FF2B5EF4-FFF2-40B4-BE49-F238E27FC236}">
+                  <a16:creationId xmlns:a16="http://schemas.microsoft.com/office/drawing/2014/main" id="{BD9DF111-5BF8-4312-BECB-94BBCF29ECC3}"/>
+                </a:ext>
+                <a:ext uri="{C183D7F6-B498-43B3-948B-1728B52AA6E4}">
+                  <adec:decorative xmlns:adec="http://schemas.microsoft.com/office/drawing/2017/decorative" val="1"/>
+                </a:ext>
+              </a:extLst>
+            </p:cNvPr>
+            <p:cNvPicPr>
+              <a:picLocks noChangeAspect="1"/>
+            </p:cNvPicPr>
+            <p:nvPr>
+              <p:extLst>
+                <p:ext uri="{386F3935-93C4-4BCD-93E2-E3B085C9AB24}">
+                  <p16:designElem xmlns:p16="http://schemas.microsoft.com/office/powerpoint/2015/main" val="1"/>
+                </p:ext>
+              </p:extLst>
+            </p:nvPr>
+          </p:nvPicPr>
+          <p:blipFill rotWithShape="1">
+            <a:blip r:embed="rId4">
+              <a:extLst>
+                <a:ext uri="{28A0092B-C50C-407E-A947-70E740481C1C}">
+                  <a14:useLocalDpi xmlns:a14="http://schemas.microsoft.com/office/drawing/2010/main" val="0"/>
+                </a:ext>
+              </a:extLst>
+            </a:blip>
+            <a:srcRect/>
+            <a:stretch/>
+          </p:blipFill>
+          <p:spPr>
+            <a:xfrm>
+              <a:off x="-16934" y="3145536"/>
+              <a:ext cx="2478024" cy="612648"/>
+            </a:xfrm>
+            <a:prstGeom prst="rect">
+              <a:avLst/>
+            </a:prstGeom>
+          </p:spPr>
+        </p:pic>
+        <p:sp>
+          <p:nvSpPr>
+            <p:cNvPr id="42" name="Rounded Rectangle 20">
+              <a:extLst>
+                <a:ext uri="{FF2B5EF4-FFF2-40B4-BE49-F238E27FC236}">
+                  <a16:creationId xmlns:a16="http://schemas.microsoft.com/office/drawing/2014/main" id="{9EEB3A31-82B4-41D6-BEAB-3CC49BBCBEF1}"/>
+                </a:ext>
+                <a:ext uri="{C183D7F6-B498-43B3-948B-1728B52AA6E4}">
+                  <adec:decorative xmlns:adec="http://schemas.microsoft.com/office/drawing/2017/decorative" val="1"/>
+                </a:ext>
+              </a:extLst>
+            </p:cNvPr>
+            <p:cNvSpPr/>
+            <p:nvPr>
+              <p:extLst>
+                <p:ext uri="{386F3935-93C4-4BCD-93E2-E3B085C9AB24}">
+                  <p16:designElem xmlns:p16="http://schemas.microsoft.com/office/powerpoint/2015/main" val="1"/>
+                </p:ext>
+              </p:extLst>
+            </p:nvPr>
+          </p:nvSpPr>
+          <p:spPr>
+            <a:xfrm>
+              <a:off x="9717803" y="3124921"/>
+              <a:ext cx="45720" cy="658368"/>
+            </a:xfrm>
+            <a:prstGeom prst="roundRect">
+              <a:avLst>
+                <a:gd name="adj" fmla="val 50000"/>
+              </a:avLst>
+            </a:prstGeom>
+            <a:solidFill>
+              <a:schemeClr val="tx2">
+                <a:alpha val="55000"/>
+              </a:schemeClr>
+            </a:solidFill>
+            <a:ln w="9525">
+              <a:noFill/>
+            </a:ln>
+            <a:effectLst>
+              <a:innerShdw blurRad="114300">
+                <a:prstClr val="black">
+                  <a:alpha val="48000"/>
+                </a:prstClr>
+              </a:innerShdw>
+            </a:effectLst>
+          </p:spPr>
+          <p:style>
+            <a:lnRef idx="2">
+              <a:schemeClr val="accent1">
+                <a:shade val="50000"/>
+              </a:schemeClr>
+            </a:lnRef>
+            <a:fillRef idx="1">
+              <a:schemeClr val="accent1"/>
+            </a:fillRef>
+            <a:effectRef idx="0">
+              <a:schemeClr val="accent1"/>
+            </a:effectRef>
+            <a:fontRef idx="minor">
+              <a:schemeClr val="lt1"/>
+            </a:fontRef>
+          </p:style>
+          <p:txBody>
+            <a:bodyPr rtlCol="0" anchor="ctr"/>
+            <a:lstStyle/>
+            <a:p>
+              <a:pPr algn="ctr"/>
+              <a:endParaRPr lang="en-US"/>
+            </a:p>
+          </p:txBody>
+        </p:sp>
+        <p:pic>
+          <p:nvPicPr>
+            <p:cNvPr id="43" name="Picture 42">
+              <a:extLst>
+                <a:ext uri="{FF2B5EF4-FFF2-40B4-BE49-F238E27FC236}">
+                  <a16:creationId xmlns:a16="http://schemas.microsoft.com/office/drawing/2014/main" id="{28C66B30-E9F1-40DD-A809-6A1282E237D4}"/>
+                </a:ext>
+                <a:ext uri="{C183D7F6-B498-43B3-948B-1728B52AA6E4}">
+                  <adec:decorative xmlns:adec="http://schemas.microsoft.com/office/drawing/2017/decorative" val="1"/>
+                </a:ext>
+              </a:extLst>
+            </p:cNvPr>
+            <p:cNvPicPr>
+              <a:picLocks noChangeAspect="1"/>
+            </p:cNvPicPr>
+            <p:nvPr>
+              <p:extLst>
+                <p:ext uri="{386F3935-93C4-4BCD-93E2-E3B085C9AB24}">
+                  <p16:designElem xmlns:p16="http://schemas.microsoft.com/office/powerpoint/2015/main" val="1"/>
+                </p:ext>
+              </p:extLst>
+            </p:nvPr>
+          </p:nvPicPr>
+          <p:blipFill rotWithShape="1">
+            <a:blip r:embed="rId4">
+              <a:extLst>
+                <a:ext uri="{28A0092B-C50C-407E-A947-70E740481C1C}">
+                  <a14:useLocalDpi xmlns:a14="http://schemas.microsoft.com/office/drawing/2010/main" val="0"/>
+                </a:ext>
+              </a:extLst>
+            </a:blip>
+            <a:srcRect/>
+            <a:stretch/>
+          </p:blipFill>
+          <p:spPr>
+            <a:xfrm>
+              <a:off x="9736202" y="3145536"/>
+              <a:ext cx="2478024" cy="612648"/>
+            </a:xfrm>
+            <a:prstGeom prst="rect">
+              <a:avLst/>
+            </a:prstGeom>
+          </p:spPr>
+        </p:pic>
+      </p:grpSp>
+      <p:sp>
+        <p:nvSpPr>
+          <p:cNvPr id="2" name="Title 1">
+            <a:extLst>
+              <a:ext uri="{FF2B5EF4-FFF2-40B4-BE49-F238E27FC236}">
+                <a16:creationId xmlns:a16="http://schemas.microsoft.com/office/drawing/2014/main" id="{ACEFC9F3-9C54-4C7D-921A-86D56AE8B389}"/>
+              </a:ext>
+            </a:extLst>
+          </p:cNvPr>
+          <p:cNvSpPr>
+            <a:spLocks noGrp="1"/>
+          </p:cNvSpPr>
+          <p:nvPr>
+            <p:ph type="ctrTitle"/>
+          </p:nvPr>
+        </p:nvSpPr>
+        <p:spPr>
+          <a:xfrm>
+            <a:off x="2692398" y="1871131"/>
+            <a:ext cx="6815669" cy="1515533"/>
+          </a:xfrm>
+        </p:spPr>
+        <p:txBody>
+          <a:bodyPr>
+            <a:normAutofit/>
+          </a:bodyPr>
+          <a:lstStyle/>
+          <a:p>
+            <a:pPr>
+              <a:lnSpc>
+                <a:spcPct val="90000"/>
+              </a:lnSpc>
+            </a:pPr>
+            <a:r>
+              <a:rPr lang="en-US" sz="5000">
+                <a:latin typeface="Segoe UI" panose="020B0502040204020203" pitchFamily="34" charset="0"/>
+                <a:cs typeface="Segoe UI" panose="020B0502040204020203" pitchFamily="34" charset="0"/>
+              </a:rPr>
+              <a:t>CẢM </a:t>
+            </a:r>
+            <a:r>
+              <a:rPr lang="vi-VN" sz="5000">
+                <a:latin typeface="Segoe UI" panose="020B0502040204020203" pitchFamily="34" charset="0"/>
+                <a:cs typeface="Segoe UI" panose="020B0502040204020203" pitchFamily="34" charset="0"/>
+              </a:rPr>
+              <a:t>Ơ</a:t>
+            </a:r>
+            <a:r>
+              <a:rPr lang="en-US" sz="5000">
+                <a:latin typeface="Segoe UI" panose="020B0502040204020203" pitchFamily="34" charset="0"/>
+                <a:cs typeface="Segoe UI" panose="020B0502040204020203" pitchFamily="34" charset="0"/>
+              </a:rPr>
+              <a:t>N THẦY VÀ CÁC BẠN ĐÃ LẮNG NGHE</a:t>
+            </a:r>
+          </a:p>
+        </p:txBody>
+      </p:sp>
+      <p:cxnSp>
+        <p:nvCxnSpPr>
+          <p:cNvPr id="45" name="Straight Connector 44">
+            <a:extLst>
+              <a:ext uri="{FF2B5EF4-FFF2-40B4-BE49-F238E27FC236}">
+                <a16:creationId xmlns:a16="http://schemas.microsoft.com/office/drawing/2014/main" id="{14319AF2-886A-4C5D-B34C-17FCB0267EEB}"/>
+              </a:ext>
+              <a:ext uri="{C183D7F6-B498-43B3-948B-1728B52AA6E4}">
+                <adec:decorative xmlns:adec="http://schemas.microsoft.com/office/drawing/2017/decorative" val="1"/>
+              </a:ext>
+            </a:extLst>
+          </p:cNvPr>
+          <p:cNvCxnSpPr>
+            <a:cxnSpLocks noGrp="1" noRot="1" noChangeAspect="1" noMove="1" noResize="1" noEditPoints="1" noAdjustHandles="1" noChangeArrowheads="1" noChangeShapeType="1"/>
+          </p:cNvCxnSpPr>
+          <p:nvPr>
+            <p:extLst>
+              <p:ext uri="{386F3935-93C4-4BCD-93E2-E3B085C9AB24}">
+                <p16:designElem xmlns:p16="http://schemas.microsoft.com/office/powerpoint/2015/main" val="1"/>
+              </p:ext>
+            </p:extLst>
+          </p:nvPr>
+        </p:nvCxnSpPr>
+        <p:spPr>
+          <a:xfrm>
+            <a:off x="2692399" y="3522131"/>
+            <a:ext cx="6815668" cy="0"/>
+          </a:xfrm>
+          <a:prstGeom prst="line">
+            <a:avLst/>
+          </a:prstGeom>
+        </p:spPr>
+        <p:style>
+          <a:lnRef idx="2">
+            <a:schemeClr val="accent1"/>
+          </a:lnRef>
+          <a:fillRef idx="0">
+            <a:schemeClr val="accent1"/>
+          </a:fillRef>
+          <a:effectRef idx="1">
+            <a:schemeClr val="accent1"/>
+          </a:effectRef>
+          <a:fontRef idx="minor">
+            <a:schemeClr val="tx1"/>
+          </a:fontRef>
+        </p:style>
+      </p:cxnSp>
+    </p:spTree>
+    <p:extLst>
+      <p:ext uri="{BB962C8B-B14F-4D97-AF65-F5344CB8AC3E}">
+        <p14:creationId xmlns:p14="http://schemas.microsoft.com/office/powerpoint/2010/main" val="3589559134"/>
       </p:ext>
     </p:extLst>
   </p:cSld>
@@ -14533,7 +16880,7 @@
         </p:blipFill>
         <p:spPr>
           <a:xfrm>
-            <a:off x="665033" y="5515518"/>
+            <a:off x="638529" y="5528770"/>
             <a:ext cx="1414302" cy="707151"/>
           </a:xfrm>
           <a:prstGeom prst="rect">
@@ -14570,6 +16917,41 @@
           </a:extLst>
         </p:spPr>
       </p:pic>
+      <p:sp>
+        <p:nvSpPr>
+          <p:cNvPr id="2" name="Slide Number Placeholder 1">
+            <a:extLst>
+              <a:ext uri="{FF2B5EF4-FFF2-40B4-BE49-F238E27FC236}">
+                <a16:creationId xmlns:a16="http://schemas.microsoft.com/office/drawing/2014/main" id="{205E97C7-B661-489E-8A79-DE71792CC381}"/>
+              </a:ext>
+            </a:extLst>
+          </p:cNvPr>
+          <p:cNvSpPr>
+            <a:spLocks noGrp="1"/>
+          </p:cNvSpPr>
+          <p:nvPr>
+            <p:ph type="sldNum" sz="quarter" idx="12"/>
+          </p:nvPr>
+        </p:nvSpPr>
+        <p:spPr>
+          <a:xfrm>
+            <a:off x="10337611" y="5869093"/>
+            <a:ext cx="542697" cy="279400"/>
+          </a:xfrm>
+        </p:spPr>
+        <p:txBody>
+          <a:bodyPr/>
+          <a:lstStyle/>
+          <a:p>
+            <a:fld id="{D57F1E4F-1CFF-5643-939E-217C01CDF565}" type="slidenum">
+              <a:rPr lang="en-US" sz="3200" smtClean="0"/>
+              <a:pPr/>
+              <a:t>2</a:t>
+            </a:fld>
+            <a:endParaRPr lang="en-US" sz="3200" dirty="0"/>
+          </a:p>
+        </p:txBody>
+      </p:sp>
     </p:spTree>
     <p:extLst>
       <p:ext uri="{BB962C8B-B14F-4D97-AF65-F5344CB8AC3E}">
@@ -14580,6 +16962,9 @@
   <p:clrMapOvr>
     <a:masterClrMapping/>
   </p:clrMapOvr>
+  <p:transition spd="slow">
+    <p:wipe/>
+  </p:transition>
 </p:sld>
 </file>
 
@@ -15353,10 +17738,40 @@
       </p:sp>
       <p:pic>
         <p:nvPicPr>
-          <p:cNvPr id="8" name="Picture 4" descr="cdio_animated">
+          <p:cNvPr id="9" name="Picture 8" descr="A picture containing building, outdoor, table, food&#10;&#10;Description automatically generated">
             <a:extLst>
               <a:ext uri="{FF2B5EF4-FFF2-40B4-BE49-F238E27FC236}">
-                <a16:creationId xmlns:a16="http://schemas.microsoft.com/office/drawing/2014/main" id="{75C682B5-4858-49CB-A93F-D0AD4BBC7D22}"/>
+                <a16:creationId xmlns:a16="http://schemas.microsoft.com/office/drawing/2014/main" id="{C0C89255-8CBF-4FAE-9410-15FAAB70E1C1}"/>
+              </a:ext>
+            </a:extLst>
+          </p:cNvPr>
+          <p:cNvPicPr>
+            <a:picLocks noChangeAspect="1"/>
+          </p:cNvPicPr>
+          <p:nvPr/>
+        </p:nvPicPr>
+        <p:blipFill>
+          <a:blip r:embed="rId2"/>
+          <a:stretch>
+            <a:fillRect/>
+          </a:stretch>
+        </p:blipFill>
+        <p:spPr>
+          <a:xfrm>
+            <a:off x="6096000" y="2111941"/>
+            <a:ext cx="5121769" cy="3419534"/>
+          </a:xfrm>
+          <a:prstGeom prst="rect">
+            <a:avLst/>
+          </a:prstGeom>
+        </p:spPr>
+      </p:pic>
+      <p:pic>
+        <p:nvPicPr>
+          <p:cNvPr id="7" name="Picture 4" descr="cdio_animated">
+            <a:extLst>
+              <a:ext uri="{FF2B5EF4-FFF2-40B4-BE49-F238E27FC236}">
+                <a16:creationId xmlns:a16="http://schemas.microsoft.com/office/drawing/2014/main" id="{FAE9CC6C-F2C1-40BA-84D3-7B6B3343972F}"/>
               </a:ext>
             </a:extLst>
           </p:cNvPr>
@@ -15366,7 +17781,7 @@
           <p:nvPr/>
         </p:nvPicPr>
         <p:blipFill>
-          <a:blip r:embed="rId2">
+          <a:blip r:embed="rId3">
             <a:extLst>
               <a:ext uri="{28A0092B-C50C-407E-A947-70E740481C1C}">
                 <a14:useLocalDpi xmlns:a14="http://schemas.microsoft.com/office/drawing/2010/main" val="0"/>
@@ -15380,7 +17795,7 @@
         </p:blipFill>
         <p:spPr>
           <a:xfrm>
-            <a:off x="638529" y="5531475"/>
+            <a:off x="638529" y="5528770"/>
             <a:ext cx="1414302" cy="707151"/>
           </a:xfrm>
           <a:prstGeom prst="rect">
@@ -15417,36 +17832,41 @@
           </a:extLst>
         </p:spPr>
       </p:pic>
-      <p:pic>
-        <p:nvPicPr>
-          <p:cNvPr id="9" name="Picture 8" descr="A picture containing building, outdoor, table, food&#10;&#10;Description automatically generated">
+      <p:sp>
+        <p:nvSpPr>
+          <p:cNvPr id="8" name="Slide Number Placeholder 1">
             <a:extLst>
               <a:ext uri="{FF2B5EF4-FFF2-40B4-BE49-F238E27FC236}">
-                <a16:creationId xmlns:a16="http://schemas.microsoft.com/office/drawing/2014/main" id="{C0C89255-8CBF-4FAE-9410-15FAAB70E1C1}"/>
+                <a16:creationId xmlns:a16="http://schemas.microsoft.com/office/drawing/2014/main" id="{42DE7006-2315-4B10-9A16-B26DF169BCBD}"/>
               </a:ext>
             </a:extLst>
           </p:cNvPr>
-          <p:cNvPicPr>
-            <a:picLocks noChangeAspect="1"/>
-          </p:cNvPicPr>
-          <p:nvPr/>
-        </p:nvPicPr>
-        <p:blipFill>
-          <a:blip r:embed="rId3"/>
-          <a:stretch>
-            <a:fillRect/>
-          </a:stretch>
-        </p:blipFill>
+          <p:cNvSpPr>
+            <a:spLocks noGrp="1"/>
+          </p:cNvSpPr>
+          <p:nvPr>
+            <p:ph type="sldNum" sz="quarter" idx="12"/>
+          </p:nvPr>
+        </p:nvSpPr>
         <p:spPr>
           <a:xfrm>
-            <a:off x="6096000" y="2111941"/>
-            <a:ext cx="5121769" cy="3419534"/>
+            <a:off x="10337611" y="5869093"/>
+            <a:ext cx="542697" cy="279400"/>
           </a:xfrm>
-          <a:prstGeom prst="rect">
-            <a:avLst/>
-          </a:prstGeom>
         </p:spPr>
-      </p:pic>
+        <p:txBody>
+          <a:bodyPr/>
+          <a:lstStyle/>
+          <a:p>
+            <a:fld id="{D57F1E4F-1CFF-5643-939E-217C01CDF565}" type="slidenum">
+              <a:rPr lang="en-US" sz="3200" smtClean="0"/>
+              <a:pPr/>
+              <a:t>3</a:t>
+            </a:fld>
+            <a:endParaRPr lang="en-US" sz="3200" dirty="0"/>
+          </a:p>
+        </p:txBody>
+      </p:sp>
     </p:spTree>
     <p:extLst>
       <p:ext uri="{BB962C8B-B14F-4D97-AF65-F5344CB8AC3E}">
@@ -15457,6 +17877,18 @@
   <p:clrMapOvr>
     <a:masterClrMapping/>
   </p:clrMapOvr>
+  <mc:AlternateContent xmlns:mc="http://schemas.openxmlformats.org/markup-compatibility/2006" xmlns:p14="http://schemas.microsoft.com/office/powerpoint/2010/main">
+    <mc:Choice Requires="p14">
+      <p:transition spd="med" p14:dur="700">
+        <p:fade/>
+      </p:transition>
+    </mc:Choice>
+    <mc:Fallback xmlns="">
+      <p:transition spd="med">
+        <p:fade/>
+      </p:transition>
+    </mc:Fallback>
+  </mc:AlternateContent>
 </p:sld>
 </file>
 
@@ -16274,10 +18706,40 @@
       </p:sp>
       <p:pic>
         <p:nvPicPr>
-          <p:cNvPr id="8" name="Picture 4" descr="cdio_animated">
+          <p:cNvPr id="3" name="Picture 2" descr="A picture containing bin, sitting, yellow, green&#10;&#10;Description automatically generated">
             <a:extLst>
               <a:ext uri="{FF2B5EF4-FFF2-40B4-BE49-F238E27FC236}">
-                <a16:creationId xmlns:a16="http://schemas.microsoft.com/office/drawing/2014/main" id="{75C682B5-4858-49CB-A93F-D0AD4BBC7D22}"/>
+                <a16:creationId xmlns:a16="http://schemas.microsoft.com/office/drawing/2014/main" id="{309CAB4F-41C5-4552-BF1D-5051B2D7BA37}"/>
+              </a:ext>
+            </a:extLst>
+          </p:cNvPr>
+          <p:cNvPicPr>
+            <a:picLocks noChangeAspect="1"/>
+          </p:cNvPicPr>
+          <p:nvPr/>
+        </p:nvPicPr>
+        <p:blipFill>
+          <a:blip r:embed="rId2"/>
+          <a:stretch>
+            <a:fillRect/>
+          </a:stretch>
+        </p:blipFill>
+        <p:spPr>
+          <a:xfrm>
+            <a:off x="1232453" y="2336572"/>
+            <a:ext cx="4162163" cy="2970271"/>
+          </a:xfrm>
+          <a:prstGeom prst="rect">
+            <a:avLst/>
+          </a:prstGeom>
+        </p:spPr>
+      </p:pic>
+      <p:pic>
+        <p:nvPicPr>
+          <p:cNvPr id="7" name="Picture 4" descr="cdio_animated">
+            <a:extLst>
+              <a:ext uri="{FF2B5EF4-FFF2-40B4-BE49-F238E27FC236}">
+                <a16:creationId xmlns:a16="http://schemas.microsoft.com/office/drawing/2014/main" id="{3404C067-D4AF-4AC4-9431-063A28EFA527}"/>
               </a:ext>
             </a:extLst>
           </p:cNvPr>
@@ -16287,7 +18749,7 @@
           <p:nvPr/>
         </p:nvPicPr>
         <p:blipFill>
-          <a:blip r:embed="rId2">
+          <a:blip r:embed="rId3">
             <a:extLst>
               <a:ext uri="{28A0092B-C50C-407E-A947-70E740481C1C}">
                 <a14:useLocalDpi xmlns:a14="http://schemas.microsoft.com/office/drawing/2010/main" val="0"/>
@@ -16301,7 +18763,7 @@
         </p:blipFill>
         <p:spPr>
           <a:xfrm>
-            <a:off x="638529" y="5531475"/>
+            <a:off x="638529" y="5528770"/>
             <a:ext cx="1414302" cy="707151"/>
           </a:xfrm>
           <a:prstGeom prst="rect">
@@ -16338,36 +18800,41 @@
           </a:extLst>
         </p:spPr>
       </p:pic>
-      <p:pic>
-        <p:nvPicPr>
-          <p:cNvPr id="3" name="Picture 2" descr="A picture containing bin, sitting, yellow, green&#10;&#10;Description automatically generated">
+      <p:sp>
+        <p:nvSpPr>
+          <p:cNvPr id="8" name="Slide Number Placeholder 1">
             <a:extLst>
               <a:ext uri="{FF2B5EF4-FFF2-40B4-BE49-F238E27FC236}">
-                <a16:creationId xmlns:a16="http://schemas.microsoft.com/office/drawing/2014/main" id="{309CAB4F-41C5-4552-BF1D-5051B2D7BA37}"/>
+                <a16:creationId xmlns:a16="http://schemas.microsoft.com/office/drawing/2014/main" id="{EB0A3234-15F9-4363-A09B-BAF8233154B1}"/>
               </a:ext>
             </a:extLst>
           </p:cNvPr>
-          <p:cNvPicPr>
-            <a:picLocks noChangeAspect="1"/>
-          </p:cNvPicPr>
-          <p:nvPr/>
-        </p:nvPicPr>
-        <p:blipFill>
-          <a:blip r:embed="rId3"/>
-          <a:stretch>
-            <a:fillRect/>
-          </a:stretch>
-        </p:blipFill>
+          <p:cNvSpPr>
+            <a:spLocks noGrp="1"/>
+          </p:cNvSpPr>
+          <p:nvPr>
+            <p:ph type="sldNum" sz="quarter" idx="12"/>
+          </p:nvPr>
+        </p:nvSpPr>
         <p:spPr>
           <a:xfrm>
-            <a:off x="1232453" y="2336572"/>
-            <a:ext cx="4162163" cy="2970271"/>
+            <a:off x="10337611" y="5869093"/>
+            <a:ext cx="542697" cy="279400"/>
           </a:xfrm>
-          <a:prstGeom prst="rect">
-            <a:avLst/>
-          </a:prstGeom>
         </p:spPr>
-      </p:pic>
+        <p:txBody>
+          <a:bodyPr/>
+          <a:lstStyle/>
+          <a:p>
+            <a:fld id="{D57F1E4F-1CFF-5643-939E-217C01CDF565}" type="slidenum">
+              <a:rPr lang="en-US" sz="3200" smtClean="0"/>
+              <a:pPr/>
+              <a:t>4</a:t>
+            </a:fld>
+            <a:endParaRPr lang="en-US" sz="3200" dirty="0"/>
+          </a:p>
+        </p:txBody>
+      </p:sp>
     </p:spTree>
     <p:extLst>
       <p:ext uri="{BB962C8B-B14F-4D97-AF65-F5344CB8AC3E}">
@@ -16378,6 +18845,9 @@
   <p:clrMapOvr>
     <a:masterClrMapping/>
   </p:clrMapOvr>
+  <p:transition spd="slow">
+    <p:wipe/>
+  </p:transition>
 </p:sld>
 </file>
 
@@ -17100,10 +19570,40 @@
       </p:sp>
       <p:pic>
         <p:nvPicPr>
-          <p:cNvPr id="6" name="Picture 4" descr="cdio_animated">
+          <p:cNvPr id="4" name="Picture 3" descr="A picture containing indoor, table, kitchen, food&#10;&#10;Description automatically generated">
             <a:extLst>
               <a:ext uri="{FF2B5EF4-FFF2-40B4-BE49-F238E27FC236}">
-                <a16:creationId xmlns:a16="http://schemas.microsoft.com/office/drawing/2014/main" id="{1935D26D-CE45-4368-830C-197287421B5A}"/>
+                <a16:creationId xmlns:a16="http://schemas.microsoft.com/office/drawing/2014/main" id="{5E25D347-731F-4847-AD56-E5D8F829153D}"/>
+              </a:ext>
+            </a:extLst>
+          </p:cNvPr>
+          <p:cNvPicPr>
+            <a:picLocks noChangeAspect="1"/>
+          </p:cNvPicPr>
+          <p:nvPr/>
+        </p:nvPicPr>
+        <p:blipFill>
+          <a:blip r:embed="rId2"/>
+          <a:stretch>
+            <a:fillRect/>
+          </a:stretch>
+        </p:blipFill>
+        <p:spPr>
+          <a:xfrm>
+            <a:off x="4368331" y="3482670"/>
+            <a:ext cx="3991390" cy="2660926"/>
+          </a:xfrm>
+          <a:prstGeom prst="rect">
+            <a:avLst/>
+          </a:prstGeom>
+        </p:spPr>
+      </p:pic>
+      <p:pic>
+        <p:nvPicPr>
+          <p:cNvPr id="7" name="Picture 4" descr="cdio_animated">
+            <a:extLst>
+              <a:ext uri="{FF2B5EF4-FFF2-40B4-BE49-F238E27FC236}">
+                <a16:creationId xmlns:a16="http://schemas.microsoft.com/office/drawing/2014/main" id="{AFA37071-C72A-44D2-AD34-7E61A028959C}"/>
               </a:ext>
             </a:extLst>
           </p:cNvPr>
@@ -17113,7 +19613,7 @@
           <p:nvPr/>
         </p:nvPicPr>
         <p:blipFill>
-          <a:blip r:embed="rId2">
+          <a:blip r:embed="rId3">
             <a:extLst>
               <a:ext uri="{28A0092B-C50C-407E-A947-70E740481C1C}">
                 <a14:useLocalDpi xmlns:a14="http://schemas.microsoft.com/office/drawing/2010/main" val="0"/>
@@ -17127,7 +19627,7 @@
         </p:blipFill>
         <p:spPr>
           <a:xfrm>
-            <a:off x="638529" y="5478467"/>
+            <a:off x="638529" y="5528770"/>
             <a:ext cx="1414302" cy="707151"/>
           </a:xfrm>
           <a:prstGeom prst="rect">
@@ -17164,36 +19664,41 @@
           </a:extLst>
         </p:spPr>
       </p:pic>
-      <p:pic>
-        <p:nvPicPr>
-          <p:cNvPr id="4" name="Picture 3" descr="A picture containing indoor, table, kitchen, food&#10;&#10;Description automatically generated">
+      <p:sp>
+        <p:nvSpPr>
+          <p:cNvPr id="9" name="Slide Number Placeholder 1">
             <a:extLst>
               <a:ext uri="{FF2B5EF4-FFF2-40B4-BE49-F238E27FC236}">
-                <a16:creationId xmlns:a16="http://schemas.microsoft.com/office/drawing/2014/main" id="{5E25D347-731F-4847-AD56-E5D8F829153D}"/>
+                <a16:creationId xmlns:a16="http://schemas.microsoft.com/office/drawing/2014/main" id="{498E3682-4052-46AD-BF2A-FA26CC924EAC}"/>
               </a:ext>
             </a:extLst>
           </p:cNvPr>
-          <p:cNvPicPr>
-            <a:picLocks noChangeAspect="1"/>
-          </p:cNvPicPr>
-          <p:nvPr/>
-        </p:nvPicPr>
-        <p:blipFill>
-          <a:blip r:embed="rId3"/>
-          <a:stretch>
-            <a:fillRect/>
-          </a:stretch>
-        </p:blipFill>
+          <p:cNvSpPr>
+            <a:spLocks noGrp="1"/>
+          </p:cNvSpPr>
+          <p:nvPr>
+            <p:ph type="sldNum" sz="quarter" idx="12"/>
+          </p:nvPr>
+        </p:nvSpPr>
         <p:spPr>
           <a:xfrm>
-            <a:off x="4368331" y="3482670"/>
-            <a:ext cx="3991390" cy="2660926"/>
+            <a:off x="10337611" y="5869093"/>
+            <a:ext cx="542697" cy="279400"/>
           </a:xfrm>
-          <a:prstGeom prst="rect">
-            <a:avLst/>
-          </a:prstGeom>
         </p:spPr>
-      </p:pic>
+        <p:txBody>
+          <a:bodyPr/>
+          <a:lstStyle/>
+          <a:p>
+            <a:fld id="{D57F1E4F-1CFF-5643-939E-217C01CDF565}" type="slidenum">
+              <a:rPr lang="en-US" sz="3200" smtClean="0"/>
+              <a:pPr/>
+              <a:t>5</a:t>
+            </a:fld>
+            <a:endParaRPr lang="en-US" sz="3200" dirty="0"/>
+          </a:p>
+        </p:txBody>
+      </p:sp>
     </p:spTree>
     <p:extLst>
       <p:ext uri="{BB962C8B-B14F-4D97-AF65-F5344CB8AC3E}">
@@ -17204,6 +19709,18 @@
   <p:clrMapOvr>
     <a:masterClrMapping/>
   </p:clrMapOvr>
+  <mc:AlternateContent xmlns:mc="http://schemas.openxmlformats.org/markup-compatibility/2006" xmlns:p14="http://schemas.microsoft.com/office/powerpoint/2010/main">
+    <mc:Choice Requires="p14">
+      <p:transition spd="med" p14:dur="700">
+        <p:fade/>
+      </p:transition>
+    </mc:Choice>
+    <mc:Fallback xmlns="">
+      <p:transition spd="med">
+        <p:fade/>
+      </p:transition>
+    </mc:Fallback>
+  </mc:AlternateContent>
 </p:sld>
 </file>
 
@@ -18048,10 +20565,10 @@
       </p:sp>
       <p:pic>
         <p:nvPicPr>
-          <p:cNvPr id="6" name="Picture 4" descr="cdio_animated">
+          <p:cNvPr id="7" name="Picture 4" descr="cdio_animated">
             <a:extLst>
               <a:ext uri="{FF2B5EF4-FFF2-40B4-BE49-F238E27FC236}">
-                <a16:creationId xmlns:a16="http://schemas.microsoft.com/office/drawing/2014/main" id="{1935D26D-CE45-4368-830C-197287421B5A}"/>
+                <a16:creationId xmlns:a16="http://schemas.microsoft.com/office/drawing/2014/main" id="{E4921CF4-9E26-4510-BF76-811614FE04FB}"/>
               </a:ext>
             </a:extLst>
           </p:cNvPr>
@@ -18075,7 +20592,7 @@
         </p:blipFill>
         <p:spPr>
           <a:xfrm>
-            <a:off x="652177" y="5533059"/>
+            <a:off x="638529" y="5528770"/>
             <a:ext cx="1414302" cy="707151"/>
           </a:xfrm>
           <a:prstGeom prst="rect">
@@ -18112,6 +20629,41 @@
           </a:extLst>
         </p:spPr>
       </p:pic>
+      <p:sp>
+        <p:nvSpPr>
+          <p:cNvPr id="6" name="Slide Number Placeholder 1">
+            <a:extLst>
+              <a:ext uri="{FF2B5EF4-FFF2-40B4-BE49-F238E27FC236}">
+                <a16:creationId xmlns:a16="http://schemas.microsoft.com/office/drawing/2014/main" id="{52D41370-D595-4972-92DA-8672219E7AFA}"/>
+              </a:ext>
+            </a:extLst>
+          </p:cNvPr>
+          <p:cNvSpPr>
+            <a:spLocks noGrp="1"/>
+          </p:cNvSpPr>
+          <p:nvPr>
+            <p:ph type="sldNum" sz="quarter" idx="12"/>
+          </p:nvPr>
+        </p:nvSpPr>
+        <p:spPr>
+          <a:xfrm>
+            <a:off x="10337611" y="5869093"/>
+            <a:ext cx="542697" cy="279400"/>
+          </a:xfrm>
+        </p:spPr>
+        <p:txBody>
+          <a:bodyPr/>
+          <a:lstStyle/>
+          <a:p>
+            <a:fld id="{D57F1E4F-1CFF-5643-939E-217C01CDF565}" type="slidenum">
+              <a:rPr lang="en-US" sz="3200" smtClean="0"/>
+              <a:pPr/>
+              <a:t>6</a:t>
+            </a:fld>
+            <a:endParaRPr lang="en-US" sz="3200" dirty="0"/>
+          </a:p>
+        </p:txBody>
+      </p:sp>
     </p:spTree>
     <p:extLst>
       <p:ext uri="{BB962C8B-B14F-4D97-AF65-F5344CB8AC3E}">
@@ -18122,6 +20674,9 @@
   <p:clrMapOvr>
     <a:masterClrMapping/>
   </p:clrMapOvr>
+  <p:transition spd="slow">
+    <p:wipe/>
+  </p:transition>
 </p:sld>
 </file>
 
@@ -18372,72 +20927,6 @@
           </a:p>
         </p:txBody>
       </p:sp>
-      <p:pic>
-        <p:nvPicPr>
-          <p:cNvPr id="13" name="Picture 4" descr="cdio_animated">
-            <a:extLst>
-              <a:ext uri="{FF2B5EF4-FFF2-40B4-BE49-F238E27FC236}">
-                <a16:creationId xmlns:a16="http://schemas.microsoft.com/office/drawing/2014/main" id="{F620BDEF-0E04-4682-AB75-3249A40C934C}"/>
-              </a:ext>
-            </a:extLst>
-          </p:cNvPr>
-          <p:cNvPicPr>
-            <a:picLocks noChangeAspect="1" noChangeArrowheads="1"/>
-          </p:cNvPicPr>
-          <p:nvPr/>
-        </p:nvPicPr>
-        <p:blipFill>
-          <a:blip r:embed="rId2">
-            <a:extLst>
-              <a:ext uri="{28A0092B-C50C-407E-A947-70E740481C1C}">
-                <a14:useLocalDpi xmlns:a14="http://schemas.microsoft.com/office/drawing/2010/main" val="0"/>
-              </a:ext>
-            </a:extLst>
-          </a:blip>
-          <a:srcRect/>
-          <a:stretch>
-            <a:fillRect/>
-          </a:stretch>
-        </p:blipFill>
-        <p:spPr>
-          <a:xfrm>
-            <a:off x="638911" y="5523447"/>
-            <a:ext cx="1414302" cy="707151"/>
-          </a:xfrm>
-          <a:prstGeom prst="rect">
-            <a:avLst/>
-          </a:prstGeom>
-          <a:noFill/>
-          <a:extLst>
-            <a:ext uri="{909E8E84-426E-40DD-AFC4-6F175D3DCCD1}">
-              <a14:hiddenFill xmlns:a14="http://schemas.microsoft.com/office/drawing/2010/main">
-                <a:solidFill>
-                  <a:srgbClr val="FFFFFF"/>
-                </a:solidFill>
-              </a14:hiddenFill>
-            </a:ext>
-            <a:ext uri="{91240B29-F687-4F45-9708-019B960494DF}">
-              <a14:hiddenLine xmlns:a14="http://schemas.microsoft.com/office/drawing/2010/main" w="9525">
-                <a:solidFill>
-                  <a:srgbClr val="000000"/>
-                </a:solidFill>
-                <a:miter lim="800000"/>
-                <a:headEnd/>
-                <a:tailEnd/>
-              </a14:hiddenLine>
-            </a:ext>
-            <a:ext uri="{AF507438-7753-43E0-B8FC-AC1667EBCBE1}">
-              <a14:hiddenEffects xmlns:a14="http://schemas.microsoft.com/office/drawing/2010/main">
-                <a:effectLst>
-                  <a:outerShdw dist="35921" dir="2700000" algn="ctr" rotWithShape="0">
-                    <a:srgbClr val="808080"/>
-                  </a:outerShdw>
-                </a:effectLst>
-              </a14:hiddenEffects>
-            </a:ext>
-          </a:extLst>
-        </p:spPr>
-      </p:pic>
       <p:graphicFrame>
         <p:nvGraphicFramePr>
           <p:cNvPr id="17" name="Diagram 16">
@@ -18462,10 +20951,111 @@
         </p:xfrm>
         <a:graphic>
           <a:graphicData uri="http://schemas.openxmlformats.org/drawingml/2006/diagram">
-            <dgm:relIds xmlns:dgm="http://schemas.openxmlformats.org/drawingml/2006/diagram" xmlns:r="http://schemas.openxmlformats.org/officeDocument/2006/relationships" r:dm="rId3" r:lo="rId4" r:qs="rId5" r:cs="rId6"/>
+            <dgm:relIds xmlns:dgm="http://schemas.openxmlformats.org/drawingml/2006/diagram" xmlns:r="http://schemas.openxmlformats.org/officeDocument/2006/relationships" r:dm="rId2" r:lo="rId3" r:qs="rId4" r:cs="rId5"/>
           </a:graphicData>
         </a:graphic>
       </p:graphicFrame>
+      <p:pic>
+        <p:nvPicPr>
+          <p:cNvPr id="6" name="Picture 4" descr="cdio_animated">
+            <a:extLst>
+              <a:ext uri="{FF2B5EF4-FFF2-40B4-BE49-F238E27FC236}">
+                <a16:creationId xmlns:a16="http://schemas.microsoft.com/office/drawing/2014/main" id="{A7BF42BD-14A5-4973-859D-D3C76CF6CF56}"/>
+              </a:ext>
+            </a:extLst>
+          </p:cNvPr>
+          <p:cNvPicPr>
+            <a:picLocks noChangeAspect="1" noChangeArrowheads="1"/>
+          </p:cNvPicPr>
+          <p:nvPr/>
+        </p:nvPicPr>
+        <p:blipFill>
+          <a:blip r:embed="rId7">
+            <a:extLst>
+              <a:ext uri="{28A0092B-C50C-407E-A947-70E740481C1C}">
+                <a14:useLocalDpi xmlns:a14="http://schemas.microsoft.com/office/drawing/2010/main" val="0"/>
+              </a:ext>
+            </a:extLst>
+          </a:blip>
+          <a:srcRect/>
+          <a:stretch>
+            <a:fillRect/>
+          </a:stretch>
+        </p:blipFill>
+        <p:spPr>
+          <a:xfrm>
+            <a:off x="638529" y="5528770"/>
+            <a:ext cx="1414302" cy="707151"/>
+          </a:xfrm>
+          <a:prstGeom prst="rect">
+            <a:avLst/>
+          </a:prstGeom>
+          <a:noFill/>
+          <a:extLst>
+            <a:ext uri="{909E8E84-426E-40DD-AFC4-6F175D3DCCD1}">
+              <a14:hiddenFill xmlns:a14="http://schemas.microsoft.com/office/drawing/2010/main">
+                <a:solidFill>
+                  <a:srgbClr val="FFFFFF"/>
+                </a:solidFill>
+              </a14:hiddenFill>
+            </a:ext>
+            <a:ext uri="{91240B29-F687-4F45-9708-019B960494DF}">
+              <a14:hiddenLine xmlns:a14="http://schemas.microsoft.com/office/drawing/2010/main" w="9525">
+                <a:solidFill>
+                  <a:srgbClr val="000000"/>
+                </a:solidFill>
+                <a:miter lim="800000"/>
+                <a:headEnd/>
+                <a:tailEnd/>
+              </a14:hiddenLine>
+            </a:ext>
+            <a:ext uri="{AF507438-7753-43E0-B8FC-AC1667EBCBE1}">
+              <a14:hiddenEffects xmlns:a14="http://schemas.microsoft.com/office/drawing/2010/main">
+                <a:effectLst>
+                  <a:outerShdw dist="35921" dir="2700000" algn="ctr" rotWithShape="0">
+                    <a:srgbClr val="808080"/>
+                  </a:outerShdw>
+                </a:effectLst>
+              </a14:hiddenEffects>
+            </a:ext>
+          </a:extLst>
+        </p:spPr>
+      </p:pic>
+      <p:sp>
+        <p:nvSpPr>
+          <p:cNvPr id="7" name="Slide Number Placeholder 1">
+            <a:extLst>
+              <a:ext uri="{FF2B5EF4-FFF2-40B4-BE49-F238E27FC236}">
+                <a16:creationId xmlns:a16="http://schemas.microsoft.com/office/drawing/2014/main" id="{7993C84F-BF4F-491A-884C-7572DDC181FE}"/>
+              </a:ext>
+            </a:extLst>
+          </p:cNvPr>
+          <p:cNvSpPr>
+            <a:spLocks noGrp="1"/>
+          </p:cNvSpPr>
+          <p:nvPr>
+            <p:ph type="sldNum" sz="quarter" idx="12"/>
+          </p:nvPr>
+        </p:nvSpPr>
+        <p:spPr>
+          <a:xfrm>
+            <a:off x="10337611" y="5869093"/>
+            <a:ext cx="542697" cy="279400"/>
+          </a:xfrm>
+        </p:spPr>
+        <p:txBody>
+          <a:bodyPr/>
+          <a:lstStyle/>
+          <a:p>
+            <a:fld id="{D57F1E4F-1CFF-5643-939E-217C01CDF565}" type="slidenum">
+              <a:rPr lang="en-US" sz="3200" smtClean="0"/>
+              <a:pPr/>
+              <a:t>7</a:t>
+            </a:fld>
+            <a:endParaRPr lang="en-US" sz="3200" dirty="0"/>
+          </a:p>
+        </p:txBody>
+      </p:sp>
     </p:spTree>
     <p:extLst>
       <p:ext uri="{BB962C8B-B14F-4D97-AF65-F5344CB8AC3E}">
@@ -18476,6 +21066,18 @@
   <p:clrMapOvr>
     <a:masterClrMapping/>
   </p:clrMapOvr>
+  <mc:AlternateContent xmlns:mc="http://schemas.openxmlformats.org/markup-compatibility/2006" xmlns:p14="http://schemas.microsoft.com/office/powerpoint/2010/main">
+    <mc:Choice Requires="p14">
+      <p:transition spd="med" p14:dur="700">
+        <p:fade/>
+      </p:transition>
+    </mc:Choice>
+    <mc:Fallback xmlns="">
+      <p:transition spd="med">
+        <p:fade/>
+      </p:transition>
+    </mc:Fallback>
+  </mc:AlternateContent>
 </p:sld>
 </file>
 
@@ -18730,8 +21332,8 @@
         </p:nvSpPr>
         <p:spPr>
           <a:xfrm>
-            <a:off x="2055099" y="2033125"/>
-            <a:ext cx="8712968" cy="3970318"/>
+            <a:off x="1592825" y="2323193"/>
+            <a:ext cx="9929559" cy="3416320"/>
           </a:xfrm>
           <a:prstGeom prst="rect">
             <a:avLst/>
@@ -18744,830 +21346,670 @@
           </a:bodyPr>
           <a:lstStyle/>
           <a:p>
-            <a:pPr>
-              <a:lnSpc>
-                <a:spcPct val="150000"/>
-              </a:lnSpc>
-            </a:pPr>
             <a:r>
               <a:rPr lang="en-US" sz="2400" dirty="0" err="1">
-                <a:solidFill>
-                  <a:schemeClr val="tx1"/>
-                </a:solidFill>
-                <a:latin typeface="Courier New" panose="02070309020205020404" pitchFamily="49" charset="0"/>
-                <a:cs typeface="Courier New" panose="02070309020205020404" pitchFamily="49" charset="0"/>
+                <a:latin typeface="Consolas" panose="020B0609020204030204" pitchFamily="49" charset="0"/>
               </a:rPr>
               <a:t>Trong</a:t>
             </a:r>
             <a:r>
               <a:rPr lang="en-US" sz="2400" dirty="0">
-                <a:solidFill>
-                  <a:schemeClr val="tx1"/>
-                </a:solidFill>
-                <a:latin typeface="Courier New" panose="02070309020205020404" pitchFamily="49" charset="0"/>
-                <a:cs typeface="Courier New" panose="02070309020205020404" pitchFamily="49" charset="0"/>
+                <a:latin typeface="Consolas" panose="020B0609020204030204" pitchFamily="49" charset="0"/>
               </a:rPr>
               <a:t> </a:t>
             </a:r>
             <a:r>
               <a:rPr lang="en-US" sz="2400" dirty="0" err="1">
-                <a:solidFill>
-                  <a:schemeClr val="tx1"/>
-                </a:solidFill>
-                <a:latin typeface="Courier New" panose="02070309020205020404" pitchFamily="49" charset="0"/>
-                <a:cs typeface="Courier New" panose="02070309020205020404" pitchFamily="49" charset="0"/>
+                <a:latin typeface="Consolas" panose="020B0609020204030204" pitchFamily="49" charset="0"/>
               </a:rPr>
               <a:t>khi</a:t>
             </a:r>
             <a:r>
               <a:rPr lang="en-US" sz="2400" dirty="0">
-                <a:solidFill>
-                  <a:schemeClr val="tx1"/>
-                </a:solidFill>
-                <a:latin typeface="Courier New" panose="02070309020205020404" pitchFamily="49" charset="0"/>
-                <a:cs typeface="Courier New" panose="02070309020205020404" pitchFamily="49" charset="0"/>
+                <a:latin typeface="Consolas" panose="020B0609020204030204" pitchFamily="49" charset="0"/>
               </a:rPr>
               <a:t> </a:t>
             </a:r>
             <a:r>
               <a:rPr lang="en-US" sz="2400" dirty="0" err="1">
-                <a:solidFill>
-                  <a:schemeClr val="tx1"/>
-                </a:solidFill>
-                <a:latin typeface="Courier New" panose="02070309020205020404" pitchFamily="49" charset="0"/>
-                <a:cs typeface="Courier New" panose="02070309020205020404" pitchFamily="49" charset="0"/>
+                <a:latin typeface="Consolas" panose="020B0609020204030204" pitchFamily="49" charset="0"/>
               </a:rPr>
               <a:t>còn</a:t>
             </a:r>
             <a:r>
               <a:rPr lang="en-US" sz="2400" dirty="0">
-                <a:solidFill>
-                  <a:schemeClr val="tx1"/>
-                </a:solidFill>
-                <a:latin typeface="Courier New" panose="02070309020205020404" pitchFamily="49" charset="0"/>
-                <a:cs typeface="Courier New" panose="02070309020205020404" pitchFamily="49" charset="0"/>
+                <a:latin typeface="Consolas" panose="020B0609020204030204" pitchFamily="49" charset="0"/>
               </a:rPr>
               <a:t> </a:t>
             </a:r>
             <a:r>
               <a:rPr lang="en-US" sz="2400" b="1" dirty="0" err="1">
-                <a:solidFill>
-                  <a:schemeClr val="tx1"/>
-                </a:solidFill>
-                <a:latin typeface="Courier New" panose="02070309020205020404" pitchFamily="49" charset="0"/>
-                <a:cs typeface="Courier New" panose="02070309020205020404" pitchFamily="49" charset="0"/>
+                <a:latin typeface="Consolas" panose="020B0609020204030204" pitchFamily="49" charset="0"/>
               </a:rPr>
               <a:t>năng</a:t>
             </a:r>
             <a:r>
               <a:rPr lang="en-US" sz="2400" b="1" dirty="0">
-                <a:solidFill>
-                  <a:schemeClr val="tx1"/>
-                </a:solidFill>
-                <a:latin typeface="Courier New" panose="02070309020205020404" pitchFamily="49" charset="0"/>
-                <a:cs typeface="Courier New" panose="02070309020205020404" pitchFamily="49" charset="0"/>
+                <a:latin typeface="Consolas" panose="020B0609020204030204" pitchFamily="49" charset="0"/>
               </a:rPr>
               <a:t> l</a:t>
             </a:r>
             <a:r>
               <a:rPr lang="vi-VN" sz="2400" b="1" dirty="0">
-                <a:solidFill>
-                  <a:schemeClr val="tx1"/>
-                </a:solidFill>
-                <a:latin typeface="Courier New" panose="02070309020205020404" pitchFamily="49" charset="0"/>
-                <a:cs typeface="Courier New" panose="02070309020205020404" pitchFamily="49" charset="0"/>
+                <a:latin typeface="Consolas" panose="020B0609020204030204" pitchFamily="49" charset="0"/>
               </a:rPr>
               <a:t>ư</a:t>
             </a:r>
             <a:r>
               <a:rPr lang="en-US" sz="2400" b="1" dirty="0" err="1">
-                <a:latin typeface="Courier New" panose="02070309020205020404" pitchFamily="49" charset="0"/>
-                <a:cs typeface="Courier New" panose="02070309020205020404" pitchFamily="49" charset="0"/>
+                <a:latin typeface="Consolas" panose="020B0609020204030204" pitchFamily="49" charset="0"/>
               </a:rPr>
               <a:t>ợng</a:t>
             </a:r>
             <a:r>
               <a:rPr lang="en-US" sz="2400" b="1" dirty="0">
-                <a:latin typeface="Courier New" panose="02070309020205020404" pitchFamily="49" charset="0"/>
-                <a:cs typeface="Courier New" panose="02070309020205020404" pitchFamily="49" charset="0"/>
+                <a:latin typeface="Consolas" panose="020B0609020204030204" pitchFamily="49" charset="0"/>
               </a:rPr>
               <a:t> (pin)</a:t>
             </a:r>
             <a:r>
               <a:rPr lang="en-US" sz="2400" dirty="0">
-                <a:latin typeface="Courier New" panose="02070309020205020404" pitchFamily="49" charset="0"/>
-                <a:cs typeface="Courier New" panose="02070309020205020404" pitchFamily="49" charset="0"/>
+                <a:latin typeface="Consolas" panose="020B0609020204030204" pitchFamily="49" charset="0"/>
               </a:rPr>
               <a:t>:</a:t>
             </a:r>
           </a:p>
           <a:p>
-            <a:pPr>
-              <a:lnSpc>
-                <a:spcPct val="150000"/>
-              </a:lnSpc>
-            </a:pPr>
             <a:r>
               <a:rPr lang="en-US" sz="2400" dirty="0">
-                <a:solidFill>
-                  <a:schemeClr val="tx1"/>
-                </a:solidFill>
-                <a:latin typeface="Courier New" panose="02070309020205020404" pitchFamily="49" charset="0"/>
-                <a:cs typeface="Courier New" panose="02070309020205020404" pitchFamily="49" charset="0"/>
+                <a:latin typeface="Consolas" panose="020B0609020204030204" pitchFamily="49" charset="0"/>
               </a:rPr>
               <a:t>		</a:t>
             </a:r>
             <a:r>
               <a:rPr lang="en-US" sz="2400" dirty="0" err="1">
-                <a:solidFill>
-                  <a:schemeClr val="tx1"/>
-                </a:solidFill>
-                <a:latin typeface="Courier New" panose="02070309020205020404" pitchFamily="49" charset="0"/>
-                <a:cs typeface="Courier New" panose="02070309020205020404" pitchFamily="49" charset="0"/>
-              </a:rPr>
-              <a:t>Nhấn</a:t>
+                <a:latin typeface="Consolas" panose="020B0609020204030204" pitchFamily="49" charset="0"/>
+              </a:rPr>
+              <a:t>Đợi</a:t>
             </a:r>
             <a:r>
               <a:rPr lang="en-US" sz="2400" dirty="0">
-                <a:solidFill>
-                  <a:schemeClr val="tx1"/>
-                </a:solidFill>
-                <a:latin typeface="Courier New" panose="02070309020205020404" pitchFamily="49" charset="0"/>
-                <a:cs typeface="Courier New" panose="02070309020205020404" pitchFamily="49" charset="0"/>
+                <a:latin typeface="Consolas" panose="020B0609020204030204" pitchFamily="49" charset="0"/>
               </a:rPr>
               <a:t> </a:t>
             </a:r>
             <a:r>
               <a:rPr lang="en-US" sz="2400" dirty="0" err="1">
-                <a:solidFill>
-                  <a:schemeClr val="tx1"/>
-                </a:solidFill>
-                <a:latin typeface="Courier New" panose="02070309020205020404" pitchFamily="49" charset="0"/>
-                <a:cs typeface="Courier New" panose="02070309020205020404" pitchFamily="49" charset="0"/>
-              </a:rPr>
-              <a:t>nút</a:t>
+                <a:latin typeface="Consolas" panose="020B0609020204030204" pitchFamily="49" charset="0"/>
+              </a:rPr>
+              <a:t>có</a:t>
             </a:r>
             <a:r>
               <a:rPr lang="en-US" sz="2400" dirty="0">
-                <a:solidFill>
-                  <a:schemeClr val="tx1"/>
-                </a:solidFill>
-                <a:latin typeface="Courier New" panose="02070309020205020404" pitchFamily="49" charset="0"/>
-                <a:cs typeface="Courier New" panose="02070309020205020404" pitchFamily="49" charset="0"/>
+                <a:latin typeface="Consolas" panose="020B0609020204030204" pitchFamily="49" charset="0"/>
               </a:rPr>
               <a:t> </a:t>
             </a:r>
             <a:r>
               <a:rPr lang="en-US" sz="2400" dirty="0" err="1">
-                <a:solidFill>
-                  <a:schemeClr val="tx1"/>
-                </a:solidFill>
-                <a:latin typeface="Courier New" panose="02070309020205020404" pitchFamily="49" charset="0"/>
-                <a:cs typeface="Courier New" panose="02070309020205020404" pitchFamily="49" charset="0"/>
-              </a:rPr>
-              <a:t>lần</a:t>
+                <a:latin typeface="Consolas" panose="020B0609020204030204" pitchFamily="49" charset="0"/>
+              </a:rPr>
+              <a:t>rác</a:t>
             </a:r>
             <a:r>
               <a:rPr lang="en-US" sz="2400" dirty="0">
-                <a:solidFill>
-                  <a:schemeClr val="tx1"/>
-                </a:solidFill>
-                <a:latin typeface="Courier New" panose="02070309020205020404" pitchFamily="49" charset="0"/>
-                <a:cs typeface="Courier New" panose="02070309020205020404" pitchFamily="49" charset="0"/>
-              </a:rPr>
-              <a:t> 1 </a:t>
-            </a:r>
-            <a:r>
-              <a:rPr lang="en-US" sz="2400" dirty="0">
-                <a:solidFill>
-                  <a:schemeClr val="tx1"/>
-                </a:solidFill>
-                <a:latin typeface="Courier New" panose="02070309020205020404" pitchFamily="49" charset="0"/>
-                <a:cs typeface="Courier New" panose="02070309020205020404" pitchFamily="49" charset="0"/>
-                <a:sym typeface="Wingdings" panose="05000000000000000000" pitchFamily="2" charset="2"/>
-              </a:rPr>
-              <a:t> </a:t>
+                <a:latin typeface="Consolas" panose="020B0609020204030204" pitchFamily="49" charset="0"/>
+              </a:rPr>
+              <a:t> </a:t>
             </a:r>
             <a:r>
               <a:rPr lang="en-US" sz="2400" dirty="0" err="1">
-                <a:solidFill>
-                  <a:schemeClr val="tx1"/>
-                </a:solidFill>
-                <a:latin typeface="Courier New" panose="02070309020205020404" pitchFamily="49" charset="0"/>
-                <a:cs typeface="Courier New" panose="02070309020205020404" pitchFamily="49" charset="0"/>
-                <a:sym typeface="Wingdings" panose="05000000000000000000" pitchFamily="2" charset="2"/>
-              </a:rPr>
-              <a:t>bỏ</a:t>
-            </a:r>
-            <a:r>
-              <a:rPr lang="en-US" sz="2400" dirty="0">
-                <a:solidFill>
-                  <a:schemeClr val="tx1"/>
-                </a:solidFill>
-                <a:latin typeface="Courier New" panose="02070309020205020404" pitchFamily="49" charset="0"/>
-                <a:cs typeface="Courier New" panose="02070309020205020404" pitchFamily="49" charset="0"/>
-                <a:sym typeface="Wingdings" panose="05000000000000000000" pitchFamily="2" charset="2"/>
-              </a:rPr>
-              <a:t> </a:t>
-            </a:r>
-            <a:r>
-              <a:rPr lang="en-US" sz="2400" dirty="0" err="1">
-                <a:solidFill>
-                  <a:schemeClr val="tx1"/>
-                </a:solidFill>
-                <a:latin typeface="Courier New" panose="02070309020205020404" pitchFamily="49" charset="0"/>
-                <a:cs typeface="Courier New" panose="02070309020205020404" pitchFamily="49" charset="0"/>
-                <a:sym typeface="Wingdings" panose="05000000000000000000" pitchFamily="2" charset="2"/>
-              </a:rPr>
-              <a:t>rác</a:t>
-            </a:r>
-            <a:r>
-              <a:rPr lang="en-US" sz="2400" dirty="0">
-                <a:solidFill>
-                  <a:schemeClr val="tx1"/>
-                </a:solidFill>
-                <a:latin typeface="Courier New" panose="02070309020205020404" pitchFamily="49" charset="0"/>
-                <a:cs typeface="Courier New" panose="02070309020205020404" pitchFamily="49" charset="0"/>
-                <a:sym typeface="Wingdings" panose="05000000000000000000" pitchFamily="2" charset="2"/>
-              </a:rPr>
-              <a:t> </a:t>
-            </a:r>
-            <a:r>
-              <a:rPr lang="en-US" sz="2400" dirty="0" err="1">
-                <a:solidFill>
-                  <a:schemeClr val="tx1"/>
-                </a:solidFill>
-                <a:latin typeface="Courier New" panose="02070309020205020404" pitchFamily="49" charset="0"/>
-                <a:cs typeface="Courier New" panose="02070309020205020404" pitchFamily="49" charset="0"/>
-                <a:sym typeface="Wingdings" panose="05000000000000000000" pitchFamily="2" charset="2"/>
+                <a:latin typeface="Consolas" panose="020B0609020204030204" pitchFamily="49" charset="0"/>
               </a:rPr>
               <a:t>vào</a:t>
             </a:r>
-            <a:r>
-              <a:rPr lang="en-US" sz="2400" dirty="0">
-                <a:solidFill>
-                  <a:schemeClr val="tx1"/>
-                </a:solidFill>
-                <a:latin typeface="Courier New" panose="02070309020205020404" pitchFamily="49" charset="0"/>
-                <a:cs typeface="Courier New" panose="02070309020205020404" pitchFamily="49" charset="0"/>
-                <a:sym typeface="Wingdings" panose="05000000000000000000" pitchFamily="2" charset="2"/>
-              </a:rPr>
-              <a:t>	</a:t>
-            </a:r>
-          </a:p>
-          <a:p>
-            <a:pPr>
-              <a:lnSpc>
-                <a:spcPct val="150000"/>
-              </a:lnSpc>
-            </a:pPr>
-            <a:r>
-              <a:rPr lang="en-US" sz="2400" dirty="0">
-                <a:latin typeface="Courier New" panose="02070309020205020404" pitchFamily="49" charset="0"/>
-                <a:cs typeface="Courier New" panose="02070309020205020404" pitchFamily="49" charset="0"/>
-                <a:sym typeface="Wingdings" panose="05000000000000000000" pitchFamily="2" charset="2"/>
-              </a:rPr>
-              <a:t>		</a:t>
-            </a:r>
-            <a:r>
-              <a:rPr lang="en-US" sz="2400" dirty="0" err="1">
-                <a:solidFill>
-                  <a:schemeClr val="tx1"/>
-                </a:solidFill>
-                <a:latin typeface="Courier New" panose="02070309020205020404" pitchFamily="49" charset="0"/>
-                <a:cs typeface="Courier New" panose="02070309020205020404" pitchFamily="49" charset="0"/>
-                <a:sym typeface="Wingdings" panose="05000000000000000000" pitchFamily="2" charset="2"/>
-              </a:rPr>
-              <a:t>Nhấn</a:t>
-            </a:r>
-            <a:r>
-              <a:rPr lang="en-US" sz="2400" dirty="0">
-                <a:solidFill>
-                  <a:schemeClr val="tx1"/>
-                </a:solidFill>
-                <a:latin typeface="Courier New" panose="02070309020205020404" pitchFamily="49" charset="0"/>
-                <a:cs typeface="Courier New" panose="02070309020205020404" pitchFamily="49" charset="0"/>
-                <a:sym typeface="Wingdings" panose="05000000000000000000" pitchFamily="2" charset="2"/>
-              </a:rPr>
-              <a:t> </a:t>
-            </a:r>
-            <a:r>
-              <a:rPr lang="en-US" sz="2400" dirty="0" err="1">
-                <a:solidFill>
-                  <a:schemeClr val="tx1"/>
-                </a:solidFill>
-                <a:latin typeface="Courier New" panose="02070309020205020404" pitchFamily="49" charset="0"/>
-                <a:cs typeface="Courier New" panose="02070309020205020404" pitchFamily="49" charset="0"/>
-                <a:sym typeface="Wingdings" panose="05000000000000000000" pitchFamily="2" charset="2"/>
-              </a:rPr>
-              <a:t>nút</a:t>
-            </a:r>
-            <a:r>
-              <a:rPr lang="en-US" sz="2400" dirty="0">
-                <a:solidFill>
-                  <a:schemeClr val="tx1"/>
-                </a:solidFill>
-                <a:latin typeface="Courier New" panose="02070309020205020404" pitchFamily="49" charset="0"/>
-                <a:cs typeface="Courier New" panose="02070309020205020404" pitchFamily="49" charset="0"/>
-                <a:sym typeface="Wingdings" panose="05000000000000000000" pitchFamily="2" charset="2"/>
-              </a:rPr>
-              <a:t> </a:t>
-            </a:r>
-            <a:r>
-              <a:rPr lang="en-US" sz="2400" dirty="0" err="1">
-                <a:solidFill>
-                  <a:schemeClr val="tx1"/>
-                </a:solidFill>
-                <a:latin typeface="Courier New" panose="02070309020205020404" pitchFamily="49" charset="0"/>
-                <a:cs typeface="Courier New" panose="02070309020205020404" pitchFamily="49" charset="0"/>
-                <a:sym typeface="Wingdings" panose="05000000000000000000" pitchFamily="2" charset="2"/>
-              </a:rPr>
-              <a:t>lần</a:t>
-            </a:r>
-            <a:r>
-              <a:rPr lang="en-US" sz="2400" dirty="0">
-                <a:solidFill>
-                  <a:schemeClr val="tx1"/>
-                </a:solidFill>
-                <a:latin typeface="Courier New" panose="02070309020205020404" pitchFamily="49" charset="0"/>
-                <a:cs typeface="Courier New" panose="02070309020205020404" pitchFamily="49" charset="0"/>
-                <a:sym typeface="Wingdings" panose="05000000000000000000" pitchFamily="2" charset="2"/>
-              </a:rPr>
-              <a:t> 2  </a:t>
-            </a:r>
-            <a:r>
-              <a:rPr lang="en-US" sz="2400" dirty="0" err="1">
-                <a:solidFill>
-                  <a:schemeClr val="tx1"/>
-                </a:solidFill>
-                <a:latin typeface="Courier New" panose="02070309020205020404" pitchFamily="49" charset="0"/>
-                <a:cs typeface="Courier New" panose="02070309020205020404" pitchFamily="49" charset="0"/>
-                <a:sym typeface="Wingdings" panose="05000000000000000000" pitchFamily="2" charset="2"/>
-              </a:rPr>
-              <a:t>đóng</a:t>
-            </a:r>
-            <a:r>
-              <a:rPr lang="en-US" sz="2400" dirty="0">
-                <a:solidFill>
-                  <a:schemeClr val="tx1"/>
-                </a:solidFill>
-                <a:latin typeface="Courier New" panose="02070309020205020404" pitchFamily="49" charset="0"/>
-                <a:cs typeface="Courier New" panose="02070309020205020404" pitchFamily="49" charset="0"/>
-                <a:sym typeface="Wingdings" panose="05000000000000000000" pitchFamily="2" charset="2"/>
-              </a:rPr>
-              <a:t> </a:t>
-            </a:r>
-            <a:r>
-              <a:rPr lang="en-US" sz="2400" dirty="0" err="1">
-                <a:solidFill>
-                  <a:schemeClr val="tx1"/>
-                </a:solidFill>
-                <a:latin typeface="Courier New" panose="02070309020205020404" pitchFamily="49" charset="0"/>
-                <a:cs typeface="Courier New" panose="02070309020205020404" pitchFamily="49" charset="0"/>
-                <a:sym typeface="Wingdings" panose="05000000000000000000" pitchFamily="2" charset="2"/>
-              </a:rPr>
-              <a:t>nắp</a:t>
-            </a:r>
-            <a:r>
-              <a:rPr lang="en-US" sz="2400" dirty="0">
-                <a:solidFill>
-                  <a:schemeClr val="tx1"/>
-                </a:solidFill>
-                <a:latin typeface="Courier New" panose="02070309020205020404" pitchFamily="49" charset="0"/>
-                <a:cs typeface="Courier New" panose="02070309020205020404" pitchFamily="49" charset="0"/>
-                <a:sym typeface="Wingdings" panose="05000000000000000000" pitchFamily="2" charset="2"/>
-              </a:rPr>
-              <a:t> </a:t>
-            </a:r>
-            <a:r>
-              <a:rPr lang="en-US" sz="2400" dirty="0" err="1">
-                <a:solidFill>
-                  <a:schemeClr val="tx1"/>
-                </a:solidFill>
-                <a:latin typeface="Courier New" panose="02070309020205020404" pitchFamily="49" charset="0"/>
-                <a:cs typeface="Courier New" panose="02070309020205020404" pitchFamily="49" charset="0"/>
-                <a:sym typeface="Wingdings" panose="05000000000000000000" pitchFamily="2" charset="2"/>
-              </a:rPr>
-              <a:t>thùng</a:t>
-            </a:r>
             <a:endParaRPr lang="en-US" sz="2400" dirty="0">
-              <a:solidFill>
-                <a:schemeClr val="tx1"/>
-              </a:solidFill>
-              <a:latin typeface="Courier New" panose="02070309020205020404" pitchFamily="49" charset="0"/>
-              <a:cs typeface="Courier New" panose="02070309020205020404" pitchFamily="49" charset="0"/>
-              <a:sym typeface="Wingdings" panose="05000000000000000000" pitchFamily="2" charset="2"/>
+              <a:latin typeface="Consolas" panose="020B0609020204030204" pitchFamily="49" charset="0"/>
             </a:endParaRPr>
           </a:p>
           <a:p>
-            <a:pPr>
-              <a:lnSpc>
-                <a:spcPct val="150000"/>
-              </a:lnSpc>
-            </a:pPr>
             <a:r>
               <a:rPr lang="en-US" sz="2400" dirty="0">
-                <a:latin typeface="Courier New" panose="02070309020205020404" pitchFamily="49" charset="0"/>
-                <a:cs typeface="Courier New" panose="02070309020205020404" pitchFamily="49" charset="0"/>
+                <a:latin typeface="Consolas" panose="020B0609020204030204" pitchFamily="49" charset="0"/>
               </a:rPr>
               <a:t>		</a:t>
             </a:r>
             <a:r>
               <a:rPr lang="en-US" sz="2400" dirty="0" err="1">
-                <a:solidFill>
-                  <a:schemeClr val="tx1"/>
-                </a:solidFill>
-                <a:latin typeface="Courier New" panose="02070309020205020404" pitchFamily="49" charset="0"/>
-                <a:cs typeface="Courier New" panose="02070309020205020404" pitchFamily="49" charset="0"/>
+                <a:latin typeface="Consolas" panose="020B0609020204030204" pitchFamily="49" charset="0"/>
               </a:rPr>
               <a:t>Nếu</a:t>
             </a:r>
             <a:r>
               <a:rPr lang="en-US" sz="2400" dirty="0">
-                <a:solidFill>
-                  <a:schemeClr val="tx1"/>
-                </a:solidFill>
-                <a:latin typeface="Courier New" panose="02070309020205020404" pitchFamily="49" charset="0"/>
-                <a:cs typeface="Courier New" panose="02070309020205020404" pitchFamily="49" charset="0"/>
+                <a:latin typeface="Consolas" panose="020B0609020204030204" pitchFamily="49" charset="0"/>
               </a:rPr>
               <a:t> </a:t>
             </a:r>
             <a:r>
               <a:rPr lang="en-US" sz="2400" dirty="0" err="1">
-                <a:solidFill>
-                  <a:schemeClr val="tx1"/>
-                </a:solidFill>
-                <a:latin typeface="Courier New" panose="02070309020205020404" pitchFamily="49" charset="0"/>
-                <a:cs typeface="Courier New" panose="02070309020205020404" pitchFamily="49" charset="0"/>
+                <a:latin typeface="Consolas" panose="020B0609020204030204" pitchFamily="49" charset="0"/>
               </a:rPr>
               <a:t>là</a:t>
             </a:r>
             <a:r>
               <a:rPr lang="en-US" sz="2400" dirty="0">
-                <a:solidFill>
-                  <a:schemeClr val="tx1"/>
-                </a:solidFill>
-                <a:latin typeface="Courier New" panose="02070309020205020404" pitchFamily="49" charset="0"/>
-                <a:cs typeface="Courier New" panose="02070309020205020404" pitchFamily="49" charset="0"/>
+                <a:latin typeface="Consolas" panose="020B0609020204030204" pitchFamily="49" charset="0"/>
               </a:rPr>
               <a:t> </a:t>
             </a:r>
             <a:r>
               <a:rPr lang="en-US" sz="2400" dirty="0" err="1">
-                <a:solidFill>
-                  <a:schemeClr val="tx1"/>
-                </a:solidFill>
-                <a:latin typeface="Courier New" panose="02070309020205020404" pitchFamily="49" charset="0"/>
-                <a:cs typeface="Courier New" panose="02070309020205020404" pitchFamily="49" charset="0"/>
+                <a:latin typeface="Consolas" panose="020B0609020204030204" pitchFamily="49" charset="0"/>
               </a:rPr>
               <a:t>màu</a:t>
             </a:r>
             <a:r>
               <a:rPr lang="en-US" sz="2400" dirty="0">
-                <a:solidFill>
-                  <a:schemeClr val="tx1"/>
-                </a:solidFill>
-                <a:latin typeface="Courier New" panose="02070309020205020404" pitchFamily="49" charset="0"/>
-                <a:cs typeface="Courier New" panose="02070309020205020404" pitchFamily="49" charset="0"/>
+                <a:latin typeface="Consolas" panose="020B0609020204030204" pitchFamily="49" charset="0"/>
               </a:rPr>
               <a:t> t</a:t>
             </a:r>
             <a:r>
               <a:rPr lang="vi-VN" sz="2400" dirty="0">
-                <a:solidFill>
-                  <a:schemeClr val="tx1"/>
-                </a:solidFill>
-                <a:latin typeface="Courier New" panose="02070309020205020404" pitchFamily="49" charset="0"/>
-                <a:cs typeface="Courier New" panose="02070309020205020404" pitchFamily="49" charset="0"/>
+                <a:latin typeface="Consolas" panose="020B0609020204030204" pitchFamily="49" charset="0"/>
               </a:rPr>
               <a:t>ư</a:t>
             </a:r>
             <a:r>
               <a:rPr lang="en-US" sz="2400" dirty="0" err="1">
-                <a:solidFill>
-                  <a:schemeClr val="tx1"/>
-                </a:solidFill>
-                <a:latin typeface="Courier New" panose="02070309020205020404" pitchFamily="49" charset="0"/>
-                <a:cs typeface="Courier New" panose="02070309020205020404" pitchFamily="49" charset="0"/>
+                <a:latin typeface="Consolas" panose="020B0609020204030204" pitchFamily="49" charset="0"/>
               </a:rPr>
               <a:t>ơng</a:t>
             </a:r>
             <a:r>
               <a:rPr lang="en-US" sz="2400" dirty="0">
-                <a:solidFill>
-                  <a:schemeClr val="tx1"/>
-                </a:solidFill>
-                <a:latin typeface="Courier New" panose="02070309020205020404" pitchFamily="49" charset="0"/>
-                <a:cs typeface="Courier New" panose="02070309020205020404" pitchFamily="49" charset="0"/>
+                <a:latin typeface="Consolas" panose="020B0609020204030204" pitchFamily="49" charset="0"/>
               </a:rPr>
               <a:t> </a:t>
             </a:r>
             <a:r>
               <a:rPr lang="en-US" sz="2400" dirty="0" err="1">
-                <a:latin typeface="Courier New" panose="02070309020205020404" pitchFamily="49" charset="0"/>
-                <a:cs typeface="Courier New" panose="02070309020205020404" pitchFamily="49" charset="0"/>
+                <a:latin typeface="Consolas" panose="020B0609020204030204" pitchFamily="49" charset="0"/>
               </a:rPr>
               <a:t>ứng</a:t>
             </a:r>
             <a:r>
               <a:rPr lang="en-US" sz="2400" dirty="0">
-                <a:latin typeface="Courier New" panose="02070309020205020404" pitchFamily="49" charset="0"/>
-                <a:cs typeface="Courier New" panose="02070309020205020404" pitchFamily="49" charset="0"/>
+                <a:latin typeface="Consolas" panose="020B0609020204030204" pitchFamily="49" charset="0"/>
               </a:rPr>
               <a:t> </a:t>
             </a:r>
             <a:r>
               <a:rPr lang="en-US" sz="2400" dirty="0" err="1">
-                <a:latin typeface="Courier New" panose="02070309020205020404" pitchFamily="49" charset="0"/>
-                <a:cs typeface="Courier New" panose="02070309020205020404" pitchFamily="49" charset="0"/>
+                <a:latin typeface="Consolas" panose="020B0609020204030204" pitchFamily="49" charset="0"/>
               </a:rPr>
               <a:t>rác</a:t>
             </a:r>
             <a:r>
               <a:rPr lang="en-US" sz="2400" dirty="0">
-                <a:latin typeface="Courier New" panose="02070309020205020404" pitchFamily="49" charset="0"/>
-                <a:cs typeface="Courier New" panose="02070309020205020404" pitchFamily="49" charset="0"/>
+                <a:latin typeface="Consolas" panose="020B0609020204030204" pitchFamily="49" charset="0"/>
               </a:rPr>
               <a:t> </a:t>
             </a:r>
             <a:r>
               <a:rPr lang="en-US" sz="2400" dirty="0" err="1">
-                <a:latin typeface="Courier New" panose="02070309020205020404" pitchFamily="49" charset="0"/>
-                <a:cs typeface="Courier New" panose="02070309020205020404" pitchFamily="49" charset="0"/>
+                <a:latin typeface="Consolas" panose="020B0609020204030204" pitchFamily="49" charset="0"/>
               </a:rPr>
               <a:t>tái</a:t>
             </a:r>
             <a:r>
               <a:rPr lang="en-US" sz="2400" dirty="0">
-                <a:latin typeface="Courier New" panose="02070309020205020404" pitchFamily="49" charset="0"/>
-                <a:cs typeface="Courier New" panose="02070309020205020404" pitchFamily="49" charset="0"/>
+                <a:latin typeface="Consolas" panose="020B0609020204030204" pitchFamily="49" charset="0"/>
               </a:rPr>
               <a:t> </a:t>
             </a:r>
             <a:r>
               <a:rPr lang="en-US" sz="2400" dirty="0" err="1">
-                <a:latin typeface="Courier New" panose="02070309020205020404" pitchFamily="49" charset="0"/>
-                <a:cs typeface="Courier New" panose="02070309020205020404" pitchFamily="49" charset="0"/>
+                <a:latin typeface="Consolas" panose="020B0609020204030204" pitchFamily="49" charset="0"/>
               </a:rPr>
               <a:t>chế</a:t>
             </a:r>
             <a:r>
               <a:rPr lang="en-US" sz="2400" dirty="0">
-                <a:latin typeface="Courier New" panose="02070309020205020404" pitchFamily="49" charset="0"/>
-                <a:cs typeface="Courier New" panose="02070309020205020404" pitchFamily="49" charset="0"/>
+                <a:latin typeface="Consolas" panose="020B0609020204030204" pitchFamily="49" charset="0"/>
               </a:rPr>
               <a:t> đ</a:t>
             </a:r>
             <a:r>
               <a:rPr lang="vi-VN" sz="2400" dirty="0">
-                <a:latin typeface="Courier New" panose="02070309020205020404" pitchFamily="49" charset="0"/>
-                <a:cs typeface="Courier New" panose="02070309020205020404" pitchFamily="49" charset="0"/>
+                <a:latin typeface="Consolas" panose="020B0609020204030204" pitchFamily="49" charset="0"/>
               </a:rPr>
               <a:t>ư</a:t>
             </a:r>
             <a:r>
               <a:rPr lang="en-US" sz="2400" dirty="0" err="1">
-                <a:latin typeface="Courier New" panose="02070309020205020404" pitchFamily="49" charset="0"/>
-                <a:cs typeface="Courier New" panose="02070309020205020404" pitchFamily="49" charset="0"/>
+                <a:latin typeface="Consolas" panose="020B0609020204030204" pitchFamily="49" charset="0"/>
               </a:rPr>
               <a:t>ợc</a:t>
             </a:r>
             <a:r>
               <a:rPr lang="en-US" sz="2400" dirty="0">
-                <a:latin typeface="Courier New" panose="02070309020205020404" pitchFamily="49" charset="0"/>
-                <a:cs typeface="Courier New" panose="02070309020205020404" pitchFamily="49" charset="0"/>
-              </a:rPr>
-              <a:t>:</a:t>
+                <a:latin typeface="Consolas" panose="020B0609020204030204" pitchFamily="49" charset="0"/>
+              </a:rPr>
+              <a:t> (</a:t>
+            </a:r>
+            <a:r>
+              <a:rPr lang="en-US" sz="2400" dirty="0" err="1">
+                <a:latin typeface="Consolas" panose="020B0609020204030204" pitchFamily="49" charset="0"/>
+              </a:rPr>
+              <a:t>xanh</a:t>
+            </a:r>
+            <a:r>
+              <a:rPr lang="en-US" sz="2400" dirty="0">
+                <a:latin typeface="Consolas" panose="020B0609020204030204" pitchFamily="49" charset="0"/>
+              </a:rPr>
+              <a:t>):</a:t>
             </a:r>
           </a:p>
           <a:p>
-            <a:pPr>
-              <a:lnSpc>
-                <a:spcPct val="150000"/>
-              </a:lnSpc>
-            </a:pPr>
             <a:r>
               <a:rPr lang="en-US" sz="2400" dirty="0">
-                <a:latin typeface="Courier New" panose="02070309020205020404" pitchFamily="49" charset="0"/>
-                <a:cs typeface="Courier New" panose="02070309020205020404" pitchFamily="49" charset="0"/>
-                <a:sym typeface="Wingdings" panose="05000000000000000000" pitchFamily="2" charset="2"/>
-              </a:rPr>
-              <a:t>			</a:t>
+                <a:latin typeface="Consolas" panose="020B0609020204030204" pitchFamily="49" charset="0"/>
+              </a:rPr>
+              <a:t>			Motor 2 </a:t>
             </a:r>
             <a:r>
               <a:rPr lang="en-US" sz="2400" dirty="0" err="1">
-                <a:latin typeface="Courier New" panose="02070309020205020404" pitchFamily="49" charset="0"/>
-                <a:cs typeface="Courier New" panose="02070309020205020404" pitchFamily="49" charset="0"/>
-                <a:sym typeface="Wingdings" panose="05000000000000000000" pitchFamily="2" charset="2"/>
-              </a:rPr>
-              <a:t>Chuyển</a:t>
+                <a:latin typeface="Consolas" panose="020B0609020204030204" pitchFamily="49" charset="0"/>
+              </a:rPr>
+              <a:t>chuyển</a:t>
             </a:r>
             <a:r>
               <a:rPr lang="en-US" sz="2400" dirty="0">
-                <a:latin typeface="Courier New" panose="02070309020205020404" pitchFamily="49" charset="0"/>
-                <a:cs typeface="Courier New" panose="02070309020205020404" pitchFamily="49" charset="0"/>
-                <a:sym typeface="Wingdings" panose="05000000000000000000" pitchFamily="2" charset="2"/>
+                <a:latin typeface="Consolas" panose="020B0609020204030204" pitchFamily="49" charset="0"/>
               </a:rPr>
               <a:t> </a:t>
             </a:r>
             <a:r>
               <a:rPr lang="en-US" sz="2400" dirty="0" err="1">
-                <a:latin typeface="Courier New" panose="02070309020205020404" pitchFamily="49" charset="0"/>
-                <a:cs typeface="Courier New" panose="02070309020205020404" pitchFamily="49" charset="0"/>
-                <a:sym typeface="Wingdings" panose="05000000000000000000" pitchFamily="2" charset="2"/>
+                <a:latin typeface="Consolas" panose="020B0609020204030204" pitchFamily="49" charset="0"/>
               </a:rPr>
               <a:t>rác</a:t>
             </a:r>
             <a:r>
               <a:rPr lang="en-US" sz="2400" dirty="0">
-                <a:latin typeface="Courier New" panose="02070309020205020404" pitchFamily="49" charset="0"/>
-                <a:cs typeface="Courier New" panose="02070309020205020404" pitchFamily="49" charset="0"/>
-                <a:sym typeface="Wingdings" panose="05000000000000000000" pitchFamily="2" charset="2"/>
+                <a:latin typeface="Consolas" panose="020B0609020204030204" pitchFamily="49" charset="0"/>
               </a:rPr>
               <a:t> </a:t>
             </a:r>
             <a:r>
               <a:rPr lang="en-US" sz="2400" dirty="0" err="1">
-                <a:latin typeface="Courier New" panose="02070309020205020404" pitchFamily="49" charset="0"/>
-                <a:cs typeface="Courier New" panose="02070309020205020404" pitchFamily="49" charset="0"/>
-                <a:sym typeface="Wingdings" panose="05000000000000000000" pitchFamily="2" charset="2"/>
+                <a:latin typeface="Consolas" panose="020B0609020204030204" pitchFamily="49" charset="0"/>
               </a:rPr>
               <a:t>đến</a:t>
             </a:r>
             <a:r>
               <a:rPr lang="en-US" sz="2400" dirty="0">
-                <a:latin typeface="Courier New" panose="02070309020205020404" pitchFamily="49" charset="0"/>
-                <a:cs typeface="Courier New" panose="02070309020205020404" pitchFamily="49" charset="0"/>
-                <a:sym typeface="Wingdings" panose="05000000000000000000" pitchFamily="2" charset="2"/>
+                <a:latin typeface="Consolas" panose="020B0609020204030204" pitchFamily="49" charset="0"/>
               </a:rPr>
               <a:t> </a:t>
             </a:r>
             <a:r>
               <a:rPr lang="en-US" sz="2400" dirty="0" err="1">
-                <a:latin typeface="Courier New" panose="02070309020205020404" pitchFamily="49" charset="0"/>
-                <a:cs typeface="Courier New" panose="02070309020205020404" pitchFamily="49" charset="0"/>
-                <a:sym typeface="Wingdings" panose="05000000000000000000" pitchFamily="2" charset="2"/>
+                <a:latin typeface="Consolas" panose="020B0609020204030204" pitchFamily="49" charset="0"/>
               </a:rPr>
               <a:t>thùng</a:t>
             </a:r>
             <a:r>
               <a:rPr lang="en-US" sz="2400" dirty="0">
-                <a:latin typeface="Courier New" panose="02070309020205020404" pitchFamily="49" charset="0"/>
-                <a:cs typeface="Courier New" panose="02070309020205020404" pitchFamily="49" charset="0"/>
-                <a:sym typeface="Wingdings" panose="05000000000000000000" pitchFamily="2" charset="2"/>
-              </a:rPr>
-              <a:t> (1)</a:t>
+                <a:latin typeface="Consolas" panose="020B0609020204030204" pitchFamily="49" charset="0"/>
+              </a:rPr>
+              <a:t> (2)</a:t>
             </a:r>
           </a:p>
           <a:p>
-            <a:pPr>
-              <a:lnSpc>
-                <a:spcPct val="150000"/>
-              </a:lnSpc>
-            </a:pPr>
             <a:r>
               <a:rPr lang="en-US" sz="2400" dirty="0">
-                <a:latin typeface="Courier New" panose="02070309020205020404" pitchFamily="49" charset="0"/>
-                <a:cs typeface="Courier New" panose="02070309020205020404" pitchFamily="49" charset="0"/>
-                <a:sym typeface="Wingdings" panose="05000000000000000000" pitchFamily="2" charset="2"/>
+                <a:latin typeface="Consolas" panose="020B0609020204030204" pitchFamily="49" charset="0"/>
               </a:rPr>
               <a:t>		Ng</a:t>
             </a:r>
             <a:r>
               <a:rPr lang="vi-VN" sz="2400" dirty="0">
-                <a:latin typeface="Courier New" panose="02070309020205020404" pitchFamily="49" charset="0"/>
-                <a:cs typeface="Courier New" panose="02070309020205020404" pitchFamily="49" charset="0"/>
-                <a:sym typeface="Wingdings" panose="05000000000000000000" pitchFamily="2" charset="2"/>
+                <a:latin typeface="Consolas" panose="020B0609020204030204" pitchFamily="49" charset="0"/>
               </a:rPr>
               <a:t>ư</a:t>
             </a:r>
             <a:r>
               <a:rPr lang="en-US" sz="2400" dirty="0" err="1">
-                <a:latin typeface="Courier New" panose="02070309020205020404" pitchFamily="49" charset="0"/>
-                <a:cs typeface="Courier New" panose="02070309020205020404" pitchFamily="49" charset="0"/>
-                <a:sym typeface="Wingdings" panose="05000000000000000000" pitchFamily="2" charset="2"/>
+                <a:latin typeface="Consolas" panose="020B0609020204030204" pitchFamily="49" charset="0"/>
               </a:rPr>
               <a:t>ợc</a:t>
             </a:r>
             <a:r>
               <a:rPr lang="en-US" sz="2400" dirty="0">
-                <a:latin typeface="Courier New" panose="02070309020205020404" pitchFamily="49" charset="0"/>
-                <a:cs typeface="Courier New" panose="02070309020205020404" pitchFamily="49" charset="0"/>
-                <a:sym typeface="Wingdings" panose="05000000000000000000" pitchFamily="2" charset="2"/>
+                <a:latin typeface="Consolas" panose="020B0609020204030204" pitchFamily="49" charset="0"/>
               </a:rPr>
               <a:t> </a:t>
             </a:r>
             <a:r>
               <a:rPr lang="en-US" sz="2400" dirty="0" err="1">
-                <a:latin typeface="Courier New" panose="02070309020205020404" pitchFamily="49" charset="0"/>
-                <a:cs typeface="Courier New" panose="02070309020205020404" pitchFamily="49" charset="0"/>
-                <a:sym typeface="Wingdings" panose="05000000000000000000" pitchFamily="2" charset="2"/>
+                <a:latin typeface="Consolas" panose="020B0609020204030204" pitchFamily="49" charset="0"/>
               </a:rPr>
               <a:t>lại</a:t>
             </a:r>
             <a:r>
               <a:rPr lang="en-US" sz="2400" dirty="0">
-                <a:latin typeface="Courier New" panose="02070309020205020404" pitchFamily="49" charset="0"/>
-                <a:cs typeface="Courier New" panose="02070309020205020404" pitchFamily="49" charset="0"/>
-                <a:sym typeface="Wingdings" panose="05000000000000000000" pitchFamily="2" charset="2"/>
+                <a:latin typeface="Consolas" panose="020B0609020204030204" pitchFamily="49" charset="0"/>
               </a:rPr>
               <a:t>:</a:t>
             </a:r>
           </a:p>
           <a:p>
-            <a:pPr>
-              <a:lnSpc>
-                <a:spcPct val="150000"/>
-              </a:lnSpc>
-            </a:pPr>
             <a:r>
               <a:rPr lang="en-US" sz="2400" dirty="0">
-                <a:latin typeface="Courier New" panose="02070309020205020404" pitchFamily="49" charset="0"/>
-                <a:cs typeface="Courier New" panose="02070309020205020404" pitchFamily="49" charset="0"/>
-                <a:sym typeface="Wingdings" panose="05000000000000000000" pitchFamily="2" charset="2"/>
+                <a:latin typeface="Consolas" panose="020B0609020204030204" pitchFamily="49" charset="0"/>
               </a:rPr>
               <a:t>			</a:t>
             </a:r>
             <a:r>
               <a:rPr lang="en-US" sz="2400" dirty="0" err="1">
-                <a:latin typeface="Courier New" panose="02070309020205020404" pitchFamily="49" charset="0"/>
-                <a:cs typeface="Courier New" panose="02070309020205020404" pitchFamily="49" charset="0"/>
-                <a:sym typeface="Wingdings" panose="05000000000000000000" pitchFamily="2" charset="2"/>
-              </a:rPr>
-              <a:t>Chuyển</a:t>
+                <a:latin typeface="Consolas" panose="020B0609020204030204" pitchFamily="49" charset="0"/>
+              </a:rPr>
+              <a:t>Nếu</a:t>
             </a:r>
             <a:r>
               <a:rPr lang="en-US" sz="2400" dirty="0">
-                <a:latin typeface="Courier New" panose="02070309020205020404" pitchFamily="49" charset="0"/>
-                <a:cs typeface="Courier New" panose="02070309020205020404" pitchFamily="49" charset="0"/>
-                <a:sym typeface="Wingdings" panose="05000000000000000000" pitchFamily="2" charset="2"/>
+                <a:latin typeface="Consolas" panose="020B0609020204030204" pitchFamily="49" charset="0"/>
               </a:rPr>
               <a:t> </a:t>
             </a:r>
             <a:r>
               <a:rPr lang="en-US" sz="2400" dirty="0" err="1">
-                <a:latin typeface="Courier New" panose="02070309020205020404" pitchFamily="49" charset="0"/>
-                <a:cs typeface="Courier New" panose="02070309020205020404" pitchFamily="49" charset="0"/>
-                <a:sym typeface="Wingdings" panose="05000000000000000000" pitchFamily="2" charset="2"/>
+                <a:latin typeface="Consolas" panose="020B0609020204030204" pitchFamily="49" charset="0"/>
+              </a:rPr>
+              <a:t>là</a:t>
+            </a:r>
+            <a:r>
+              <a:rPr lang="en-US" sz="2400" dirty="0">
+                <a:latin typeface="Consolas" panose="020B0609020204030204" pitchFamily="49" charset="0"/>
+              </a:rPr>
+              <a:t> </a:t>
+            </a:r>
+            <a:r>
+              <a:rPr lang="en-US" sz="2400" dirty="0" err="1">
+                <a:latin typeface="Consolas" panose="020B0609020204030204" pitchFamily="49" charset="0"/>
+              </a:rPr>
+              <a:t>màu</a:t>
+            </a:r>
+            <a:r>
+              <a:rPr lang="en-US" sz="2400" dirty="0">
+                <a:latin typeface="Consolas" panose="020B0609020204030204" pitchFamily="49" charset="0"/>
+              </a:rPr>
+              <a:t> t</a:t>
+            </a:r>
+            <a:r>
+              <a:rPr lang="vi-VN" sz="2400" dirty="0">
+                <a:latin typeface="Consolas" panose="020B0609020204030204" pitchFamily="49" charset="0"/>
+              </a:rPr>
+              <a:t>ư</a:t>
+            </a:r>
+            <a:r>
+              <a:rPr lang="en-US" sz="2400" dirty="0" err="1">
+                <a:latin typeface="Consolas" panose="020B0609020204030204" pitchFamily="49" charset="0"/>
+              </a:rPr>
+              <a:t>ơng</a:t>
+            </a:r>
+            <a:r>
+              <a:rPr lang="en-US" sz="2400" dirty="0">
+                <a:latin typeface="Consolas" panose="020B0609020204030204" pitchFamily="49" charset="0"/>
+              </a:rPr>
+              <a:t> </a:t>
+            </a:r>
+            <a:r>
+              <a:rPr lang="en-US" sz="2400" dirty="0" err="1">
+                <a:latin typeface="Consolas" panose="020B0609020204030204" pitchFamily="49" charset="0"/>
+              </a:rPr>
+              <a:t>ứng</a:t>
+            </a:r>
+            <a:r>
+              <a:rPr lang="en-US" sz="2400" dirty="0">
+                <a:latin typeface="Consolas" panose="020B0609020204030204" pitchFamily="49" charset="0"/>
+              </a:rPr>
+              <a:t> </a:t>
+            </a:r>
+            <a:r>
+              <a:rPr lang="en-US" sz="2400" dirty="0" err="1">
+                <a:latin typeface="Consolas" panose="020B0609020204030204" pitchFamily="49" charset="0"/>
               </a:rPr>
               <a:t>rác</a:t>
             </a:r>
             <a:r>
               <a:rPr lang="en-US" sz="2400" dirty="0">
-                <a:latin typeface="Courier New" panose="02070309020205020404" pitchFamily="49" charset="0"/>
-                <a:cs typeface="Courier New" panose="02070309020205020404" pitchFamily="49" charset="0"/>
-                <a:sym typeface="Wingdings" panose="05000000000000000000" pitchFamily="2" charset="2"/>
+                <a:latin typeface="Consolas" panose="020B0609020204030204" pitchFamily="49" charset="0"/>
               </a:rPr>
               <a:t> </a:t>
             </a:r>
             <a:r>
               <a:rPr lang="en-US" sz="2400" dirty="0" err="1">
-                <a:latin typeface="Courier New" panose="02070309020205020404" pitchFamily="49" charset="0"/>
-                <a:cs typeface="Courier New" panose="02070309020205020404" pitchFamily="49" charset="0"/>
-                <a:sym typeface="Wingdings" panose="05000000000000000000" pitchFamily="2" charset="2"/>
+                <a:latin typeface="Consolas" panose="020B0609020204030204" pitchFamily="49" charset="0"/>
+              </a:rPr>
+              <a:t>không</a:t>
+            </a:r>
+            <a:r>
+              <a:rPr lang="en-US" sz="2400" dirty="0">
+                <a:latin typeface="Consolas" panose="020B0609020204030204" pitchFamily="49" charset="0"/>
+              </a:rPr>
+              <a:t> </a:t>
+            </a:r>
+            <a:r>
+              <a:rPr lang="en-US" sz="2400" dirty="0" err="1">
+                <a:latin typeface="Consolas" panose="020B0609020204030204" pitchFamily="49" charset="0"/>
+              </a:rPr>
+              <a:t>tái</a:t>
+            </a:r>
+            <a:r>
+              <a:rPr lang="en-US" sz="2400" dirty="0">
+                <a:latin typeface="Consolas" panose="020B0609020204030204" pitchFamily="49" charset="0"/>
+              </a:rPr>
+              <a:t> </a:t>
+            </a:r>
+            <a:r>
+              <a:rPr lang="en-US" sz="2400" dirty="0" err="1">
+                <a:latin typeface="Consolas" panose="020B0609020204030204" pitchFamily="49" charset="0"/>
+              </a:rPr>
+              <a:t>chế</a:t>
+            </a:r>
+            <a:r>
+              <a:rPr lang="en-US" sz="2400" dirty="0">
+                <a:latin typeface="Consolas" panose="020B0609020204030204" pitchFamily="49" charset="0"/>
+              </a:rPr>
+              <a:t> đ</a:t>
+            </a:r>
+            <a:r>
+              <a:rPr lang="vi-VN" sz="2400" dirty="0">
+                <a:latin typeface="Consolas" panose="020B0609020204030204" pitchFamily="49" charset="0"/>
+              </a:rPr>
+              <a:t>ư</a:t>
+            </a:r>
+            <a:r>
+              <a:rPr lang="en-US" sz="2400" dirty="0" err="1">
+                <a:latin typeface="Consolas" panose="020B0609020204030204" pitchFamily="49" charset="0"/>
+              </a:rPr>
+              <a:t>ợc</a:t>
+            </a:r>
+            <a:r>
+              <a:rPr lang="en-US" sz="2400" dirty="0">
+                <a:latin typeface="Consolas" panose="020B0609020204030204" pitchFamily="49" charset="0"/>
+              </a:rPr>
+              <a:t> (</a:t>
+            </a:r>
+            <a:r>
+              <a:rPr lang="en-US" sz="2400" dirty="0" err="1">
+                <a:latin typeface="Consolas" panose="020B0609020204030204" pitchFamily="49" charset="0"/>
+              </a:rPr>
+              <a:t>đỏ</a:t>
+            </a:r>
+            <a:r>
+              <a:rPr lang="en-US" sz="2400" dirty="0">
+                <a:latin typeface="Consolas" panose="020B0609020204030204" pitchFamily="49" charset="0"/>
+              </a:rPr>
+              <a:t>):</a:t>
+            </a:r>
+          </a:p>
+          <a:p>
+            <a:r>
+              <a:rPr lang="en-US" sz="2400" dirty="0">
+                <a:latin typeface="Consolas" panose="020B0609020204030204" pitchFamily="49" charset="0"/>
+              </a:rPr>
+              <a:t>				Motor 1 </a:t>
+            </a:r>
+            <a:r>
+              <a:rPr lang="en-US" sz="2400" dirty="0" err="1">
+                <a:latin typeface="Consolas" panose="020B0609020204030204" pitchFamily="49" charset="0"/>
+              </a:rPr>
+              <a:t>chuyển</a:t>
+            </a:r>
+            <a:r>
+              <a:rPr lang="en-US" sz="2400" dirty="0">
+                <a:latin typeface="Consolas" panose="020B0609020204030204" pitchFamily="49" charset="0"/>
+              </a:rPr>
+              <a:t> </a:t>
+            </a:r>
+            <a:r>
+              <a:rPr lang="en-US" sz="2400" dirty="0" err="1">
+                <a:latin typeface="Consolas" panose="020B0609020204030204" pitchFamily="49" charset="0"/>
+              </a:rPr>
+              <a:t>rác</a:t>
+            </a:r>
+            <a:r>
+              <a:rPr lang="en-US" sz="2400" dirty="0">
+                <a:latin typeface="Consolas" panose="020B0609020204030204" pitchFamily="49" charset="0"/>
+              </a:rPr>
+              <a:t> </a:t>
+            </a:r>
+            <a:r>
+              <a:rPr lang="en-US" sz="2400" dirty="0" err="1">
+                <a:latin typeface="Consolas" panose="020B0609020204030204" pitchFamily="49" charset="0"/>
               </a:rPr>
               <a:t>đến</a:t>
             </a:r>
             <a:r>
               <a:rPr lang="en-US" sz="2400" dirty="0">
-                <a:latin typeface="Courier New" panose="02070309020205020404" pitchFamily="49" charset="0"/>
-                <a:cs typeface="Courier New" panose="02070309020205020404" pitchFamily="49" charset="0"/>
-                <a:sym typeface="Wingdings" panose="05000000000000000000" pitchFamily="2" charset="2"/>
+                <a:latin typeface="Consolas" panose="020B0609020204030204" pitchFamily="49" charset="0"/>
               </a:rPr>
               <a:t> </a:t>
             </a:r>
             <a:r>
               <a:rPr lang="en-US" sz="2400" dirty="0" err="1">
-                <a:latin typeface="Courier New" panose="02070309020205020404" pitchFamily="49" charset="0"/>
-                <a:cs typeface="Courier New" panose="02070309020205020404" pitchFamily="49" charset="0"/>
-                <a:sym typeface="Wingdings" panose="05000000000000000000" pitchFamily="2" charset="2"/>
+                <a:latin typeface="Consolas" panose="020B0609020204030204" pitchFamily="49" charset="0"/>
               </a:rPr>
               <a:t>thùng</a:t>
             </a:r>
             <a:r>
               <a:rPr lang="en-US" sz="2400" dirty="0">
-                <a:latin typeface="Courier New" panose="02070309020205020404" pitchFamily="49" charset="0"/>
-                <a:cs typeface="Courier New" panose="02070309020205020404" pitchFamily="49" charset="0"/>
-                <a:sym typeface="Wingdings" panose="05000000000000000000" pitchFamily="2" charset="2"/>
-              </a:rPr>
-              <a:t> (2)</a:t>
-            </a:r>
-            <a:endParaRPr lang="en-US" sz="2400" dirty="0">
-              <a:solidFill>
-                <a:schemeClr val="tx1"/>
-              </a:solidFill>
-              <a:latin typeface="Courier New" panose="02070309020205020404" pitchFamily="49" charset="0"/>
-              <a:cs typeface="Courier New" panose="02070309020205020404" pitchFamily="49" charset="0"/>
-            </a:endParaRPr>
+                <a:latin typeface="Consolas" panose="020B0609020204030204" pitchFamily="49" charset="0"/>
+              </a:rPr>
+              <a:t> (1)</a:t>
+            </a:r>
+          </a:p>
+          <a:p>
+            <a:r>
+              <a:rPr lang="en-US" sz="2400" dirty="0">
+                <a:latin typeface="Consolas" panose="020B0609020204030204" pitchFamily="49" charset="0"/>
+              </a:rPr>
+              <a:t>			</a:t>
+            </a:r>
+            <a:r>
+              <a:rPr lang="en-US" sz="2400" dirty="0" err="1">
+                <a:latin typeface="Consolas" panose="020B0609020204030204" pitchFamily="49" charset="0"/>
+              </a:rPr>
+              <a:t>Ngược</a:t>
+            </a:r>
+            <a:r>
+              <a:rPr lang="en-US" sz="2400" dirty="0">
+                <a:latin typeface="Consolas" panose="020B0609020204030204" pitchFamily="49" charset="0"/>
+              </a:rPr>
+              <a:t> </a:t>
+            </a:r>
+            <a:r>
+              <a:rPr lang="en-US" sz="2400" dirty="0" err="1">
+                <a:latin typeface="Consolas" panose="020B0609020204030204" pitchFamily="49" charset="0"/>
+              </a:rPr>
+              <a:t>lại</a:t>
+            </a:r>
+            <a:r>
+              <a:rPr lang="en-US" sz="2400" dirty="0">
+                <a:latin typeface="Consolas" panose="020B0609020204030204" pitchFamily="49" charset="0"/>
+              </a:rPr>
+              <a:t>:</a:t>
+            </a:r>
+          </a:p>
+          <a:p>
+            <a:r>
+              <a:rPr lang="en-US" sz="2400" dirty="0">
+                <a:latin typeface="Consolas" panose="020B0609020204030204" pitchFamily="49" charset="0"/>
+              </a:rPr>
+              <a:t>				Motor 1 </a:t>
+            </a:r>
+            <a:r>
+              <a:rPr lang="en-US" sz="2400" dirty="0" err="1">
+                <a:latin typeface="Consolas" panose="020B0609020204030204" pitchFamily="49" charset="0"/>
+              </a:rPr>
+              <a:t>chuyển</a:t>
+            </a:r>
+            <a:r>
+              <a:rPr lang="en-US" sz="2400" dirty="0">
+                <a:latin typeface="Consolas" panose="020B0609020204030204" pitchFamily="49" charset="0"/>
+              </a:rPr>
+              <a:t> </a:t>
+            </a:r>
+            <a:r>
+              <a:rPr lang="en-US" sz="2400" dirty="0" err="1">
+                <a:latin typeface="Consolas" panose="020B0609020204030204" pitchFamily="49" charset="0"/>
+              </a:rPr>
+              <a:t>rác</a:t>
+            </a:r>
+            <a:r>
+              <a:rPr lang="en-US" sz="2400" dirty="0">
+                <a:latin typeface="Consolas" panose="020B0609020204030204" pitchFamily="49" charset="0"/>
+              </a:rPr>
+              <a:t> </a:t>
+            </a:r>
+            <a:r>
+              <a:rPr lang="en-US" sz="2400" dirty="0" err="1">
+                <a:latin typeface="Consolas" panose="020B0609020204030204" pitchFamily="49" charset="0"/>
+              </a:rPr>
+              <a:t>đến</a:t>
+            </a:r>
+            <a:r>
+              <a:rPr lang="en-US" sz="2400" dirty="0">
+                <a:latin typeface="Consolas" panose="020B0609020204030204" pitchFamily="49" charset="0"/>
+              </a:rPr>
+              <a:t> </a:t>
+            </a:r>
+            <a:r>
+              <a:rPr lang="en-US" sz="2400" dirty="0" err="1">
+                <a:latin typeface="Consolas" panose="020B0609020204030204" pitchFamily="49" charset="0"/>
+              </a:rPr>
+              <a:t>thùng</a:t>
+            </a:r>
+            <a:r>
+              <a:rPr lang="en-US" sz="2400" dirty="0">
+                <a:latin typeface="Consolas" panose="020B0609020204030204" pitchFamily="49" charset="0"/>
+              </a:rPr>
+              <a:t> (3)</a:t>
+            </a:r>
           </a:p>
         </p:txBody>
       </p:sp>
       <p:pic>
         <p:nvPicPr>
-          <p:cNvPr id="7" name="Picture 4" descr="cdio_animated">
+          <p:cNvPr id="6" name="Picture 4" descr="cdio_animated">
             <a:extLst>
               <a:ext uri="{FF2B5EF4-FFF2-40B4-BE49-F238E27FC236}">
-                <a16:creationId xmlns:a16="http://schemas.microsoft.com/office/drawing/2014/main" id="{9A62C5EE-7BCF-4243-A298-1FB77F72803F}"/>
+                <a16:creationId xmlns:a16="http://schemas.microsoft.com/office/drawing/2014/main" id="{6E6AC058-35F3-434C-A19C-4CDB85B56C4A}"/>
               </a:ext>
             </a:extLst>
           </p:cNvPr>
@@ -19591,7 +22033,7 @@
         </p:blipFill>
         <p:spPr>
           <a:xfrm>
-            <a:off x="640797" y="5529054"/>
+            <a:off x="638529" y="5528770"/>
             <a:ext cx="1414302" cy="707151"/>
           </a:xfrm>
           <a:prstGeom prst="rect">
@@ -19628,6 +22070,41 @@
           </a:extLst>
         </p:spPr>
       </p:pic>
+      <p:sp>
+        <p:nvSpPr>
+          <p:cNvPr id="8" name="Slide Number Placeholder 1">
+            <a:extLst>
+              <a:ext uri="{FF2B5EF4-FFF2-40B4-BE49-F238E27FC236}">
+                <a16:creationId xmlns:a16="http://schemas.microsoft.com/office/drawing/2014/main" id="{30E32387-3136-40B9-8CCE-214D52A56373}"/>
+              </a:ext>
+            </a:extLst>
+          </p:cNvPr>
+          <p:cNvSpPr>
+            <a:spLocks noGrp="1"/>
+          </p:cNvSpPr>
+          <p:nvPr>
+            <p:ph type="sldNum" sz="quarter" idx="12"/>
+          </p:nvPr>
+        </p:nvSpPr>
+        <p:spPr>
+          <a:xfrm>
+            <a:off x="10337611" y="5869093"/>
+            <a:ext cx="542697" cy="279400"/>
+          </a:xfrm>
+        </p:spPr>
+        <p:txBody>
+          <a:bodyPr/>
+          <a:lstStyle/>
+          <a:p>
+            <a:fld id="{D57F1E4F-1CFF-5643-939E-217C01CDF565}" type="slidenum">
+              <a:rPr lang="en-US" sz="3200" smtClean="0"/>
+              <a:pPr/>
+              <a:t>8</a:t>
+            </a:fld>
+            <a:endParaRPr lang="en-US" sz="3200" dirty="0"/>
+          </a:p>
+        </p:txBody>
+      </p:sp>
     </p:spTree>
     <p:extLst>
       <p:ext uri="{BB962C8B-B14F-4D97-AF65-F5344CB8AC3E}">
@@ -19638,6 +22115,9 @@
   <p:clrMapOvr>
     <a:masterClrMapping/>
   </p:clrMapOvr>
+  <p:transition spd="slow">
+    <p:wipe/>
+  </p:transition>
 </p:sld>
 </file>
 
@@ -19838,295 +22318,10 @@
       </p:sp>
       <p:pic>
         <p:nvPicPr>
-          <p:cNvPr id="4" name="Picture 3">
+          <p:cNvPr id="11" name="Picture 4" descr="cdio_animated">
             <a:extLst>
               <a:ext uri="{FF2B5EF4-FFF2-40B4-BE49-F238E27FC236}">
-                <a16:creationId xmlns:a16="http://schemas.microsoft.com/office/drawing/2014/main" id="{ABB7DD89-C225-41E4-95C1-06CE51311A87}"/>
-              </a:ext>
-            </a:extLst>
-          </p:cNvPr>
-          <p:cNvPicPr>
-            <a:picLocks noChangeAspect="1"/>
-          </p:cNvPicPr>
-          <p:nvPr/>
-        </p:nvPicPr>
-        <p:blipFill rotWithShape="1">
-          <a:blip r:embed="rId2"/>
-          <a:srcRect l="4325" t="20601" r="38975" b="50000"/>
-          <a:stretch/>
-        </p:blipFill>
-        <p:spPr>
-          <a:xfrm>
-            <a:off x="1984955" y="2331680"/>
-            <a:ext cx="8640960" cy="2520280"/>
-          </a:xfrm>
-          <a:prstGeom prst="rect">
-            <a:avLst/>
-          </a:prstGeom>
-        </p:spPr>
-      </p:pic>
-      <p:grpSp>
-        <p:nvGrpSpPr>
-          <p:cNvPr id="5" name="Group 4">
-            <a:extLst>
-              <a:ext uri="{FF2B5EF4-FFF2-40B4-BE49-F238E27FC236}">
-                <a16:creationId xmlns:a16="http://schemas.microsoft.com/office/drawing/2014/main" id="{A47355F1-7F73-4B78-820B-64C7EA32CB5B}"/>
-              </a:ext>
-            </a:extLst>
-          </p:cNvPr>
-          <p:cNvGrpSpPr/>
-          <p:nvPr/>
-        </p:nvGrpSpPr>
-        <p:grpSpPr>
-          <a:xfrm>
-            <a:off x="2838399" y="2326404"/>
-            <a:ext cx="3024336" cy="3443610"/>
-            <a:chOff x="1115616" y="2492896"/>
-            <a:chExt cx="3024336" cy="3443610"/>
-          </a:xfrm>
-        </p:grpSpPr>
-        <p:sp>
-          <p:nvSpPr>
-            <p:cNvPr id="6" name="Rectangle: Rounded Corners 5">
-              <a:extLst>
-                <a:ext uri="{FF2B5EF4-FFF2-40B4-BE49-F238E27FC236}">
-                  <a16:creationId xmlns:a16="http://schemas.microsoft.com/office/drawing/2014/main" id="{DF29310B-28A9-48F7-B14B-0B41877D6E8A}"/>
-                </a:ext>
-              </a:extLst>
-            </p:cNvPr>
-            <p:cNvSpPr/>
-            <p:nvPr/>
-          </p:nvSpPr>
-          <p:spPr>
-            <a:xfrm>
-              <a:off x="1115616" y="2492896"/>
-              <a:ext cx="3024336" cy="2808312"/>
-            </a:xfrm>
-            <a:prstGeom prst="roundRect">
-              <a:avLst/>
-            </a:prstGeom>
-            <a:noFill/>
-            <a:ln w="28575">
-              <a:prstDash val="dash"/>
-            </a:ln>
-          </p:spPr>
-          <p:style>
-            <a:lnRef idx="2">
-              <a:schemeClr val="accent1">
-                <a:shade val="50000"/>
-              </a:schemeClr>
-            </a:lnRef>
-            <a:fillRef idx="1">
-              <a:schemeClr val="accent1"/>
-            </a:fillRef>
-            <a:effectRef idx="0">
-              <a:schemeClr val="accent1"/>
-            </a:effectRef>
-            <a:fontRef idx="minor">
-              <a:schemeClr val="lt1"/>
-            </a:fontRef>
-          </p:style>
-          <p:txBody>
-            <a:bodyPr rtlCol="0" anchor="ctr"/>
-            <a:lstStyle/>
-            <a:p>
-              <a:pPr algn="ctr"/>
-              <a:endParaRPr lang="en-US">
-                <a:latin typeface="Segoe UI" panose="020B0502040204020203" pitchFamily="34" charset="0"/>
-                <a:cs typeface="Segoe UI" panose="020B0502040204020203" pitchFamily="34" charset="0"/>
-              </a:endParaRPr>
-            </a:p>
-          </p:txBody>
-        </p:sp>
-        <p:sp>
-          <p:nvSpPr>
-            <p:cNvPr id="7" name="TextBox 6">
-              <a:extLst>
-                <a:ext uri="{FF2B5EF4-FFF2-40B4-BE49-F238E27FC236}">
-                  <a16:creationId xmlns:a16="http://schemas.microsoft.com/office/drawing/2014/main" id="{E3D68281-5F64-4BF5-BDFE-37BA2B836E3C}"/>
-                </a:ext>
-              </a:extLst>
-            </p:cNvPr>
-            <p:cNvSpPr txBox="1"/>
-            <p:nvPr/>
-          </p:nvSpPr>
-          <p:spPr>
-            <a:xfrm>
-              <a:off x="2087724" y="5013176"/>
-              <a:ext cx="1080120" cy="923330"/>
-            </a:xfrm>
-            <a:prstGeom prst="rect">
-              <a:avLst/>
-            </a:prstGeom>
-            <a:solidFill>
-              <a:schemeClr val="bg1"/>
-            </a:solidFill>
-          </p:spPr>
-          <p:txBody>
-            <a:bodyPr wrap="square" rtlCol="0">
-              <a:spAutoFit/>
-            </a:bodyPr>
-            <a:lstStyle/>
-            <a:p>
-              <a:pPr algn="ctr"/>
-              <a:r>
-                <a:rPr lang="en-US" dirty="0">
-                  <a:latin typeface="Segoe UI" panose="020B0502040204020203" pitchFamily="34" charset="0"/>
-                  <a:cs typeface="Segoe UI" panose="020B0502040204020203" pitchFamily="34" charset="0"/>
-                </a:rPr>
-                <a:t>Module 1</a:t>
-              </a:r>
-              <a:br>
-                <a:rPr lang="en-US" dirty="0">
-                  <a:latin typeface="Segoe UI" panose="020B0502040204020203" pitchFamily="34" charset="0"/>
-                  <a:cs typeface="Segoe UI" panose="020B0502040204020203" pitchFamily="34" charset="0"/>
-                </a:rPr>
-              </a:br>
-              <a:r>
-                <a:rPr lang="en-US" dirty="0">
-                  <a:latin typeface="Segoe UI" panose="020B0502040204020203" pitchFamily="34" charset="0"/>
-                  <a:cs typeface="Segoe UI" panose="020B0502040204020203" pitchFamily="34" charset="0"/>
-                </a:rPr>
-                <a:t>(User)</a:t>
-              </a:r>
-            </a:p>
-          </p:txBody>
-        </p:sp>
-      </p:grpSp>
-      <p:grpSp>
-        <p:nvGrpSpPr>
-          <p:cNvPr id="8" name="Group 7">
-            <a:extLst>
-              <a:ext uri="{FF2B5EF4-FFF2-40B4-BE49-F238E27FC236}">
-                <a16:creationId xmlns:a16="http://schemas.microsoft.com/office/drawing/2014/main" id="{CA3E3C31-B654-4030-98E5-743926EB6F07}"/>
-              </a:ext>
-            </a:extLst>
-          </p:cNvPr>
-          <p:cNvGrpSpPr/>
-          <p:nvPr/>
-        </p:nvGrpSpPr>
-        <p:grpSpPr>
-          <a:xfrm>
-            <a:off x="5934743" y="2339655"/>
-            <a:ext cx="3405808" cy="3166611"/>
-            <a:chOff x="1115616" y="2492896"/>
-            <a:chExt cx="3024336" cy="3166611"/>
-          </a:xfrm>
-        </p:grpSpPr>
-        <p:sp>
-          <p:nvSpPr>
-            <p:cNvPr id="9" name="Rectangle: Rounded Corners 8">
-              <a:extLst>
-                <a:ext uri="{FF2B5EF4-FFF2-40B4-BE49-F238E27FC236}">
-                  <a16:creationId xmlns:a16="http://schemas.microsoft.com/office/drawing/2014/main" id="{FF3CEBFF-F2E7-4B01-8FEA-90924B5CF032}"/>
-                </a:ext>
-              </a:extLst>
-            </p:cNvPr>
-            <p:cNvSpPr/>
-            <p:nvPr/>
-          </p:nvSpPr>
-          <p:spPr>
-            <a:xfrm>
-              <a:off x="1115616" y="2492896"/>
-              <a:ext cx="3024336" cy="2808312"/>
-            </a:xfrm>
-            <a:prstGeom prst="roundRect">
-              <a:avLst/>
-            </a:prstGeom>
-            <a:noFill/>
-            <a:ln w="28575">
-              <a:prstDash val="dash"/>
-            </a:ln>
-          </p:spPr>
-          <p:style>
-            <a:lnRef idx="2">
-              <a:schemeClr val="accent1">
-                <a:shade val="50000"/>
-              </a:schemeClr>
-            </a:lnRef>
-            <a:fillRef idx="1">
-              <a:schemeClr val="accent1"/>
-            </a:fillRef>
-            <a:effectRef idx="0">
-              <a:schemeClr val="accent1"/>
-            </a:effectRef>
-            <a:fontRef idx="minor">
-              <a:schemeClr val="lt1"/>
-            </a:fontRef>
-          </p:style>
-          <p:txBody>
-            <a:bodyPr rtlCol="0" anchor="ctr"/>
-            <a:lstStyle/>
-            <a:p>
-              <a:pPr algn="ctr"/>
-              <a:endParaRPr lang="en-US">
-                <a:latin typeface="Segoe UI" panose="020B0502040204020203" pitchFamily="34" charset="0"/>
-                <a:cs typeface="Segoe UI" panose="020B0502040204020203" pitchFamily="34" charset="0"/>
-              </a:endParaRPr>
-            </a:p>
-          </p:txBody>
-        </p:sp>
-        <p:sp>
-          <p:nvSpPr>
-            <p:cNvPr id="10" name="TextBox 9">
-              <a:extLst>
-                <a:ext uri="{FF2B5EF4-FFF2-40B4-BE49-F238E27FC236}">
-                  <a16:creationId xmlns:a16="http://schemas.microsoft.com/office/drawing/2014/main" id="{23F987B2-0A73-4DBB-81BC-CB84A45745AE}"/>
-                </a:ext>
-              </a:extLst>
-            </p:cNvPr>
-            <p:cNvSpPr txBox="1"/>
-            <p:nvPr/>
-          </p:nvSpPr>
-          <p:spPr>
-            <a:xfrm>
-              <a:off x="2087724" y="5013176"/>
-              <a:ext cx="1080120" cy="646331"/>
-            </a:xfrm>
-            <a:prstGeom prst="rect">
-              <a:avLst/>
-            </a:prstGeom>
-            <a:solidFill>
-              <a:schemeClr val="bg1"/>
-            </a:solidFill>
-          </p:spPr>
-          <p:txBody>
-            <a:bodyPr wrap="square" rtlCol="0">
-              <a:spAutoFit/>
-            </a:bodyPr>
-            <a:lstStyle/>
-            <a:p>
-              <a:pPr algn="ctr"/>
-              <a:r>
-                <a:rPr lang="en-US" dirty="0">
-                  <a:latin typeface="Segoe UI" panose="020B0502040204020203" pitchFamily="34" charset="0"/>
-                  <a:cs typeface="Segoe UI" panose="020B0502040204020203" pitchFamily="34" charset="0"/>
-                </a:rPr>
-                <a:t>Module 2</a:t>
-              </a:r>
-              <a:br>
-                <a:rPr lang="en-US" dirty="0">
-                  <a:latin typeface="Segoe UI" panose="020B0502040204020203" pitchFamily="34" charset="0"/>
-                  <a:cs typeface="Segoe UI" panose="020B0502040204020203" pitchFamily="34" charset="0"/>
-                </a:rPr>
-              </a:br>
-              <a:r>
-                <a:rPr lang="en-US" dirty="0">
-                  <a:latin typeface="Segoe UI" panose="020B0502040204020203" pitchFamily="34" charset="0"/>
-                  <a:cs typeface="Segoe UI" panose="020B0502040204020203" pitchFamily="34" charset="0"/>
-                </a:rPr>
-                <a:t>(Classify)</a:t>
-              </a:r>
-            </a:p>
-          </p:txBody>
-        </p:sp>
-      </p:grpSp>
-      <p:pic>
-        <p:nvPicPr>
-          <p:cNvPr id="13" name="Picture 4" descr="cdio_animated">
-            <a:extLst>
-              <a:ext uri="{FF2B5EF4-FFF2-40B4-BE49-F238E27FC236}">
-                <a16:creationId xmlns:a16="http://schemas.microsoft.com/office/drawing/2014/main" id="{A2A45210-3A30-4617-A15F-0AED1D04988B}"/>
+                <a16:creationId xmlns:a16="http://schemas.microsoft.com/office/drawing/2014/main" id="{AB49160C-C951-4E4F-808C-2AF4C6CA789A}"/>
               </a:ext>
             </a:extLst>
           </p:cNvPr>
@@ -20136,7 +22331,7 @@
           <p:nvPr/>
         </p:nvPicPr>
         <p:blipFill>
-          <a:blip r:embed="rId3">
+          <a:blip r:embed="rId2">
             <a:extLst>
               <a:ext uri="{28A0092B-C50C-407E-A947-70E740481C1C}">
                 <a14:useLocalDpi xmlns:a14="http://schemas.microsoft.com/office/drawing/2010/main" val="0"/>
@@ -20150,7 +22345,7 @@
         </p:blipFill>
         <p:spPr>
           <a:xfrm>
-            <a:off x="640594" y="5519518"/>
+            <a:off x="638529" y="5528770"/>
             <a:ext cx="1414302" cy="707151"/>
           </a:xfrm>
           <a:prstGeom prst="rect">
@@ -20187,6 +22382,71 @@
           </a:extLst>
         </p:spPr>
       </p:pic>
+      <p:pic>
+        <p:nvPicPr>
+          <p:cNvPr id="14" name="Picture 13" descr="A picture containing text, white, door, sitting&#10;&#10;Description automatically generated">
+            <a:extLst>
+              <a:ext uri="{FF2B5EF4-FFF2-40B4-BE49-F238E27FC236}">
+                <a16:creationId xmlns:a16="http://schemas.microsoft.com/office/drawing/2014/main" id="{09F7DA0E-03A2-4330-8796-EAB5A13F7AFE}"/>
+              </a:ext>
+            </a:extLst>
+          </p:cNvPr>
+          <p:cNvPicPr>
+            <a:picLocks noChangeAspect="1"/>
+          </p:cNvPicPr>
+          <p:nvPr/>
+        </p:nvPicPr>
+        <p:blipFill>
+          <a:blip r:embed="rId3"/>
+          <a:stretch>
+            <a:fillRect/>
+          </a:stretch>
+        </p:blipFill>
+        <p:spPr>
+          <a:xfrm>
+            <a:off x="2853089" y="1997901"/>
+            <a:ext cx="6485821" cy="3912757"/>
+          </a:xfrm>
+          <a:prstGeom prst="rect">
+            <a:avLst/>
+          </a:prstGeom>
+        </p:spPr>
+      </p:pic>
+      <p:sp>
+        <p:nvSpPr>
+          <p:cNvPr id="16" name="Slide Number Placeholder 1">
+            <a:extLst>
+              <a:ext uri="{FF2B5EF4-FFF2-40B4-BE49-F238E27FC236}">
+                <a16:creationId xmlns:a16="http://schemas.microsoft.com/office/drawing/2014/main" id="{6DD5AB66-EEEC-414D-9A1E-38425D5E6849}"/>
+              </a:ext>
+            </a:extLst>
+          </p:cNvPr>
+          <p:cNvSpPr>
+            <a:spLocks noGrp="1"/>
+          </p:cNvSpPr>
+          <p:nvPr>
+            <p:ph type="sldNum" sz="quarter" idx="12"/>
+          </p:nvPr>
+        </p:nvSpPr>
+        <p:spPr>
+          <a:xfrm>
+            <a:off x="10337611" y="5869093"/>
+            <a:ext cx="542697" cy="279400"/>
+          </a:xfrm>
+        </p:spPr>
+        <p:txBody>
+          <a:bodyPr/>
+          <a:lstStyle/>
+          <a:p>
+            <a:fld id="{D57F1E4F-1CFF-5643-939E-217C01CDF565}" type="slidenum">
+              <a:rPr lang="en-US" sz="3200" smtClean="0"/>
+              <a:pPr/>
+              <a:t>9</a:t>
+            </a:fld>
+            <a:endParaRPr lang="en-US" sz="3200" dirty="0"/>
+          </a:p>
+        </p:txBody>
+      </p:sp>
     </p:spTree>
     <p:extLst>
       <p:ext uri="{BB962C8B-B14F-4D97-AF65-F5344CB8AC3E}">
@@ -20197,142 +22457,18 @@
   <p:clrMapOvr>
     <a:masterClrMapping/>
   </p:clrMapOvr>
-  <p:timing>
-    <p:tnLst>
-      <p:par>
-        <p:cTn id="1" dur="indefinite" restart="never" nodeType="tmRoot">
-          <p:childTnLst>
-            <p:seq concurrent="1" nextAc="seek">
-              <p:cTn id="2" dur="indefinite" nodeType="mainSeq">
-                <p:childTnLst>
-                  <p:par>
-                    <p:cTn id="3" fill="hold">
-                      <p:stCondLst>
-                        <p:cond delay="indefinite"/>
-                      </p:stCondLst>
-                      <p:childTnLst>
-                        <p:par>
-                          <p:cTn id="4" fill="hold">
-                            <p:stCondLst>
-                              <p:cond delay="0"/>
-                            </p:stCondLst>
-                            <p:childTnLst>
-                              <p:par>
-                                <p:cTn id="5" presetID="14" presetClass="entr" presetSubtype="10" fill="hold" nodeType="clickEffect">
-                                  <p:stCondLst>
-                                    <p:cond delay="0"/>
-                                  </p:stCondLst>
-                                  <p:childTnLst>
-                                    <p:set>
-                                      <p:cBhvr>
-                                        <p:cTn id="6" dur="1" fill="hold">
-                                          <p:stCondLst>
-                                            <p:cond delay="0"/>
-                                          </p:stCondLst>
-                                        </p:cTn>
-                                        <p:tgtEl>
-                                          <p:spTgt spid="5"/>
-                                        </p:tgtEl>
-                                        <p:attrNameLst>
-                                          <p:attrName>style.visibility</p:attrName>
-                                        </p:attrNameLst>
-                                      </p:cBhvr>
-                                      <p:to>
-                                        <p:strVal val="visible"/>
-                                      </p:to>
-                                    </p:set>
-                                    <p:animEffect transition="in" filter="randombar(horizontal)">
-                                      <p:cBhvr>
-                                        <p:cTn id="7" dur="500"/>
-                                        <p:tgtEl>
-                                          <p:spTgt spid="5"/>
-                                        </p:tgtEl>
-                                      </p:cBhvr>
-                                    </p:animEffect>
-                                  </p:childTnLst>
-                                </p:cTn>
-                              </p:par>
-                            </p:childTnLst>
-                          </p:cTn>
-                        </p:par>
-                      </p:childTnLst>
-                    </p:cTn>
-                  </p:par>
-                  <p:par>
-                    <p:cTn id="8" fill="hold">
-                      <p:stCondLst>
-                        <p:cond delay="indefinite"/>
-                      </p:stCondLst>
-                      <p:childTnLst>
-                        <p:par>
-                          <p:cTn id="9" fill="hold">
-                            <p:stCondLst>
-                              <p:cond delay="0"/>
-                            </p:stCondLst>
-                            <p:childTnLst>
-                              <p:par>
-                                <p:cTn id="10" presetID="14" presetClass="entr" presetSubtype="10" fill="hold" nodeType="clickEffect">
-                                  <p:stCondLst>
-                                    <p:cond delay="0"/>
-                                  </p:stCondLst>
-                                  <p:childTnLst>
-                                    <p:set>
-                                      <p:cBhvr>
-                                        <p:cTn id="11" dur="1" fill="hold">
-                                          <p:stCondLst>
-                                            <p:cond delay="0"/>
-                                          </p:stCondLst>
-                                        </p:cTn>
-                                        <p:tgtEl>
-                                          <p:spTgt spid="8"/>
-                                        </p:tgtEl>
-                                        <p:attrNameLst>
-                                          <p:attrName>style.visibility</p:attrName>
-                                        </p:attrNameLst>
-                                      </p:cBhvr>
-                                      <p:to>
-                                        <p:strVal val="visible"/>
-                                      </p:to>
-                                    </p:set>
-                                    <p:animEffect transition="in" filter="randombar(horizontal)">
-                                      <p:cBhvr>
-                                        <p:cTn id="12" dur="500"/>
-                                        <p:tgtEl>
-                                          <p:spTgt spid="8"/>
-                                        </p:tgtEl>
-                                      </p:cBhvr>
-                                    </p:animEffect>
-                                  </p:childTnLst>
-                                </p:cTn>
-                              </p:par>
-                            </p:childTnLst>
-                          </p:cTn>
-                        </p:par>
-                      </p:childTnLst>
-                    </p:cTn>
-                  </p:par>
-                </p:childTnLst>
-              </p:cTn>
-              <p:prevCondLst>
-                <p:cond evt="onPrev" delay="0">
-                  <p:tgtEl>
-                    <p:sldTgt/>
-                  </p:tgtEl>
-                </p:cond>
-              </p:prevCondLst>
-              <p:nextCondLst>
-                <p:cond evt="onNext" delay="0">
-                  <p:tgtEl>
-                    <p:sldTgt/>
-                  </p:tgtEl>
-                </p:cond>
-              </p:nextCondLst>
-            </p:seq>
-          </p:childTnLst>
-        </p:cTn>
-      </p:par>
-    </p:tnLst>
-  </p:timing>
+  <mc:AlternateContent xmlns:mc="http://schemas.openxmlformats.org/markup-compatibility/2006" xmlns:p14="http://schemas.microsoft.com/office/powerpoint/2010/main">
+    <mc:Choice Requires="p14">
+      <p:transition spd="med" p14:dur="700">
+        <p:fade/>
+      </p:transition>
+    </mc:Choice>
+    <mc:Fallback xmlns="">
+      <p:transition spd="med">
+        <p:fade/>
+      </p:transition>
+    </mc:Fallback>
+  </mc:AlternateContent>
 </p:sld>
 </file>
 
@@ -20567,4 +22703,299 @@
     </a:ext>
   </a:extLst>
 </a:theme>
+</file>
+
+<file path=ppt/theme/theme2.xml><?xml version="1.0" encoding="utf-8"?>
+<a:theme xmlns:a="http://schemas.openxmlformats.org/drawingml/2006/main" name="Office Theme">
+  <a:themeElements>
+    <a:clrScheme name="Office">
+      <a:dk1>
+        <a:sysClr val="windowText" lastClr="000000"/>
+      </a:dk1>
+      <a:lt1>
+        <a:sysClr val="window" lastClr="FFFFFF"/>
+      </a:lt1>
+      <a:dk2>
+        <a:srgbClr val="44546A"/>
+      </a:dk2>
+      <a:lt2>
+        <a:srgbClr val="E7E6E6"/>
+      </a:lt2>
+      <a:accent1>
+        <a:srgbClr val="4472C4"/>
+      </a:accent1>
+      <a:accent2>
+        <a:srgbClr val="ED7D31"/>
+      </a:accent2>
+      <a:accent3>
+        <a:srgbClr val="A5A5A5"/>
+      </a:accent3>
+      <a:accent4>
+        <a:srgbClr val="FFC000"/>
+      </a:accent4>
+      <a:accent5>
+        <a:srgbClr val="5B9BD5"/>
+      </a:accent5>
+      <a:accent6>
+        <a:srgbClr val="70AD47"/>
+      </a:accent6>
+      <a:hlink>
+        <a:srgbClr val="0563C1"/>
+      </a:hlink>
+      <a:folHlink>
+        <a:srgbClr val="954F72"/>
+      </a:folHlink>
+    </a:clrScheme>
+    <a:fontScheme name="Office">
+      <a:majorFont>
+        <a:latin typeface="Calibri Light" panose="020F0302020204030204"/>
+        <a:ea typeface=""/>
+        <a:cs typeface=""/>
+        <a:font script="Jpan" typeface="游ゴシック Light"/>
+        <a:font script="Hang" typeface="맑은 고딕"/>
+        <a:font script="Hans" typeface="等线 Light"/>
+        <a:font script="Hant" typeface="新細明體"/>
+        <a:font script="Arab" typeface="Times New Roman"/>
+        <a:font script="Hebr" typeface="Times New Roman"/>
+        <a:font script="Thai" typeface="Angsana New"/>
+        <a:font script="Ethi" typeface="Nyala"/>
+        <a:font script="Beng" typeface="Vrinda"/>
+        <a:font script="Gujr" typeface="Shruti"/>
+        <a:font script="Khmr" typeface="MoolBoran"/>
+        <a:font script="Knda" typeface="Tunga"/>
+        <a:font script="Guru" typeface="Raavi"/>
+        <a:font script="Cans" typeface="Euphemia"/>
+        <a:font script="Cher" typeface="Plantagenet Cherokee"/>
+        <a:font script="Yiii" typeface="Microsoft Yi Baiti"/>
+        <a:font script="Tibt" typeface="Microsoft Himalaya"/>
+        <a:font script="Thaa" typeface="MV Boli"/>
+        <a:font script="Deva" typeface="Mangal"/>
+        <a:font script="Telu" typeface="Gautami"/>
+        <a:font script="Taml" typeface="Latha"/>
+        <a:font script="Syrc" typeface="Estrangelo Edessa"/>
+        <a:font script="Orya" typeface="Kalinga"/>
+        <a:font script="Mlym" typeface="Kartika"/>
+        <a:font script="Laoo" typeface="DokChampa"/>
+        <a:font script="Sinh" typeface="Iskoola Pota"/>
+        <a:font script="Mong" typeface="Mongolian Baiti"/>
+        <a:font script="Viet" typeface="Times New Roman"/>
+        <a:font script="Uigh" typeface="Microsoft Uighur"/>
+        <a:font script="Geor" typeface="Sylfaen"/>
+        <a:font script="Armn" typeface="Arial"/>
+        <a:font script="Bugi" typeface="Leelawadee UI"/>
+        <a:font script="Bopo" typeface="Microsoft JhengHei"/>
+        <a:font script="Java" typeface="Javanese Text"/>
+        <a:font script="Lisu" typeface="Segoe UI"/>
+        <a:font script="Mymr" typeface="Myanmar Text"/>
+        <a:font script="Nkoo" typeface="Ebrima"/>
+        <a:font script="Olck" typeface="Nirmala UI"/>
+        <a:font script="Osma" typeface="Ebrima"/>
+        <a:font script="Phag" typeface="Phagspa"/>
+        <a:font script="Syrn" typeface="Estrangelo Edessa"/>
+        <a:font script="Syrj" typeface="Estrangelo Edessa"/>
+        <a:font script="Syre" typeface="Estrangelo Edessa"/>
+        <a:font script="Sora" typeface="Nirmala UI"/>
+        <a:font script="Tale" typeface="Microsoft Tai Le"/>
+        <a:font script="Talu" typeface="Microsoft New Tai Lue"/>
+        <a:font script="Tfng" typeface="Ebrima"/>
+      </a:majorFont>
+      <a:minorFont>
+        <a:latin typeface="Calibri" panose="020F0502020204030204"/>
+        <a:ea typeface=""/>
+        <a:cs typeface=""/>
+        <a:font script="Jpan" typeface="游ゴシック"/>
+        <a:font script="Hang" typeface="맑은 고딕"/>
+        <a:font script="Hans" typeface="等线"/>
+        <a:font script="Hant" typeface="新細明體"/>
+        <a:font script="Arab" typeface="Arial"/>
+        <a:font script="Hebr" typeface="Arial"/>
+        <a:font script="Thai" typeface="Cordia New"/>
+        <a:font script="Ethi" typeface="Nyala"/>
+        <a:font script="Beng" typeface="Vrinda"/>
+        <a:font script="Gujr" typeface="Shruti"/>
+        <a:font script="Khmr" typeface="DaunPenh"/>
+        <a:font script="Knda" typeface="Tunga"/>
+        <a:font script="Guru" typeface="Raavi"/>
+        <a:font script="Cans" typeface="Euphemia"/>
+        <a:font script="Cher" typeface="Plantagenet Cherokee"/>
+        <a:font script="Yiii" typeface="Microsoft Yi Baiti"/>
+        <a:font script="Tibt" typeface="Microsoft Himalaya"/>
+        <a:font script="Thaa" typeface="MV Boli"/>
+        <a:font script="Deva" typeface="Mangal"/>
+        <a:font script="Telu" typeface="Gautami"/>
+        <a:font script="Taml" typeface="Latha"/>
+        <a:font script="Syrc" typeface="Estrangelo Edessa"/>
+        <a:font script="Orya" typeface="Kalinga"/>
+        <a:font script="Mlym" typeface="Kartika"/>
+        <a:font script="Laoo" typeface="DokChampa"/>
+        <a:font script="Sinh" typeface="Iskoola Pota"/>
+        <a:font script="Mong" typeface="Mongolian Baiti"/>
+        <a:font script="Viet" typeface="Arial"/>
+        <a:font script="Uigh" typeface="Microsoft Uighur"/>
+        <a:font script="Geor" typeface="Sylfaen"/>
+        <a:font script="Armn" typeface="Arial"/>
+        <a:font script="Bugi" typeface="Leelawadee UI"/>
+        <a:font script="Bopo" typeface="Microsoft JhengHei"/>
+        <a:font script="Java" typeface="Javanese Text"/>
+        <a:font script="Lisu" typeface="Segoe UI"/>
+        <a:font script="Mymr" typeface="Myanmar Text"/>
+        <a:font script="Nkoo" typeface="Ebrima"/>
+        <a:font script="Olck" typeface="Nirmala UI"/>
+        <a:font script="Osma" typeface="Ebrima"/>
+        <a:font script="Phag" typeface="Phagspa"/>
+        <a:font script="Syrn" typeface="Estrangelo Edessa"/>
+        <a:font script="Syrj" typeface="Estrangelo Edessa"/>
+        <a:font script="Syre" typeface="Estrangelo Edessa"/>
+        <a:font script="Sora" typeface="Nirmala UI"/>
+        <a:font script="Tale" typeface="Microsoft Tai Le"/>
+        <a:font script="Talu" typeface="Microsoft New Tai Lue"/>
+        <a:font script="Tfng" typeface="Ebrima"/>
+      </a:minorFont>
+    </a:fontScheme>
+    <a:fmtScheme name="Office">
+      <a:fillStyleLst>
+        <a:solidFill>
+          <a:schemeClr val="phClr"/>
+        </a:solidFill>
+        <a:gradFill rotWithShape="1">
+          <a:gsLst>
+            <a:gs pos="0">
+              <a:schemeClr val="phClr">
+                <a:lumMod val="110000"/>
+                <a:satMod val="105000"/>
+                <a:tint val="67000"/>
+              </a:schemeClr>
+            </a:gs>
+            <a:gs pos="50000">
+              <a:schemeClr val="phClr">
+                <a:lumMod val="105000"/>
+                <a:satMod val="103000"/>
+                <a:tint val="73000"/>
+              </a:schemeClr>
+            </a:gs>
+            <a:gs pos="100000">
+              <a:schemeClr val="phClr">
+                <a:lumMod val="105000"/>
+                <a:satMod val="109000"/>
+                <a:tint val="81000"/>
+              </a:schemeClr>
+            </a:gs>
+          </a:gsLst>
+          <a:lin ang="5400000" scaled="0"/>
+        </a:gradFill>
+        <a:gradFill rotWithShape="1">
+          <a:gsLst>
+            <a:gs pos="0">
+              <a:schemeClr val="phClr">
+                <a:satMod val="103000"/>
+                <a:lumMod val="102000"/>
+                <a:tint val="94000"/>
+              </a:schemeClr>
+            </a:gs>
+            <a:gs pos="50000">
+              <a:schemeClr val="phClr">
+                <a:satMod val="110000"/>
+                <a:lumMod val="100000"/>
+                <a:shade val="100000"/>
+              </a:schemeClr>
+            </a:gs>
+            <a:gs pos="100000">
+              <a:schemeClr val="phClr">
+                <a:lumMod val="99000"/>
+                <a:satMod val="120000"/>
+                <a:shade val="78000"/>
+              </a:schemeClr>
+            </a:gs>
+          </a:gsLst>
+          <a:lin ang="5400000" scaled="0"/>
+        </a:gradFill>
+      </a:fillStyleLst>
+      <a:lnStyleLst>
+        <a:ln w="6350" cap="flat" cmpd="sng" algn="ctr">
+          <a:solidFill>
+            <a:schemeClr val="phClr"/>
+          </a:solidFill>
+          <a:prstDash val="solid"/>
+          <a:miter lim="800000"/>
+        </a:ln>
+        <a:ln w="12700" cap="flat" cmpd="sng" algn="ctr">
+          <a:solidFill>
+            <a:schemeClr val="phClr"/>
+          </a:solidFill>
+          <a:prstDash val="solid"/>
+          <a:miter lim="800000"/>
+        </a:ln>
+        <a:ln w="19050" cap="flat" cmpd="sng" algn="ctr">
+          <a:solidFill>
+            <a:schemeClr val="phClr"/>
+          </a:solidFill>
+          <a:prstDash val="solid"/>
+          <a:miter lim="800000"/>
+        </a:ln>
+      </a:lnStyleLst>
+      <a:effectStyleLst>
+        <a:effectStyle>
+          <a:effectLst/>
+        </a:effectStyle>
+        <a:effectStyle>
+          <a:effectLst/>
+        </a:effectStyle>
+        <a:effectStyle>
+          <a:effectLst>
+            <a:outerShdw blurRad="57150" dist="19050" dir="5400000" algn="ctr" rotWithShape="0">
+              <a:srgbClr val="000000">
+                <a:alpha val="63000"/>
+              </a:srgbClr>
+            </a:outerShdw>
+          </a:effectLst>
+        </a:effectStyle>
+      </a:effectStyleLst>
+      <a:bgFillStyleLst>
+        <a:solidFill>
+          <a:schemeClr val="phClr"/>
+        </a:solidFill>
+        <a:solidFill>
+          <a:schemeClr val="phClr">
+            <a:tint val="95000"/>
+            <a:satMod val="170000"/>
+          </a:schemeClr>
+        </a:solidFill>
+        <a:gradFill rotWithShape="1">
+          <a:gsLst>
+            <a:gs pos="0">
+              <a:schemeClr val="phClr">
+                <a:tint val="93000"/>
+                <a:satMod val="150000"/>
+                <a:shade val="98000"/>
+                <a:lumMod val="102000"/>
+              </a:schemeClr>
+            </a:gs>
+            <a:gs pos="50000">
+              <a:schemeClr val="phClr">
+                <a:tint val="98000"/>
+                <a:satMod val="130000"/>
+                <a:shade val="90000"/>
+                <a:lumMod val="103000"/>
+              </a:schemeClr>
+            </a:gs>
+            <a:gs pos="100000">
+              <a:schemeClr val="phClr">
+                <a:shade val="63000"/>
+                <a:satMod val="120000"/>
+              </a:schemeClr>
+            </a:gs>
+          </a:gsLst>
+          <a:lin ang="5400000" scaled="0"/>
+        </a:gradFill>
+      </a:bgFillStyleLst>
+    </a:fmtScheme>
+  </a:themeElements>
+  <a:objectDefaults/>
+  <a:extraClrSchemeLst/>
+  <a:extLst>
+    <a:ext uri="{05A4C25C-085E-4340-85A3-A5531E510DB2}">
+      <thm15:themeFamily xmlns:thm15="http://schemas.microsoft.com/office/thememl/2012/main" name="Office Theme" id="{62F939B6-93AF-4DB8-9C6B-D6C7DFDC589F}" vid="{4A3C46E8-61CC-4603-A589-7422A47A8E4A}"/>
+    </a:ext>
+  </a:extLst>
+</a:theme>
 </file>